--- a/presentation/presentation.pptx
+++ b/presentation/presentation.pptx
@@ -122,9 +122,60 @@
     </a:lvl9pPr>
   </p:defaultTextStyle>
   <p:extLst>
+    <p:ext uri="{521415D9-36F7-43E2-AB2F-B90AF26B5E84}">
+      <p14:sectionLst xmlns:p14="http://schemas.microsoft.com/office/powerpoint/2010/main">
+        <p14:section name="Intro" id="{0D9DF13C-C978-FE47-A5BE-335A7B61F5E6}">
+          <p14:sldIdLst>
+            <p14:sldId id="256"/>
+          </p14:sldIdLst>
+        </p14:section>
+        <p14:section name="The Game" id="{844AD73D-FE2E-D441-AA13-8AD6D75208DA}">
+          <p14:sldIdLst>
+            <p14:sldId id="269"/>
+            <p14:sldId id="270"/>
+            <p14:sldId id="271"/>
+          </p14:sldIdLst>
+        </p14:section>
+        <p14:section name="MARL" id="{28762A4B-6A3C-6C46-9A89-60D343C6DF53}">
+          <p14:sldIdLst>
+            <p14:sldId id="258"/>
+            <p14:sldId id="260"/>
+          </p14:sldIdLst>
+        </p14:section>
+        <p14:section name="DQNs" id="{F0C2887C-DE44-C64E-9934-F01CCE97ABDF}">
+          <p14:sldIdLst>
+            <p14:sldId id="259"/>
+            <p14:sldId id="261"/>
+          </p14:sldIdLst>
+        </p14:section>
+        <p14:section name="MARL to SARL" id="{8A9D5536-82D5-1A4D-A256-027FD467461C}">
+          <p14:sldIdLst>
+            <p14:sldId id="262"/>
+            <p14:sldId id="263"/>
+            <p14:sldId id="264"/>
+            <p14:sldId id="265"/>
+          </p14:sldIdLst>
+        </p14:section>
+        <p14:section name="v1" id="{DC85EDC7-9886-F846-AAEB-4B8A3EE80C67}">
+          <p14:sldIdLst>
+            <p14:sldId id="266"/>
+          </p14:sldIdLst>
+        </p14:section>
+        <p14:section name="Wrap Up" id="{71865012-020B-4049-87D1-8F129E0D2D3B}">
+          <p14:sldIdLst>
+            <p14:sldId id="268"/>
+          </p14:sldIdLst>
+        </p14:section>
+        <p14:section name="Questions" id="{DAF49AC8-F0EB-FE4E-881B-D8D682DDC559}">
+          <p14:sldIdLst>
+            <p14:sldId id="267"/>
+          </p14:sldIdLst>
+        </p14:section>
+      </p14:sectionLst>
+    </p:ext>
     <p:ext uri="{EFAFB233-063F-42B5-8137-9DF3F51BA10A}">
       <p15:sldGuideLst xmlns:p15="http://schemas.microsoft.com/office/powerpoint/2012/main">
-        <p15:guide id="1" orient="horz" pos="4343" userDrawn="1">
+        <p15:guide id="1" orient="horz" pos="4320" userDrawn="1">
           <p15:clr>
             <a:srgbClr val="A4A3A4"/>
           </p15:clr>
@@ -234,7 +285,7 @@
           <a:p>
             <a:fld id="{50E90B9F-315C-834C-A938-E4E130C101C4}" type="datetimeFigureOut">
               <a:rPr lang="en-SE" smtClean="0"/>
-              <a:t>2021-05-27</a:t>
+              <a:t>2021-05-28</a:t>
             </a:fld>
             <a:endParaRPr lang="en-SE"/>
           </a:p>
@@ -807,7 +858,7 @@
           <a:p>
             <a:fld id="{64D53CAB-91AB-614A-8533-DDF93710F1D3}" type="datetimeFigureOut">
               <a:rPr lang="en-SE" smtClean="0"/>
-              <a:t>2021-05-27</a:t>
+              <a:t>2021-05-28</a:t>
             </a:fld>
             <a:endParaRPr lang="en-SE"/>
           </a:p>
@@ -977,7 +1028,7 @@
           <a:p>
             <a:fld id="{64D53CAB-91AB-614A-8533-DDF93710F1D3}" type="datetimeFigureOut">
               <a:rPr lang="en-SE" smtClean="0"/>
-              <a:t>2021-05-27</a:t>
+              <a:t>2021-05-28</a:t>
             </a:fld>
             <a:endParaRPr lang="en-SE"/>
           </a:p>
@@ -1157,7 +1208,7 @@
           <a:p>
             <a:fld id="{64D53CAB-91AB-614A-8533-DDF93710F1D3}" type="datetimeFigureOut">
               <a:rPr lang="en-SE" smtClean="0"/>
-              <a:t>2021-05-27</a:t>
+              <a:t>2021-05-28</a:t>
             </a:fld>
             <a:endParaRPr lang="en-SE"/>
           </a:p>
@@ -1327,7 +1378,7 @@
           <a:p>
             <a:fld id="{64D53CAB-91AB-614A-8533-DDF93710F1D3}" type="datetimeFigureOut">
               <a:rPr lang="en-SE" smtClean="0"/>
-              <a:t>2021-05-27</a:t>
+              <a:t>2021-05-28</a:t>
             </a:fld>
             <a:endParaRPr lang="en-SE"/>
           </a:p>
@@ -1573,7 +1624,7 @@
           <a:p>
             <a:fld id="{64D53CAB-91AB-614A-8533-DDF93710F1D3}" type="datetimeFigureOut">
               <a:rPr lang="en-SE" smtClean="0"/>
-              <a:t>2021-05-27</a:t>
+              <a:t>2021-05-28</a:t>
             </a:fld>
             <a:endParaRPr lang="en-SE"/>
           </a:p>
@@ -1805,7 +1856,7 @@
           <a:p>
             <a:fld id="{64D53CAB-91AB-614A-8533-DDF93710F1D3}" type="datetimeFigureOut">
               <a:rPr lang="en-SE" smtClean="0"/>
-              <a:t>2021-05-27</a:t>
+              <a:t>2021-05-28</a:t>
             </a:fld>
             <a:endParaRPr lang="en-SE"/>
           </a:p>
@@ -2172,7 +2223,7 @@
           <a:p>
             <a:fld id="{64D53CAB-91AB-614A-8533-DDF93710F1D3}" type="datetimeFigureOut">
               <a:rPr lang="en-SE" smtClean="0"/>
-              <a:t>2021-05-27</a:t>
+              <a:t>2021-05-28</a:t>
             </a:fld>
             <a:endParaRPr lang="en-SE"/>
           </a:p>
@@ -2290,7 +2341,7 @@
           <a:p>
             <a:fld id="{64D53CAB-91AB-614A-8533-DDF93710F1D3}" type="datetimeFigureOut">
               <a:rPr lang="en-SE" smtClean="0"/>
-              <a:t>2021-05-27</a:t>
+              <a:t>2021-05-28</a:t>
             </a:fld>
             <a:endParaRPr lang="en-SE"/>
           </a:p>
@@ -2385,7 +2436,7 @@
           <a:p>
             <a:fld id="{64D53CAB-91AB-614A-8533-DDF93710F1D3}" type="datetimeFigureOut">
               <a:rPr lang="en-SE" smtClean="0"/>
-              <a:t>2021-05-27</a:t>
+              <a:t>2021-05-28</a:t>
             </a:fld>
             <a:endParaRPr lang="en-SE"/>
           </a:p>
@@ -2662,7 +2713,7 @@
           <a:p>
             <a:fld id="{64D53CAB-91AB-614A-8533-DDF93710F1D3}" type="datetimeFigureOut">
               <a:rPr lang="en-SE" smtClean="0"/>
-              <a:t>2021-05-27</a:t>
+              <a:t>2021-05-28</a:t>
             </a:fld>
             <a:endParaRPr lang="en-SE"/>
           </a:p>
@@ -2919,7 +2970,7 @@
           <a:p>
             <a:fld id="{64D53CAB-91AB-614A-8533-DDF93710F1D3}" type="datetimeFigureOut">
               <a:rPr lang="en-SE" smtClean="0"/>
-              <a:t>2021-05-27</a:t>
+              <a:t>2021-05-28</a:t>
             </a:fld>
             <a:endParaRPr lang="en-SE"/>
           </a:p>
@@ -3135,7 +3186,7 @@
           <a:p>
             <a:fld id="{64D53CAB-91AB-614A-8533-DDF93710F1D3}" type="datetimeFigureOut">
               <a:rPr lang="en-SE" smtClean="0"/>
-              <a:t>2021-05-27</a:t>
+              <a:t>2021-05-28</a:t>
             </a:fld>
             <a:endParaRPr lang="en-SE"/>
           </a:p>
@@ -4493,8 +4544,8 @@
           </a:p>
         </p:txBody>
       </p:sp>
-      <mc:AlternateContent xmlns:mc="http://schemas.openxmlformats.org/markup-compatibility/2006">
-        <mc:Choice xmlns:a14="http://schemas.microsoft.com/office/drawing/2010/main" Requires="a14">
+      <mc:AlternateContent xmlns:mc="http://schemas.openxmlformats.org/markup-compatibility/2006" xmlns:a14="http://schemas.microsoft.com/office/drawing/2010/main">
+        <mc:Choice Requires="a14">
           <p:sp>
             <p:nvSpPr>
               <p:cNvPr id="13" name="Content Placeholder 2">
@@ -4669,7 +4720,7 @@
             </p:txBody>
           </p:sp>
         </mc:Choice>
-        <mc:Fallback>
+        <mc:Fallback xmlns="">
           <p:sp>
             <p:nvSpPr>
               <p:cNvPr id="13" name="Content Placeholder 2">
@@ -4775,13 +4826,13 @@
   <p:clrMapOvr>
     <a:masterClrMapping/>
   </p:clrMapOvr>
-  <mc:AlternateContent xmlns:mc="http://schemas.openxmlformats.org/markup-compatibility/2006">
-    <mc:Choice xmlns:p159="http://schemas.microsoft.com/office/powerpoint/2015/09/main" Requires="p159">
+  <mc:AlternateContent xmlns:mc="http://schemas.openxmlformats.org/markup-compatibility/2006" xmlns:p159="http://schemas.microsoft.com/office/powerpoint/2015/09/main">
+    <mc:Choice Requires="p159">
       <p:transition xmlns:p14="http://schemas.microsoft.com/office/powerpoint/2010/main" spd="slow" p14:dur="2000">
         <p159:morph option="byObject"/>
       </p:transition>
     </mc:Choice>
-    <mc:Fallback>
+    <mc:Fallback xmlns="">
       <p:transition spd="slow">
         <p:fade/>
       </p:transition>
@@ -5589,8 +5640,8 @@
           </a:p>
         </p:txBody>
       </p:sp>
-      <mc:AlternateContent xmlns:mc="http://schemas.openxmlformats.org/markup-compatibility/2006">
-        <mc:Choice xmlns:a14="http://schemas.microsoft.com/office/drawing/2010/main" Requires="a14">
+      <mc:AlternateContent xmlns:mc="http://schemas.openxmlformats.org/markup-compatibility/2006" xmlns:a14="http://schemas.microsoft.com/office/drawing/2010/main">
+        <mc:Choice Requires="a14">
           <p:sp>
             <p:nvSpPr>
               <p:cNvPr id="13" name="Content Placeholder 2">
@@ -5765,7 +5816,7 @@
             </p:txBody>
           </p:sp>
         </mc:Choice>
-        <mc:Fallback>
+        <mc:Fallback xmlns="">
           <p:sp>
             <p:nvSpPr>
               <p:cNvPr id="13" name="Content Placeholder 2">
@@ -6420,8 +6471,8 @@
           </p:txBody>
         </p:sp>
       </p:grpSp>
-      <mc:AlternateContent xmlns:mc="http://schemas.openxmlformats.org/markup-compatibility/2006">
-        <mc:Choice xmlns:a14="http://schemas.microsoft.com/office/drawing/2010/main" Requires="a14">
+      <mc:AlternateContent xmlns:mc="http://schemas.openxmlformats.org/markup-compatibility/2006" xmlns:a14="http://schemas.microsoft.com/office/drawing/2010/main">
+        <mc:Choice Requires="a14">
           <p:sp>
             <p:nvSpPr>
               <p:cNvPr id="29" name="Content Placeholder 2">
@@ -6916,7 +6967,7 @@
             </p:txBody>
           </p:sp>
         </mc:Choice>
-        <mc:Fallback>
+        <mc:Fallback xmlns="">
           <p:sp>
             <p:nvSpPr>
               <p:cNvPr id="29" name="Content Placeholder 2">
@@ -7075,13 +7126,13 @@
   <p:clrMapOvr>
     <a:masterClrMapping/>
   </p:clrMapOvr>
-  <mc:AlternateContent xmlns:mc="http://schemas.openxmlformats.org/markup-compatibility/2006">
-    <mc:Choice xmlns:p159="http://schemas.microsoft.com/office/powerpoint/2015/09/main" Requires="p159">
+  <mc:AlternateContent xmlns:mc="http://schemas.openxmlformats.org/markup-compatibility/2006" xmlns:p159="http://schemas.microsoft.com/office/powerpoint/2015/09/main">
+    <mc:Choice Requires="p159">
       <p:transition xmlns:p14="http://schemas.microsoft.com/office/powerpoint/2010/main" spd="slow" p14:dur="2000">
         <p159:morph option="byObject"/>
       </p:transition>
     </mc:Choice>
-    <mc:Fallback>
+    <mc:Fallback xmlns="">
       <p:transition spd="slow">
         <p:fade/>
       </p:transition>
@@ -7981,8 +8032,8 @@
           </a:p>
         </p:txBody>
       </p:sp>
-      <mc:AlternateContent xmlns:mc="http://schemas.openxmlformats.org/markup-compatibility/2006">
-        <mc:Choice xmlns:a14="http://schemas.microsoft.com/office/drawing/2010/main" Requires="a14">
+      <mc:AlternateContent xmlns:mc="http://schemas.openxmlformats.org/markup-compatibility/2006" xmlns:a14="http://schemas.microsoft.com/office/drawing/2010/main">
+        <mc:Choice Requires="a14">
           <p:sp>
             <p:nvSpPr>
               <p:cNvPr id="13" name="Content Placeholder 2">
@@ -8157,7 +8208,7 @@
             </p:txBody>
           </p:sp>
         </mc:Choice>
-        <mc:Fallback>
+        <mc:Fallback xmlns="">
           <p:sp>
             <p:nvSpPr>
               <p:cNvPr id="13" name="Content Placeholder 2">
@@ -8812,8 +8863,8 @@
           </p:txBody>
         </p:sp>
       </p:grpSp>
-      <mc:AlternateContent xmlns:mc="http://schemas.openxmlformats.org/markup-compatibility/2006">
-        <mc:Choice xmlns:a14="http://schemas.microsoft.com/office/drawing/2010/main" Requires="a14">
+      <mc:AlternateContent xmlns:mc="http://schemas.openxmlformats.org/markup-compatibility/2006" xmlns:a14="http://schemas.microsoft.com/office/drawing/2010/main">
+        <mc:Choice Requires="a14">
           <p:sp>
             <p:nvSpPr>
               <p:cNvPr id="29" name="Content Placeholder 2">
@@ -9308,7 +9359,7 @@
             </p:txBody>
           </p:sp>
         </mc:Choice>
-        <mc:Fallback>
+        <mc:Fallback xmlns="">
           <p:sp>
             <p:nvSpPr>
               <p:cNvPr id="29" name="Content Placeholder 2">
@@ -10016,8 +10067,8 @@
           </p:txBody>
         </p:sp>
       </p:grpSp>
-      <mc:AlternateContent xmlns:mc="http://schemas.openxmlformats.org/markup-compatibility/2006">
-        <mc:Choice xmlns:a14="http://schemas.microsoft.com/office/drawing/2010/main" Requires="a14">
+      <mc:AlternateContent xmlns:mc="http://schemas.openxmlformats.org/markup-compatibility/2006" xmlns:a14="http://schemas.microsoft.com/office/drawing/2010/main">
+        <mc:Choice Requires="a14">
           <p:sp>
             <p:nvSpPr>
               <p:cNvPr id="43" name="Content Placeholder 2">
@@ -10281,18 +10332,7 @@
                                   <a:ea typeface="CMU Serif Roman" panose="02000603000000000000" pitchFamily="2" charset="0"/>
                                   <a:cs typeface="CMU Serif Roman" panose="02000603000000000000" pitchFamily="2" charset="0"/>
                                 </a:rPr>
-                                <m:t>0, 0</m:t>
-                              </m:r>
-                              <m:r>
-                                <a:rPr lang="es-ES" sz="6000" b="0" i="1" smtClean="0">
-                                  <a:solidFill>
-                                    <a:schemeClr val="bg1"/>
-                                  </a:solidFill>
-                                  <a:latin typeface="Cambria Math" panose="02040503050406030204" pitchFamily="18" charset="0"/>
-                                  <a:ea typeface="CMU Serif Roman" panose="02000603000000000000" pitchFamily="2" charset="0"/>
-                                  <a:cs typeface="CMU Serif Roman" panose="02000603000000000000" pitchFamily="2" charset="0"/>
-                                </a:rPr>
-                                <m:t>, 0</m:t>
+                                <m:t>0, 0, 0</m:t>
                               </m:r>
                             </m:e>
                           </m:d>
@@ -10330,29 +10370,7 @@
                                   <a:ea typeface="CMU Serif Roman" panose="02000603000000000000" pitchFamily="2" charset="0"/>
                                   <a:cs typeface="CMU Serif Roman" panose="02000603000000000000" pitchFamily="2" charset="0"/>
                                 </a:rPr>
-                                <m:t>0,</m:t>
-                              </m:r>
-                              <m:r>
-                                <a:rPr lang="es-ES" sz="6000" b="0" i="1" smtClean="0">
-                                  <a:solidFill>
-                                    <a:schemeClr val="bg1"/>
-                                  </a:solidFill>
-                                  <a:latin typeface="Cambria Math" panose="02040503050406030204" pitchFamily="18" charset="0"/>
-                                  <a:ea typeface="CMU Serif Roman" panose="02000603000000000000" pitchFamily="2" charset="0"/>
-                                  <a:cs typeface="CMU Serif Roman" panose="02000603000000000000" pitchFamily="2" charset="0"/>
-                                </a:rPr>
-                                <m:t> 0, </m:t>
-                              </m:r>
-                              <m:r>
-                                <a:rPr lang="es-ES" sz="6000" b="0" i="1" smtClean="0">
-                                  <a:solidFill>
-                                    <a:schemeClr val="bg1"/>
-                                  </a:solidFill>
-                                  <a:latin typeface="Cambria Math" panose="02040503050406030204" pitchFamily="18" charset="0"/>
-                                  <a:ea typeface="CMU Serif Roman" panose="02000603000000000000" pitchFamily="2" charset="0"/>
-                                  <a:cs typeface="CMU Serif Roman" panose="02000603000000000000" pitchFamily="2" charset="0"/>
-                                </a:rPr>
-                                <m:t>1</m:t>
+                                <m:t>0, 0, 1</m:t>
                               </m:r>
                             </m:e>
                           </m:d>
@@ -10365,18 +10383,7 @@
                               <a:ea typeface="CMU Serif Roman" panose="02000603000000000000" pitchFamily="2" charset="0"/>
                               <a:cs typeface="CMU Serif Roman" panose="02000603000000000000" pitchFamily="2" charset="0"/>
                             </a:rPr>
-                            <m:t>,</m:t>
-                          </m:r>
-                          <m:r>
-                            <a:rPr lang="es-ES" sz="6000" b="0" i="1" smtClean="0">
-                              <a:solidFill>
-                                <a:schemeClr val="bg1"/>
-                              </a:solidFill>
-                              <a:latin typeface="Cambria Math" panose="02040503050406030204" pitchFamily="18" charset="0"/>
-                              <a:ea typeface="CMU Serif Roman" panose="02000603000000000000" pitchFamily="2" charset="0"/>
-                              <a:cs typeface="CMU Serif Roman" panose="02000603000000000000" pitchFamily="2" charset="0"/>
-                            </a:rPr>
-                            <m:t>…</m:t>
+                            <m:t>,…</m:t>
                           </m:r>
                         </m:e>
                       </m:d>
@@ -10501,29 +10508,7 @@
                           <a:ea typeface="CMU Serif Roman" panose="02000603000000000000" pitchFamily="2" charset="0"/>
                           <a:cs typeface="CMU Serif Roman" panose="02000603000000000000" pitchFamily="2" charset="0"/>
                         </a:rPr>
-                        <m:t>=</m:t>
-                      </m:r>
-                      <m:r>
-                        <a:rPr lang="es-ES" sz="6000" b="0" i="1" smtClean="0">
-                          <a:solidFill>
-                            <a:schemeClr val="bg1"/>
-                          </a:solidFill>
-                          <a:latin typeface="Cambria Math" panose="02040503050406030204" pitchFamily="18" charset="0"/>
-                          <a:ea typeface="CMU Serif Roman" panose="02000603000000000000" pitchFamily="2" charset="0"/>
-                          <a:cs typeface="CMU Serif Roman" panose="02000603000000000000" pitchFamily="2" charset="0"/>
-                        </a:rPr>
-                        <m:t>1</m:t>
-                      </m:r>
-                      <m:r>
-                        <a:rPr lang="es-ES" sz="6000" b="0" i="1" smtClean="0">
-                          <a:solidFill>
-                            <a:schemeClr val="bg1"/>
-                          </a:solidFill>
-                          <a:latin typeface="Cambria Math" panose="02040503050406030204" pitchFamily="18" charset="0"/>
-                          <a:ea typeface="CMU Serif Roman" panose="02000603000000000000" pitchFamily="2" charset="0"/>
-                          <a:cs typeface="CMU Serif Roman" panose="02000603000000000000" pitchFamily="2" charset="0"/>
-                        </a:rPr>
-                        <m:t>25</m:t>
+                        <m:t>=125</m:t>
                       </m:r>
                     </m:oMath>
                   </m:oMathPara>
@@ -10540,7 +10525,7 @@
             </p:txBody>
           </p:sp>
         </mc:Choice>
-        <mc:Fallback>
+        <mc:Fallback xmlns="">
           <p:sp>
             <p:nvSpPr>
               <p:cNvPr id="43" name="Content Placeholder 2">
@@ -10751,13 +10736,13 @@
   <p:clrMapOvr>
     <a:masterClrMapping/>
   </p:clrMapOvr>
-  <mc:AlternateContent xmlns:mc="http://schemas.openxmlformats.org/markup-compatibility/2006">
-    <mc:Choice xmlns:p159="http://schemas.microsoft.com/office/powerpoint/2015/09/main" Requires="p159">
+  <mc:AlternateContent xmlns:mc="http://schemas.openxmlformats.org/markup-compatibility/2006" xmlns:p159="http://schemas.microsoft.com/office/powerpoint/2015/09/main">
+    <mc:Choice Requires="p159">
       <p:transition xmlns:p14="http://schemas.microsoft.com/office/powerpoint/2010/main" spd="slow" p14:dur="2000">
         <p159:morph option="byObject"/>
       </p:transition>
     </mc:Choice>
-    <mc:Fallback>
+    <mc:Fallback xmlns="">
       <p:transition spd="slow">
         <p:fade/>
       </p:transition>
@@ -11122,6 +11107,110 @@
       </p:grpSpPr>
       <p:sp>
         <p:nvSpPr>
+          <p:cNvPr id="41" name="resource_1">
+            <a:extLst>
+              <a:ext uri="{FF2B5EF4-FFF2-40B4-BE49-F238E27FC236}">
+                <a16:creationId xmlns:a16="http://schemas.microsoft.com/office/drawing/2014/main" id="{DF7C4725-8F85-814A-AC86-2693AFB74E90}"/>
+              </a:ext>
+            </a:extLst>
+          </p:cNvPr>
+          <p:cNvSpPr/>
+          <p:nvPr/>
+        </p:nvSpPr>
+        <p:spPr>
+          <a:xfrm>
+            <a:off x="4184073" y="5640610"/>
+            <a:ext cx="1518108" cy="1518108"/>
+          </a:xfrm>
+          <a:prstGeom prst="rect">
+            <a:avLst/>
+          </a:prstGeom>
+          <a:solidFill>
+            <a:srgbClr val="00B050"/>
+          </a:solidFill>
+          <a:ln w="57150">
+            <a:noFill/>
+          </a:ln>
+        </p:spPr>
+        <p:style>
+          <a:lnRef idx="2">
+            <a:schemeClr val="accent1">
+              <a:shade val="50000"/>
+            </a:schemeClr>
+          </a:lnRef>
+          <a:fillRef idx="1">
+            <a:schemeClr val="accent1"/>
+          </a:fillRef>
+          <a:effectRef idx="0">
+            <a:schemeClr val="accent1"/>
+          </a:effectRef>
+          <a:fontRef idx="minor">
+            <a:schemeClr val="lt1"/>
+          </a:fontRef>
+        </p:style>
+        <p:txBody>
+          <a:bodyPr rtlCol="0" anchor="ctr"/>
+          <a:lstStyle/>
+          <a:p>
+            <a:pPr algn="ctr"/>
+            <a:endParaRPr lang="en-SE"/>
+          </a:p>
+        </p:txBody>
+      </p:sp>
+      <p:sp>
+        <p:nvSpPr>
+          <p:cNvPr id="43" name="resource_2">
+            <a:extLst>
+              <a:ext uri="{FF2B5EF4-FFF2-40B4-BE49-F238E27FC236}">
+                <a16:creationId xmlns:a16="http://schemas.microsoft.com/office/drawing/2014/main" id="{5EAA455A-67EA-5F42-B0B9-426C2EEFBC74}"/>
+              </a:ext>
+            </a:extLst>
+          </p:cNvPr>
+          <p:cNvSpPr/>
+          <p:nvPr/>
+        </p:nvSpPr>
+        <p:spPr>
+          <a:xfrm>
+            <a:off x="7230366" y="8650557"/>
+            <a:ext cx="1518108" cy="1518108"/>
+          </a:xfrm>
+          <a:prstGeom prst="rect">
+            <a:avLst/>
+          </a:prstGeom>
+          <a:solidFill>
+            <a:srgbClr val="00B050"/>
+          </a:solidFill>
+          <a:ln w="57150">
+            <a:noFill/>
+          </a:ln>
+        </p:spPr>
+        <p:style>
+          <a:lnRef idx="2">
+            <a:schemeClr val="accent1">
+              <a:shade val="50000"/>
+            </a:schemeClr>
+          </a:lnRef>
+          <a:fillRef idx="1">
+            <a:schemeClr val="accent1"/>
+          </a:fillRef>
+          <a:effectRef idx="0">
+            <a:schemeClr val="accent1"/>
+          </a:effectRef>
+          <a:fontRef idx="minor">
+            <a:schemeClr val="lt1"/>
+          </a:fontRef>
+        </p:style>
+        <p:txBody>
+          <a:bodyPr rtlCol="0" anchor="ctr"/>
+          <a:lstStyle/>
+          <a:p>
+            <a:pPr algn="ctr"/>
+            <a:endParaRPr lang="en-SE"/>
+          </a:p>
+        </p:txBody>
+      </p:sp>
+      <p:sp>
+        <p:nvSpPr>
           <p:cNvPr id="2" name="Title 1">
             <a:extLst>
               <a:ext uri="{FF2B5EF4-FFF2-40B4-BE49-F238E27FC236}">
@@ -11163,43 +11252,4789 @@
               </a:rPr>
               <a:t>1.0 &amp; v1.5</a:t>
             </a:r>
-            <a:endParaRPr lang="en-SE" dirty="0">
-              <a:solidFill>
-                <a:schemeClr val="bg1"/>
-              </a:solidFill>
-              <a:latin typeface="CMU Serif Roman" panose="02000603000000000000" pitchFamily="2" charset="0"/>
-              <a:ea typeface="CMU Serif Roman" panose="02000603000000000000" pitchFamily="2" charset="0"/>
-              <a:cs typeface="CMU Serif Roman" panose="02000603000000000000" pitchFamily="2" charset="0"/>
-            </a:endParaRPr>
           </a:p>
         </p:txBody>
       </p:sp>
       <p:sp>
         <p:nvSpPr>
-          <p:cNvPr id="3" name="Content Placeholder 2">
+          <p:cNvPr id="4" name="Rectangle 3">
             <a:extLst>
               <a:ext uri="{FF2B5EF4-FFF2-40B4-BE49-F238E27FC236}">
-                <a16:creationId xmlns:a16="http://schemas.microsoft.com/office/drawing/2014/main" id="{8C8CE26A-EC41-D641-8E83-80F74022D508}"/>
+                <a16:creationId xmlns:a16="http://schemas.microsoft.com/office/drawing/2014/main" id="{919EA903-7C3B-7745-9F87-7365063EA1E8}"/>
               </a:ext>
             </a:extLst>
           </p:cNvPr>
-          <p:cNvSpPr>
-            <a:spLocks noGrp="1"/>
-          </p:cNvSpPr>
-          <p:nvPr>
-            <p:ph idx="1"/>
-          </p:nvPr>
+          <p:cNvSpPr/>
+          <p:nvPr/>
         </p:nvSpPr>
-        <p:spPr/>
+        <p:spPr>
+          <a:xfrm>
+            <a:off x="4184073" y="8650559"/>
+            <a:ext cx="1518108" cy="1518108"/>
+          </a:xfrm>
+          <a:prstGeom prst="rect">
+            <a:avLst/>
+          </a:prstGeom>
+          <a:noFill/>
+          <a:ln w="57150">
+            <a:solidFill>
+              <a:schemeClr val="bg1"/>
+            </a:solidFill>
+          </a:ln>
+        </p:spPr>
+        <p:style>
+          <a:lnRef idx="2">
+            <a:schemeClr val="accent1">
+              <a:shade val="50000"/>
+            </a:schemeClr>
+          </a:lnRef>
+          <a:fillRef idx="1">
+            <a:schemeClr val="accent1"/>
+          </a:fillRef>
+          <a:effectRef idx="0">
+            <a:schemeClr val="accent1"/>
+          </a:effectRef>
+          <a:fontRef idx="minor">
+            <a:schemeClr val="lt1"/>
+          </a:fontRef>
+        </p:style>
         <p:txBody>
-          <a:bodyPr/>
+          <a:bodyPr rtlCol="0" anchor="ctr"/>
           <a:lstStyle/>
           <a:p>
-            <a:endParaRPr lang="en-SE" dirty="0">
-              <a:solidFill>
-                <a:schemeClr val="bg1"/>
-              </a:solidFill>
-            </a:endParaRPr>
+            <a:pPr algn="ctr"/>
+            <a:endParaRPr lang="en-SE"/>
+          </a:p>
+        </p:txBody>
+      </p:sp>
+      <p:sp>
+        <p:nvSpPr>
+          <p:cNvPr id="5" name="Rectangle 4">
+            <a:extLst>
+              <a:ext uri="{FF2B5EF4-FFF2-40B4-BE49-F238E27FC236}">
+                <a16:creationId xmlns:a16="http://schemas.microsoft.com/office/drawing/2014/main" id="{27671D55-0C91-5C4F-9E5A-02A705AE04C4}"/>
+              </a:ext>
+            </a:extLst>
+          </p:cNvPr>
+          <p:cNvSpPr/>
+          <p:nvPr/>
+        </p:nvSpPr>
+        <p:spPr>
+          <a:xfrm>
+            <a:off x="4184073" y="7132451"/>
+            <a:ext cx="1518108" cy="1518108"/>
+          </a:xfrm>
+          <a:prstGeom prst="rect">
+            <a:avLst/>
+          </a:prstGeom>
+          <a:noFill/>
+          <a:ln w="57150">
+            <a:solidFill>
+              <a:schemeClr val="bg1"/>
+            </a:solidFill>
+          </a:ln>
+        </p:spPr>
+        <p:style>
+          <a:lnRef idx="2">
+            <a:schemeClr val="accent1">
+              <a:shade val="50000"/>
+            </a:schemeClr>
+          </a:lnRef>
+          <a:fillRef idx="1">
+            <a:schemeClr val="accent1"/>
+          </a:fillRef>
+          <a:effectRef idx="0">
+            <a:schemeClr val="accent1"/>
+          </a:effectRef>
+          <a:fontRef idx="minor">
+            <a:schemeClr val="lt1"/>
+          </a:fontRef>
+        </p:style>
+        <p:txBody>
+          <a:bodyPr rtlCol="0" anchor="ctr"/>
+          <a:lstStyle/>
+          <a:p>
+            <a:pPr algn="ctr"/>
+            <a:endParaRPr lang="en-SE"/>
+          </a:p>
+        </p:txBody>
+      </p:sp>
+      <p:sp>
+        <p:nvSpPr>
+          <p:cNvPr id="6" name="Rectangle 5">
+            <a:extLst>
+              <a:ext uri="{FF2B5EF4-FFF2-40B4-BE49-F238E27FC236}">
+                <a16:creationId xmlns:a16="http://schemas.microsoft.com/office/drawing/2014/main" id="{0A283DE8-D22A-DB4B-8698-4179FDF5D2BB}"/>
+              </a:ext>
+            </a:extLst>
+          </p:cNvPr>
+          <p:cNvSpPr/>
+          <p:nvPr/>
+        </p:nvSpPr>
+        <p:spPr>
+          <a:xfrm>
+            <a:off x="4184073" y="10168668"/>
+            <a:ext cx="1518108" cy="1518108"/>
+          </a:xfrm>
+          <a:prstGeom prst="rect">
+            <a:avLst/>
+          </a:prstGeom>
+          <a:noFill/>
+          <a:ln w="57150">
+            <a:solidFill>
+              <a:schemeClr val="bg1"/>
+            </a:solidFill>
+          </a:ln>
+        </p:spPr>
+        <p:style>
+          <a:lnRef idx="2">
+            <a:schemeClr val="accent1">
+              <a:shade val="50000"/>
+            </a:schemeClr>
+          </a:lnRef>
+          <a:fillRef idx="1">
+            <a:schemeClr val="accent1"/>
+          </a:fillRef>
+          <a:effectRef idx="0">
+            <a:schemeClr val="accent1"/>
+          </a:effectRef>
+          <a:fontRef idx="minor">
+            <a:schemeClr val="lt1"/>
+          </a:fontRef>
+        </p:style>
+        <p:txBody>
+          <a:bodyPr rtlCol="0" anchor="ctr"/>
+          <a:lstStyle/>
+          <a:p>
+            <a:pPr algn="ctr"/>
+            <a:endParaRPr lang="en-SE"/>
+          </a:p>
+        </p:txBody>
+      </p:sp>
+      <p:sp>
+        <p:nvSpPr>
+          <p:cNvPr id="7" name="Rectangle 6">
+            <a:extLst>
+              <a:ext uri="{FF2B5EF4-FFF2-40B4-BE49-F238E27FC236}">
+                <a16:creationId xmlns:a16="http://schemas.microsoft.com/office/drawing/2014/main" id="{E4C6A3A0-9EA7-4B4C-916F-09DC54540F0E}"/>
+              </a:ext>
+            </a:extLst>
+          </p:cNvPr>
+          <p:cNvSpPr/>
+          <p:nvPr/>
+        </p:nvSpPr>
+        <p:spPr>
+          <a:xfrm>
+            <a:off x="2665965" y="8650559"/>
+            <a:ext cx="1518108" cy="1518108"/>
+          </a:xfrm>
+          <a:prstGeom prst="rect">
+            <a:avLst/>
+          </a:prstGeom>
+          <a:noFill/>
+          <a:ln w="57150">
+            <a:solidFill>
+              <a:schemeClr val="bg1"/>
+            </a:solidFill>
+          </a:ln>
+        </p:spPr>
+        <p:style>
+          <a:lnRef idx="2">
+            <a:schemeClr val="accent1">
+              <a:shade val="50000"/>
+            </a:schemeClr>
+          </a:lnRef>
+          <a:fillRef idx="1">
+            <a:schemeClr val="accent1"/>
+          </a:fillRef>
+          <a:effectRef idx="0">
+            <a:schemeClr val="accent1"/>
+          </a:effectRef>
+          <a:fontRef idx="minor">
+            <a:schemeClr val="lt1"/>
+          </a:fontRef>
+        </p:style>
+        <p:txBody>
+          <a:bodyPr rtlCol="0" anchor="ctr"/>
+          <a:lstStyle/>
+          <a:p>
+            <a:pPr algn="ctr"/>
+            <a:endParaRPr lang="en-SE"/>
+          </a:p>
+        </p:txBody>
+      </p:sp>
+      <p:sp>
+        <p:nvSpPr>
+          <p:cNvPr id="8" name="Rectangle 7">
+            <a:extLst>
+              <a:ext uri="{FF2B5EF4-FFF2-40B4-BE49-F238E27FC236}">
+                <a16:creationId xmlns:a16="http://schemas.microsoft.com/office/drawing/2014/main" id="{44C421E0-C4F3-594D-A7DB-3CBEFD3F0A68}"/>
+              </a:ext>
+            </a:extLst>
+          </p:cNvPr>
+          <p:cNvSpPr/>
+          <p:nvPr/>
+        </p:nvSpPr>
+        <p:spPr>
+          <a:xfrm>
+            <a:off x="2665965" y="7132451"/>
+            <a:ext cx="1518108" cy="1518108"/>
+          </a:xfrm>
+          <a:prstGeom prst="rect">
+            <a:avLst/>
+          </a:prstGeom>
+          <a:noFill/>
+          <a:ln w="57150">
+            <a:solidFill>
+              <a:schemeClr val="bg1"/>
+            </a:solidFill>
+          </a:ln>
+        </p:spPr>
+        <p:style>
+          <a:lnRef idx="2">
+            <a:schemeClr val="accent1">
+              <a:shade val="50000"/>
+            </a:schemeClr>
+          </a:lnRef>
+          <a:fillRef idx="1">
+            <a:schemeClr val="accent1"/>
+          </a:fillRef>
+          <a:effectRef idx="0">
+            <a:schemeClr val="accent1"/>
+          </a:effectRef>
+          <a:fontRef idx="minor">
+            <a:schemeClr val="lt1"/>
+          </a:fontRef>
+        </p:style>
+        <p:txBody>
+          <a:bodyPr rtlCol="0" anchor="ctr"/>
+          <a:lstStyle/>
+          <a:p>
+            <a:pPr algn="ctr"/>
+            <a:endParaRPr lang="en-SE"/>
+          </a:p>
+        </p:txBody>
+      </p:sp>
+      <p:sp>
+        <p:nvSpPr>
+          <p:cNvPr id="9" name="Rectangle 8">
+            <a:extLst>
+              <a:ext uri="{FF2B5EF4-FFF2-40B4-BE49-F238E27FC236}">
+                <a16:creationId xmlns:a16="http://schemas.microsoft.com/office/drawing/2014/main" id="{AB2BDBB6-1303-954F-B906-8912F8563D51}"/>
+              </a:ext>
+            </a:extLst>
+          </p:cNvPr>
+          <p:cNvSpPr/>
+          <p:nvPr/>
+        </p:nvSpPr>
+        <p:spPr>
+          <a:xfrm>
+            <a:off x="2665965" y="10168668"/>
+            <a:ext cx="1518108" cy="1518108"/>
+          </a:xfrm>
+          <a:prstGeom prst="rect">
+            <a:avLst/>
+          </a:prstGeom>
+          <a:noFill/>
+          <a:ln w="57150">
+            <a:solidFill>
+              <a:schemeClr val="bg1"/>
+            </a:solidFill>
+          </a:ln>
+        </p:spPr>
+        <p:style>
+          <a:lnRef idx="2">
+            <a:schemeClr val="accent1">
+              <a:shade val="50000"/>
+            </a:schemeClr>
+          </a:lnRef>
+          <a:fillRef idx="1">
+            <a:schemeClr val="accent1"/>
+          </a:fillRef>
+          <a:effectRef idx="0">
+            <a:schemeClr val="accent1"/>
+          </a:effectRef>
+          <a:fontRef idx="minor">
+            <a:schemeClr val="lt1"/>
+          </a:fontRef>
+        </p:style>
+        <p:txBody>
+          <a:bodyPr rtlCol="0" anchor="ctr"/>
+          <a:lstStyle/>
+          <a:p>
+            <a:pPr algn="ctr"/>
+            <a:endParaRPr lang="en-SE"/>
+          </a:p>
+        </p:txBody>
+      </p:sp>
+      <p:sp>
+        <p:nvSpPr>
+          <p:cNvPr id="10" name="Rectangle 9">
+            <a:extLst>
+              <a:ext uri="{FF2B5EF4-FFF2-40B4-BE49-F238E27FC236}">
+                <a16:creationId xmlns:a16="http://schemas.microsoft.com/office/drawing/2014/main" id="{BB466664-5661-D344-B8FA-8A3592853CBD}"/>
+              </a:ext>
+            </a:extLst>
+          </p:cNvPr>
+          <p:cNvSpPr/>
+          <p:nvPr/>
+        </p:nvSpPr>
+        <p:spPr>
+          <a:xfrm>
+            <a:off x="5702182" y="8650559"/>
+            <a:ext cx="1518108" cy="1518108"/>
+          </a:xfrm>
+          <a:prstGeom prst="rect">
+            <a:avLst/>
+          </a:prstGeom>
+          <a:noFill/>
+          <a:ln w="57150">
+            <a:solidFill>
+              <a:schemeClr val="bg1"/>
+            </a:solidFill>
+          </a:ln>
+        </p:spPr>
+        <p:style>
+          <a:lnRef idx="2">
+            <a:schemeClr val="accent1">
+              <a:shade val="50000"/>
+            </a:schemeClr>
+          </a:lnRef>
+          <a:fillRef idx="1">
+            <a:schemeClr val="accent1"/>
+          </a:fillRef>
+          <a:effectRef idx="0">
+            <a:schemeClr val="accent1"/>
+          </a:effectRef>
+          <a:fontRef idx="minor">
+            <a:schemeClr val="lt1"/>
+          </a:fontRef>
+        </p:style>
+        <p:txBody>
+          <a:bodyPr rtlCol="0" anchor="ctr"/>
+          <a:lstStyle/>
+          <a:p>
+            <a:pPr algn="ctr"/>
+            <a:endParaRPr lang="en-SE"/>
+          </a:p>
+        </p:txBody>
+      </p:sp>
+      <p:sp>
+        <p:nvSpPr>
+          <p:cNvPr id="11" name="Rectangle 10">
+            <a:extLst>
+              <a:ext uri="{FF2B5EF4-FFF2-40B4-BE49-F238E27FC236}">
+                <a16:creationId xmlns:a16="http://schemas.microsoft.com/office/drawing/2014/main" id="{7446AB6F-4C77-EB4F-89E4-2569544848EA}"/>
+              </a:ext>
+            </a:extLst>
+          </p:cNvPr>
+          <p:cNvSpPr/>
+          <p:nvPr/>
+        </p:nvSpPr>
+        <p:spPr>
+          <a:xfrm>
+            <a:off x="5702182" y="7132451"/>
+            <a:ext cx="1518108" cy="1518108"/>
+          </a:xfrm>
+          <a:prstGeom prst="rect">
+            <a:avLst/>
+          </a:prstGeom>
+          <a:noFill/>
+          <a:ln w="57150">
+            <a:solidFill>
+              <a:schemeClr val="bg1"/>
+            </a:solidFill>
+          </a:ln>
+        </p:spPr>
+        <p:style>
+          <a:lnRef idx="2">
+            <a:schemeClr val="accent1">
+              <a:shade val="50000"/>
+            </a:schemeClr>
+          </a:lnRef>
+          <a:fillRef idx="1">
+            <a:schemeClr val="accent1"/>
+          </a:fillRef>
+          <a:effectRef idx="0">
+            <a:schemeClr val="accent1"/>
+          </a:effectRef>
+          <a:fontRef idx="minor">
+            <a:schemeClr val="lt1"/>
+          </a:fontRef>
+        </p:style>
+        <p:txBody>
+          <a:bodyPr rtlCol="0" anchor="ctr"/>
+          <a:lstStyle/>
+          <a:p>
+            <a:pPr algn="ctr"/>
+            <a:endParaRPr lang="en-SE"/>
+          </a:p>
+        </p:txBody>
+      </p:sp>
+      <p:sp>
+        <p:nvSpPr>
+          <p:cNvPr id="12" name="Rectangle 11">
+            <a:extLst>
+              <a:ext uri="{FF2B5EF4-FFF2-40B4-BE49-F238E27FC236}">
+                <a16:creationId xmlns:a16="http://schemas.microsoft.com/office/drawing/2014/main" id="{D6F5358E-A886-5A4C-BF0A-40E61D4A639B}"/>
+              </a:ext>
+            </a:extLst>
+          </p:cNvPr>
+          <p:cNvSpPr/>
+          <p:nvPr/>
+        </p:nvSpPr>
+        <p:spPr>
+          <a:xfrm>
+            <a:off x="5702182" y="10168667"/>
+            <a:ext cx="1518108" cy="1518108"/>
+          </a:xfrm>
+          <a:prstGeom prst="rect">
+            <a:avLst/>
+          </a:prstGeom>
+          <a:noFill/>
+          <a:ln w="57150">
+            <a:solidFill>
+              <a:schemeClr val="bg1"/>
+            </a:solidFill>
+          </a:ln>
+        </p:spPr>
+        <p:style>
+          <a:lnRef idx="2">
+            <a:schemeClr val="accent1">
+              <a:shade val="50000"/>
+            </a:schemeClr>
+          </a:lnRef>
+          <a:fillRef idx="1">
+            <a:schemeClr val="accent1"/>
+          </a:fillRef>
+          <a:effectRef idx="0">
+            <a:schemeClr val="accent1"/>
+          </a:effectRef>
+          <a:fontRef idx="minor">
+            <a:schemeClr val="lt1"/>
+          </a:fontRef>
+        </p:style>
+        <p:txBody>
+          <a:bodyPr rtlCol="0" anchor="ctr"/>
+          <a:lstStyle/>
+          <a:p>
+            <a:pPr algn="ctr"/>
+            <a:endParaRPr lang="en-SE"/>
+          </a:p>
+        </p:txBody>
+      </p:sp>
+      <p:sp>
+        <p:nvSpPr>
+          <p:cNvPr id="14" name="Rectangle 13">
+            <a:extLst>
+              <a:ext uri="{FF2B5EF4-FFF2-40B4-BE49-F238E27FC236}">
+                <a16:creationId xmlns:a16="http://schemas.microsoft.com/office/drawing/2014/main" id="{FF56E0F8-B6D0-C24A-8AF4-11F1C65058F1}"/>
+              </a:ext>
+            </a:extLst>
+          </p:cNvPr>
+          <p:cNvSpPr/>
+          <p:nvPr/>
+        </p:nvSpPr>
+        <p:spPr>
+          <a:xfrm>
+            <a:off x="2665965" y="5614343"/>
+            <a:ext cx="1518108" cy="1518108"/>
+          </a:xfrm>
+          <a:prstGeom prst="rect">
+            <a:avLst/>
+          </a:prstGeom>
+          <a:noFill/>
+          <a:ln w="57150">
+            <a:solidFill>
+              <a:schemeClr val="bg1"/>
+            </a:solidFill>
+          </a:ln>
+        </p:spPr>
+        <p:style>
+          <a:lnRef idx="2">
+            <a:schemeClr val="accent1">
+              <a:shade val="50000"/>
+            </a:schemeClr>
+          </a:lnRef>
+          <a:fillRef idx="1">
+            <a:schemeClr val="accent1"/>
+          </a:fillRef>
+          <a:effectRef idx="0">
+            <a:schemeClr val="accent1"/>
+          </a:effectRef>
+          <a:fontRef idx="minor">
+            <a:schemeClr val="lt1"/>
+          </a:fontRef>
+        </p:style>
+        <p:txBody>
+          <a:bodyPr rtlCol="0" anchor="ctr"/>
+          <a:lstStyle/>
+          <a:p>
+            <a:pPr algn="ctr"/>
+            <a:endParaRPr lang="en-SE"/>
+          </a:p>
+        </p:txBody>
+      </p:sp>
+      <p:sp>
+        <p:nvSpPr>
+          <p:cNvPr id="15" name="Rectangle 14">
+            <a:extLst>
+              <a:ext uri="{FF2B5EF4-FFF2-40B4-BE49-F238E27FC236}">
+                <a16:creationId xmlns:a16="http://schemas.microsoft.com/office/drawing/2014/main" id="{7B5379C0-1687-BE4F-9DF1-AB8533D71C06}"/>
+              </a:ext>
+            </a:extLst>
+          </p:cNvPr>
+          <p:cNvSpPr/>
+          <p:nvPr/>
+        </p:nvSpPr>
+        <p:spPr>
+          <a:xfrm>
+            <a:off x="2665965" y="4096235"/>
+            <a:ext cx="1518108" cy="1518108"/>
+          </a:xfrm>
+          <a:prstGeom prst="rect">
+            <a:avLst/>
+          </a:prstGeom>
+          <a:noFill/>
+          <a:ln w="57150">
+            <a:solidFill>
+              <a:schemeClr val="bg1"/>
+            </a:solidFill>
+          </a:ln>
+        </p:spPr>
+        <p:style>
+          <a:lnRef idx="2">
+            <a:schemeClr val="accent1">
+              <a:shade val="50000"/>
+            </a:schemeClr>
+          </a:lnRef>
+          <a:fillRef idx="1">
+            <a:schemeClr val="accent1"/>
+          </a:fillRef>
+          <a:effectRef idx="0">
+            <a:schemeClr val="accent1"/>
+          </a:effectRef>
+          <a:fontRef idx="minor">
+            <a:schemeClr val="lt1"/>
+          </a:fontRef>
+        </p:style>
+        <p:txBody>
+          <a:bodyPr rtlCol="0" anchor="ctr"/>
+          <a:lstStyle/>
+          <a:p>
+            <a:pPr algn="ctr"/>
+            <a:endParaRPr lang="en-SE"/>
+          </a:p>
+        </p:txBody>
+      </p:sp>
+      <p:sp>
+        <p:nvSpPr>
+          <p:cNvPr id="16" name="Rectangle 15">
+            <a:extLst>
+              <a:ext uri="{FF2B5EF4-FFF2-40B4-BE49-F238E27FC236}">
+                <a16:creationId xmlns:a16="http://schemas.microsoft.com/office/drawing/2014/main" id="{BF246726-8321-1340-AF44-140D97C1CB91}"/>
+              </a:ext>
+            </a:extLst>
+          </p:cNvPr>
+          <p:cNvSpPr/>
+          <p:nvPr/>
+        </p:nvSpPr>
+        <p:spPr>
+          <a:xfrm>
+            <a:off x="4184073" y="5614343"/>
+            <a:ext cx="1518108" cy="1518108"/>
+          </a:xfrm>
+          <a:prstGeom prst="rect">
+            <a:avLst/>
+          </a:prstGeom>
+          <a:noFill/>
+          <a:ln w="57150">
+            <a:solidFill>
+              <a:schemeClr val="bg1"/>
+            </a:solidFill>
+          </a:ln>
+        </p:spPr>
+        <p:style>
+          <a:lnRef idx="2">
+            <a:schemeClr val="accent1">
+              <a:shade val="50000"/>
+            </a:schemeClr>
+          </a:lnRef>
+          <a:fillRef idx="1">
+            <a:schemeClr val="accent1"/>
+          </a:fillRef>
+          <a:effectRef idx="0">
+            <a:schemeClr val="accent1"/>
+          </a:effectRef>
+          <a:fontRef idx="minor">
+            <a:schemeClr val="lt1"/>
+          </a:fontRef>
+        </p:style>
+        <p:txBody>
+          <a:bodyPr rtlCol="0" anchor="ctr"/>
+          <a:lstStyle/>
+          <a:p>
+            <a:pPr algn="ctr"/>
+            <a:endParaRPr lang="en-SE"/>
+          </a:p>
+        </p:txBody>
+      </p:sp>
+      <p:sp>
+        <p:nvSpPr>
+          <p:cNvPr id="17" name="Rectangle 16">
+            <a:extLst>
+              <a:ext uri="{FF2B5EF4-FFF2-40B4-BE49-F238E27FC236}">
+                <a16:creationId xmlns:a16="http://schemas.microsoft.com/office/drawing/2014/main" id="{E5AD1B90-FB06-8340-B0E4-B3CCA3600255}"/>
+              </a:ext>
+            </a:extLst>
+          </p:cNvPr>
+          <p:cNvSpPr/>
+          <p:nvPr/>
+        </p:nvSpPr>
+        <p:spPr>
+          <a:xfrm>
+            <a:off x="4184073" y="4096235"/>
+            <a:ext cx="1518108" cy="1518108"/>
+          </a:xfrm>
+          <a:prstGeom prst="rect">
+            <a:avLst/>
+          </a:prstGeom>
+          <a:noFill/>
+          <a:ln w="57150">
+            <a:solidFill>
+              <a:schemeClr val="bg1"/>
+            </a:solidFill>
+          </a:ln>
+        </p:spPr>
+        <p:style>
+          <a:lnRef idx="2">
+            <a:schemeClr val="accent1">
+              <a:shade val="50000"/>
+            </a:schemeClr>
+          </a:lnRef>
+          <a:fillRef idx="1">
+            <a:schemeClr val="accent1"/>
+          </a:fillRef>
+          <a:effectRef idx="0">
+            <a:schemeClr val="accent1"/>
+          </a:effectRef>
+          <a:fontRef idx="minor">
+            <a:schemeClr val="lt1"/>
+          </a:fontRef>
+        </p:style>
+        <p:txBody>
+          <a:bodyPr rtlCol="0" anchor="ctr"/>
+          <a:lstStyle/>
+          <a:p>
+            <a:pPr algn="ctr"/>
+            <a:endParaRPr lang="en-SE"/>
+          </a:p>
+        </p:txBody>
+      </p:sp>
+      <p:sp>
+        <p:nvSpPr>
+          <p:cNvPr id="18" name="Rectangle 17">
+            <a:extLst>
+              <a:ext uri="{FF2B5EF4-FFF2-40B4-BE49-F238E27FC236}">
+                <a16:creationId xmlns:a16="http://schemas.microsoft.com/office/drawing/2014/main" id="{09ADBC61-DC94-634E-8B70-1E0C212CD666}"/>
+              </a:ext>
+            </a:extLst>
+          </p:cNvPr>
+          <p:cNvSpPr/>
+          <p:nvPr/>
+        </p:nvSpPr>
+        <p:spPr>
+          <a:xfrm>
+            <a:off x="5702182" y="5614343"/>
+            <a:ext cx="1518108" cy="1518108"/>
+          </a:xfrm>
+          <a:prstGeom prst="rect">
+            <a:avLst/>
+          </a:prstGeom>
+          <a:noFill/>
+          <a:ln w="57150">
+            <a:solidFill>
+              <a:schemeClr val="bg1"/>
+            </a:solidFill>
+          </a:ln>
+        </p:spPr>
+        <p:style>
+          <a:lnRef idx="2">
+            <a:schemeClr val="accent1">
+              <a:shade val="50000"/>
+            </a:schemeClr>
+          </a:lnRef>
+          <a:fillRef idx="1">
+            <a:schemeClr val="accent1"/>
+          </a:fillRef>
+          <a:effectRef idx="0">
+            <a:schemeClr val="accent1"/>
+          </a:effectRef>
+          <a:fontRef idx="minor">
+            <a:schemeClr val="lt1"/>
+          </a:fontRef>
+        </p:style>
+        <p:txBody>
+          <a:bodyPr rtlCol="0" anchor="ctr"/>
+          <a:lstStyle/>
+          <a:p>
+            <a:pPr algn="ctr"/>
+            <a:endParaRPr lang="en-SE"/>
+          </a:p>
+        </p:txBody>
+      </p:sp>
+      <p:sp>
+        <p:nvSpPr>
+          <p:cNvPr id="19" name="Rectangle 18">
+            <a:extLst>
+              <a:ext uri="{FF2B5EF4-FFF2-40B4-BE49-F238E27FC236}">
+                <a16:creationId xmlns:a16="http://schemas.microsoft.com/office/drawing/2014/main" id="{767EFA56-B836-3E44-B7E3-948D282A2113}"/>
+              </a:ext>
+            </a:extLst>
+          </p:cNvPr>
+          <p:cNvSpPr/>
+          <p:nvPr/>
+        </p:nvSpPr>
+        <p:spPr>
+          <a:xfrm>
+            <a:off x="5702182" y="4096234"/>
+            <a:ext cx="1518108" cy="1518108"/>
+          </a:xfrm>
+          <a:prstGeom prst="rect">
+            <a:avLst/>
+          </a:prstGeom>
+          <a:noFill/>
+          <a:ln w="57150">
+            <a:solidFill>
+              <a:schemeClr val="bg1"/>
+            </a:solidFill>
+          </a:ln>
+        </p:spPr>
+        <p:style>
+          <a:lnRef idx="2">
+            <a:schemeClr val="accent1">
+              <a:shade val="50000"/>
+            </a:schemeClr>
+          </a:lnRef>
+          <a:fillRef idx="1">
+            <a:schemeClr val="accent1"/>
+          </a:fillRef>
+          <a:effectRef idx="0">
+            <a:schemeClr val="accent1"/>
+          </a:effectRef>
+          <a:fontRef idx="minor">
+            <a:schemeClr val="lt1"/>
+          </a:fontRef>
+        </p:style>
+        <p:txBody>
+          <a:bodyPr rtlCol="0" anchor="ctr"/>
+          <a:lstStyle/>
+          <a:p>
+            <a:pPr algn="ctr"/>
+            <a:endParaRPr lang="en-SE"/>
+          </a:p>
+        </p:txBody>
+      </p:sp>
+      <p:sp>
+        <p:nvSpPr>
+          <p:cNvPr id="20" name="Rectangle 19">
+            <a:extLst>
+              <a:ext uri="{FF2B5EF4-FFF2-40B4-BE49-F238E27FC236}">
+                <a16:creationId xmlns:a16="http://schemas.microsoft.com/office/drawing/2014/main" id="{01FE8DF2-6875-3C4D-BD9B-4975FEA0E80E}"/>
+              </a:ext>
+            </a:extLst>
+          </p:cNvPr>
+          <p:cNvSpPr/>
+          <p:nvPr/>
+        </p:nvSpPr>
+        <p:spPr>
+          <a:xfrm>
+            <a:off x="7220289" y="8650558"/>
+            <a:ext cx="1518108" cy="1518108"/>
+          </a:xfrm>
+          <a:prstGeom prst="rect">
+            <a:avLst/>
+          </a:prstGeom>
+          <a:noFill/>
+          <a:ln w="57150">
+            <a:solidFill>
+              <a:schemeClr val="bg1"/>
+            </a:solidFill>
+          </a:ln>
+        </p:spPr>
+        <p:style>
+          <a:lnRef idx="2">
+            <a:schemeClr val="accent1">
+              <a:shade val="50000"/>
+            </a:schemeClr>
+          </a:lnRef>
+          <a:fillRef idx="1">
+            <a:schemeClr val="accent1"/>
+          </a:fillRef>
+          <a:effectRef idx="0">
+            <a:schemeClr val="accent1"/>
+          </a:effectRef>
+          <a:fontRef idx="minor">
+            <a:schemeClr val="lt1"/>
+          </a:fontRef>
+        </p:style>
+        <p:txBody>
+          <a:bodyPr rtlCol="0" anchor="ctr"/>
+          <a:lstStyle/>
+          <a:p>
+            <a:pPr algn="ctr"/>
+            <a:endParaRPr lang="en-SE"/>
+          </a:p>
+        </p:txBody>
+      </p:sp>
+      <p:sp>
+        <p:nvSpPr>
+          <p:cNvPr id="21" name="Rectangle 20">
+            <a:extLst>
+              <a:ext uri="{FF2B5EF4-FFF2-40B4-BE49-F238E27FC236}">
+                <a16:creationId xmlns:a16="http://schemas.microsoft.com/office/drawing/2014/main" id="{10854F2E-F2B9-B348-89A7-7C3BECF734FC}"/>
+              </a:ext>
+            </a:extLst>
+          </p:cNvPr>
+          <p:cNvSpPr/>
+          <p:nvPr/>
+        </p:nvSpPr>
+        <p:spPr>
+          <a:xfrm>
+            <a:off x="7220289" y="7132450"/>
+            <a:ext cx="1518108" cy="1518108"/>
+          </a:xfrm>
+          <a:prstGeom prst="rect">
+            <a:avLst/>
+          </a:prstGeom>
+          <a:noFill/>
+          <a:ln w="57150">
+            <a:solidFill>
+              <a:schemeClr val="bg1"/>
+            </a:solidFill>
+          </a:ln>
+        </p:spPr>
+        <p:style>
+          <a:lnRef idx="2">
+            <a:schemeClr val="accent1">
+              <a:shade val="50000"/>
+            </a:schemeClr>
+          </a:lnRef>
+          <a:fillRef idx="1">
+            <a:schemeClr val="accent1"/>
+          </a:fillRef>
+          <a:effectRef idx="0">
+            <a:schemeClr val="accent1"/>
+          </a:effectRef>
+          <a:fontRef idx="minor">
+            <a:schemeClr val="lt1"/>
+          </a:fontRef>
+        </p:style>
+        <p:txBody>
+          <a:bodyPr rtlCol="0" anchor="ctr"/>
+          <a:lstStyle/>
+          <a:p>
+            <a:pPr algn="ctr"/>
+            <a:endParaRPr lang="en-SE"/>
+          </a:p>
+        </p:txBody>
+      </p:sp>
+      <p:sp>
+        <p:nvSpPr>
+          <p:cNvPr id="22" name="Rectangle 21">
+            <a:extLst>
+              <a:ext uri="{FF2B5EF4-FFF2-40B4-BE49-F238E27FC236}">
+                <a16:creationId xmlns:a16="http://schemas.microsoft.com/office/drawing/2014/main" id="{DB8FA3AD-5384-2649-8DB3-AC3CFF87F453}"/>
+              </a:ext>
+            </a:extLst>
+          </p:cNvPr>
+          <p:cNvSpPr/>
+          <p:nvPr/>
+        </p:nvSpPr>
+        <p:spPr>
+          <a:xfrm>
+            <a:off x="7220289" y="10168667"/>
+            <a:ext cx="1518108" cy="1518108"/>
+          </a:xfrm>
+          <a:prstGeom prst="rect">
+            <a:avLst/>
+          </a:prstGeom>
+          <a:noFill/>
+          <a:ln w="57150">
+            <a:solidFill>
+              <a:schemeClr val="bg1"/>
+            </a:solidFill>
+          </a:ln>
+        </p:spPr>
+        <p:style>
+          <a:lnRef idx="2">
+            <a:schemeClr val="accent1">
+              <a:shade val="50000"/>
+            </a:schemeClr>
+          </a:lnRef>
+          <a:fillRef idx="1">
+            <a:schemeClr val="accent1"/>
+          </a:fillRef>
+          <a:effectRef idx="0">
+            <a:schemeClr val="accent1"/>
+          </a:effectRef>
+          <a:fontRef idx="minor">
+            <a:schemeClr val="lt1"/>
+          </a:fontRef>
+        </p:style>
+        <p:txBody>
+          <a:bodyPr rtlCol="0" anchor="ctr"/>
+          <a:lstStyle/>
+          <a:p>
+            <a:pPr algn="ctr"/>
+            <a:endParaRPr lang="en-SE"/>
+          </a:p>
+        </p:txBody>
+      </p:sp>
+      <p:sp>
+        <p:nvSpPr>
+          <p:cNvPr id="23" name="Rectangle 22">
+            <a:extLst>
+              <a:ext uri="{FF2B5EF4-FFF2-40B4-BE49-F238E27FC236}">
+                <a16:creationId xmlns:a16="http://schemas.microsoft.com/office/drawing/2014/main" id="{2768004B-8EFB-6A48-B33D-672623867CEB}"/>
+              </a:ext>
+            </a:extLst>
+          </p:cNvPr>
+          <p:cNvSpPr/>
+          <p:nvPr/>
+        </p:nvSpPr>
+        <p:spPr>
+          <a:xfrm>
+            <a:off x="8738398" y="8650558"/>
+            <a:ext cx="1518108" cy="1518108"/>
+          </a:xfrm>
+          <a:prstGeom prst="rect">
+            <a:avLst/>
+          </a:prstGeom>
+          <a:noFill/>
+          <a:ln w="57150">
+            <a:solidFill>
+              <a:schemeClr val="bg1"/>
+            </a:solidFill>
+          </a:ln>
+        </p:spPr>
+        <p:style>
+          <a:lnRef idx="2">
+            <a:schemeClr val="accent1">
+              <a:shade val="50000"/>
+            </a:schemeClr>
+          </a:lnRef>
+          <a:fillRef idx="1">
+            <a:schemeClr val="accent1"/>
+          </a:fillRef>
+          <a:effectRef idx="0">
+            <a:schemeClr val="accent1"/>
+          </a:effectRef>
+          <a:fontRef idx="minor">
+            <a:schemeClr val="lt1"/>
+          </a:fontRef>
+        </p:style>
+        <p:txBody>
+          <a:bodyPr rtlCol="0" anchor="ctr"/>
+          <a:lstStyle/>
+          <a:p>
+            <a:pPr algn="ctr"/>
+            <a:endParaRPr lang="en-SE"/>
+          </a:p>
+        </p:txBody>
+      </p:sp>
+      <p:sp>
+        <p:nvSpPr>
+          <p:cNvPr id="24" name="Rectangle 23">
+            <a:extLst>
+              <a:ext uri="{FF2B5EF4-FFF2-40B4-BE49-F238E27FC236}">
+                <a16:creationId xmlns:a16="http://schemas.microsoft.com/office/drawing/2014/main" id="{F4E146A3-633B-A64A-9A50-C6D8CE0BEA86}"/>
+              </a:ext>
+            </a:extLst>
+          </p:cNvPr>
+          <p:cNvSpPr/>
+          <p:nvPr/>
+        </p:nvSpPr>
+        <p:spPr>
+          <a:xfrm>
+            <a:off x="8738398" y="7132450"/>
+            <a:ext cx="1518108" cy="1518108"/>
+          </a:xfrm>
+          <a:prstGeom prst="rect">
+            <a:avLst/>
+          </a:prstGeom>
+          <a:noFill/>
+          <a:ln w="57150">
+            <a:solidFill>
+              <a:schemeClr val="bg1"/>
+            </a:solidFill>
+          </a:ln>
+        </p:spPr>
+        <p:style>
+          <a:lnRef idx="2">
+            <a:schemeClr val="accent1">
+              <a:shade val="50000"/>
+            </a:schemeClr>
+          </a:lnRef>
+          <a:fillRef idx="1">
+            <a:schemeClr val="accent1"/>
+          </a:fillRef>
+          <a:effectRef idx="0">
+            <a:schemeClr val="accent1"/>
+          </a:effectRef>
+          <a:fontRef idx="minor">
+            <a:schemeClr val="lt1"/>
+          </a:fontRef>
+        </p:style>
+        <p:txBody>
+          <a:bodyPr rtlCol="0" anchor="ctr"/>
+          <a:lstStyle/>
+          <a:p>
+            <a:pPr algn="ctr"/>
+            <a:endParaRPr lang="en-SE"/>
+          </a:p>
+        </p:txBody>
+      </p:sp>
+      <p:sp>
+        <p:nvSpPr>
+          <p:cNvPr id="25" name="Rectangle 24">
+            <a:extLst>
+              <a:ext uri="{FF2B5EF4-FFF2-40B4-BE49-F238E27FC236}">
+                <a16:creationId xmlns:a16="http://schemas.microsoft.com/office/drawing/2014/main" id="{36192112-551F-6146-9D92-C488C979820B}"/>
+              </a:ext>
+            </a:extLst>
+          </p:cNvPr>
+          <p:cNvSpPr/>
+          <p:nvPr/>
+        </p:nvSpPr>
+        <p:spPr>
+          <a:xfrm>
+            <a:off x="8738398" y="10168666"/>
+            <a:ext cx="1518108" cy="1518108"/>
+          </a:xfrm>
+          <a:prstGeom prst="rect">
+            <a:avLst/>
+          </a:prstGeom>
+          <a:solidFill>
+            <a:schemeClr val="tx1"/>
+          </a:solidFill>
+          <a:ln w="57150">
+            <a:solidFill>
+              <a:schemeClr val="bg1"/>
+            </a:solidFill>
+          </a:ln>
+        </p:spPr>
+        <p:style>
+          <a:lnRef idx="2">
+            <a:schemeClr val="accent1">
+              <a:shade val="50000"/>
+            </a:schemeClr>
+          </a:lnRef>
+          <a:fillRef idx="1">
+            <a:schemeClr val="accent1"/>
+          </a:fillRef>
+          <a:effectRef idx="0">
+            <a:schemeClr val="accent1"/>
+          </a:effectRef>
+          <a:fontRef idx="minor">
+            <a:schemeClr val="lt1"/>
+          </a:fontRef>
+        </p:style>
+        <p:txBody>
+          <a:bodyPr rtlCol="0" anchor="ctr"/>
+          <a:lstStyle/>
+          <a:p>
+            <a:pPr algn="ctr"/>
+            <a:endParaRPr lang="en-SE"/>
+          </a:p>
+        </p:txBody>
+      </p:sp>
+      <p:sp>
+        <p:nvSpPr>
+          <p:cNvPr id="26" name="Rectangle 25">
+            <a:extLst>
+              <a:ext uri="{FF2B5EF4-FFF2-40B4-BE49-F238E27FC236}">
+                <a16:creationId xmlns:a16="http://schemas.microsoft.com/office/drawing/2014/main" id="{25FED615-97A3-9F4B-9FCB-E34142E611B2}"/>
+              </a:ext>
+            </a:extLst>
+          </p:cNvPr>
+          <p:cNvSpPr/>
+          <p:nvPr/>
+        </p:nvSpPr>
+        <p:spPr>
+          <a:xfrm>
+            <a:off x="7220289" y="5614342"/>
+            <a:ext cx="1518108" cy="1518108"/>
+          </a:xfrm>
+          <a:prstGeom prst="rect">
+            <a:avLst/>
+          </a:prstGeom>
+          <a:noFill/>
+          <a:ln w="57150">
+            <a:solidFill>
+              <a:schemeClr val="bg1"/>
+            </a:solidFill>
+          </a:ln>
+        </p:spPr>
+        <p:style>
+          <a:lnRef idx="2">
+            <a:schemeClr val="accent1">
+              <a:shade val="50000"/>
+            </a:schemeClr>
+          </a:lnRef>
+          <a:fillRef idx="1">
+            <a:schemeClr val="accent1"/>
+          </a:fillRef>
+          <a:effectRef idx="0">
+            <a:schemeClr val="accent1"/>
+          </a:effectRef>
+          <a:fontRef idx="minor">
+            <a:schemeClr val="lt1"/>
+          </a:fontRef>
+        </p:style>
+        <p:txBody>
+          <a:bodyPr rtlCol="0" anchor="ctr"/>
+          <a:lstStyle/>
+          <a:p>
+            <a:pPr algn="ctr"/>
+            <a:endParaRPr lang="en-SE"/>
+          </a:p>
+        </p:txBody>
+      </p:sp>
+      <p:sp>
+        <p:nvSpPr>
+          <p:cNvPr id="27" name="Rectangle 26">
+            <a:extLst>
+              <a:ext uri="{FF2B5EF4-FFF2-40B4-BE49-F238E27FC236}">
+                <a16:creationId xmlns:a16="http://schemas.microsoft.com/office/drawing/2014/main" id="{52B35DB2-6BEE-0D40-AB42-83B319CD2718}"/>
+              </a:ext>
+            </a:extLst>
+          </p:cNvPr>
+          <p:cNvSpPr/>
+          <p:nvPr/>
+        </p:nvSpPr>
+        <p:spPr>
+          <a:xfrm>
+            <a:off x="7220289" y="4096234"/>
+            <a:ext cx="1518108" cy="1518108"/>
+          </a:xfrm>
+          <a:prstGeom prst="rect">
+            <a:avLst/>
+          </a:prstGeom>
+          <a:noFill/>
+          <a:ln w="57150">
+            <a:solidFill>
+              <a:schemeClr val="bg1"/>
+            </a:solidFill>
+          </a:ln>
+        </p:spPr>
+        <p:style>
+          <a:lnRef idx="2">
+            <a:schemeClr val="accent1">
+              <a:shade val="50000"/>
+            </a:schemeClr>
+          </a:lnRef>
+          <a:fillRef idx="1">
+            <a:schemeClr val="accent1"/>
+          </a:fillRef>
+          <a:effectRef idx="0">
+            <a:schemeClr val="accent1"/>
+          </a:effectRef>
+          <a:fontRef idx="minor">
+            <a:schemeClr val="lt1"/>
+          </a:fontRef>
+        </p:style>
+        <p:txBody>
+          <a:bodyPr rtlCol="0" anchor="ctr"/>
+          <a:lstStyle/>
+          <a:p>
+            <a:pPr algn="ctr"/>
+            <a:endParaRPr lang="en-SE"/>
+          </a:p>
+        </p:txBody>
+      </p:sp>
+      <p:sp>
+        <p:nvSpPr>
+          <p:cNvPr id="28" name="Rectangle 27">
+            <a:extLst>
+              <a:ext uri="{FF2B5EF4-FFF2-40B4-BE49-F238E27FC236}">
+                <a16:creationId xmlns:a16="http://schemas.microsoft.com/office/drawing/2014/main" id="{3D93CD21-10D7-D14A-8D28-ABFA993C0FFC}"/>
+              </a:ext>
+            </a:extLst>
+          </p:cNvPr>
+          <p:cNvSpPr/>
+          <p:nvPr/>
+        </p:nvSpPr>
+        <p:spPr>
+          <a:xfrm>
+            <a:off x="8738398" y="5614342"/>
+            <a:ext cx="1518108" cy="1518108"/>
+          </a:xfrm>
+          <a:prstGeom prst="rect">
+            <a:avLst/>
+          </a:prstGeom>
+          <a:noFill/>
+          <a:ln w="57150">
+            <a:solidFill>
+              <a:schemeClr val="bg1"/>
+            </a:solidFill>
+          </a:ln>
+        </p:spPr>
+        <p:style>
+          <a:lnRef idx="2">
+            <a:schemeClr val="accent1">
+              <a:shade val="50000"/>
+            </a:schemeClr>
+          </a:lnRef>
+          <a:fillRef idx="1">
+            <a:schemeClr val="accent1"/>
+          </a:fillRef>
+          <a:effectRef idx="0">
+            <a:schemeClr val="accent1"/>
+          </a:effectRef>
+          <a:fontRef idx="minor">
+            <a:schemeClr val="lt1"/>
+          </a:fontRef>
+        </p:style>
+        <p:txBody>
+          <a:bodyPr rtlCol="0" anchor="ctr"/>
+          <a:lstStyle/>
+          <a:p>
+            <a:pPr algn="ctr"/>
+            <a:endParaRPr lang="en-SE"/>
+          </a:p>
+        </p:txBody>
+      </p:sp>
+      <p:sp>
+        <p:nvSpPr>
+          <p:cNvPr id="29" name="Rectangle 28">
+            <a:extLst>
+              <a:ext uri="{FF2B5EF4-FFF2-40B4-BE49-F238E27FC236}">
+                <a16:creationId xmlns:a16="http://schemas.microsoft.com/office/drawing/2014/main" id="{B05C66AD-B518-A34E-9A2A-5429EA799194}"/>
+              </a:ext>
+            </a:extLst>
+          </p:cNvPr>
+          <p:cNvSpPr/>
+          <p:nvPr/>
+        </p:nvSpPr>
+        <p:spPr>
+          <a:xfrm>
+            <a:off x="8738398" y="4096233"/>
+            <a:ext cx="1518108" cy="1518108"/>
+          </a:xfrm>
+          <a:prstGeom prst="rect">
+            <a:avLst/>
+          </a:prstGeom>
+          <a:noFill/>
+          <a:ln w="57150">
+            <a:solidFill>
+              <a:schemeClr val="bg1"/>
+            </a:solidFill>
+          </a:ln>
+        </p:spPr>
+        <p:style>
+          <a:lnRef idx="2">
+            <a:schemeClr val="accent1">
+              <a:shade val="50000"/>
+            </a:schemeClr>
+          </a:lnRef>
+          <a:fillRef idx="1">
+            <a:schemeClr val="accent1"/>
+          </a:fillRef>
+          <a:effectRef idx="0">
+            <a:schemeClr val="accent1"/>
+          </a:effectRef>
+          <a:fontRef idx="minor">
+            <a:schemeClr val="lt1"/>
+          </a:fontRef>
+        </p:style>
+        <p:txBody>
+          <a:bodyPr rtlCol="0" anchor="ctr"/>
+          <a:lstStyle/>
+          <a:p>
+            <a:pPr algn="ctr"/>
+            <a:endParaRPr lang="en-SE"/>
+          </a:p>
+        </p:txBody>
+      </p:sp>
+      <mc:AlternateContent xmlns:mc="http://schemas.openxmlformats.org/markup-compatibility/2006">
+        <mc:Choice xmlns:a14="http://schemas.microsoft.com/office/drawing/2010/main" Requires="a14">
+          <p:sp>
+            <p:nvSpPr>
+              <p:cNvPr id="30" name="Content Placeholder 2">
+                <a:extLst>
+                  <a:ext uri="{FF2B5EF4-FFF2-40B4-BE49-F238E27FC236}">
+                    <a16:creationId xmlns:a16="http://schemas.microsoft.com/office/drawing/2014/main" id="{98EA2E7E-BB25-814B-9D39-7569019BEAB5}"/>
+                  </a:ext>
+                </a:extLst>
+              </p:cNvPr>
+              <p:cNvSpPr txBox="1">
+                <a:spLocks/>
+              </p:cNvSpPr>
+              <p:nvPr/>
+            </p:nvSpPr>
+            <p:spPr>
+              <a:xfrm>
+                <a:off x="18543149" y="1162477"/>
+                <a:ext cx="4421162" cy="1786184"/>
+              </a:xfrm>
+              <a:prstGeom prst="rect">
+                <a:avLst/>
+              </a:prstGeom>
+            </p:spPr>
+            <p:txBody>
+              <a:bodyPr vert="horz" lIns="91440" tIns="45720" rIns="91440" bIns="45720" rtlCol="0">
+                <a:normAutofit/>
+              </a:bodyPr>
+              <a:lstStyle>
+                <a:lvl1pPr marL="457177" indent="-457177" algn="l" defTabSz="1828709" rtl="0" eaLnBrk="1" latinLnBrk="0" hangingPunct="1">
+                  <a:lnSpc>
+                    <a:spcPct val="90000"/>
+                  </a:lnSpc>
+                  <a:spcBef>
+                    <a:spcPts val="2000"/>
+                  </a:spcBef>
+                  <a:buFont typeface="Arial" panose="020B0604020202020204" pitchFamily="34" charset="0"/>
+                  <a:buChar char="•"/>
+                  <a:defRPr sz="5600" kern="1200">
+                    <a:solidFill>
+                      <a:schemeClr val="tx1"/>
+                    </a:solidFill>
+                    <a:latin typeface="+mn-lt"/>
+                    <a:ea typeface="+mn-ea"/>
+                    <a:cs typeface="+mn-cs"/>
+                  </a:defRPr>
+                </a:lvl1pPr>
+                <a:lvl2pPr marL="1371531" indent="-457177" algn="l" defTabSz="1828709" rtl="0" eaLnBrk="1" latinLnBrk="0" hangingPunct="1">
+                  <a:lnSpc>
+                    <a:spcPct val="90000"/>
+                  </a:lnSpc>
+                  <a:spcBef>
+                    <a:spcPts val="1000"/>
+                  </a:spcBef>
+                  <a:buFont typeface="Arial" panose="020B0604020202020204" pitchFamily="34" charset="0"/>
+                  <a:buChar char="•"/>
+                  <a:defRPr sz="4800" kern="1200">
+                    <a:solidFill>
+                      <a:schemeClr val="tx1"/>
+                    </a:solidFill>
+                    <a:latin typeface="+mn-lt"/>
+                    <a:ea typeface="+mn-ea"/>
+                    <a:cs typeface="+mn-cs"/>
+                  </a:defRPr>
+                </a:lvl2pPr>
+                <a:lvl3pPr marL="2285886" indent="-457177" algn="l" defTabSz="1828709" rtl="0" eaLnBrk="1" latinLnBrk="0" hangingPunct="1">
+                  <a:lnSpc>
+                    <a:spcPct val="90000"/>
+                  </a:lnSpc>
+                  <a:spcBef>
+                    <a:spcPts val="1000"/>
+                  </a:spcBef>
+                  <a:buFont typeface="Arial" panose="020B0604020202020204" pitchFamily="34" charset="0"/>
+                  <a:buChar char="•"/>
+                  <a:defRPr sz="4000" kern="1200">
+                    <a:solidFill>
+                      <a:schemeClr val="tx1"/>
+                    </a:solidFill>
+                    <a:latin typeface="+mn-lt"/>
+                    <a:ea typeface="+mn-ea"/>
+                    <a:cs typeface="+mn-cs"/>
+                  </a:defRPr>
+                </a:lvl3pPr>
+                <a:lvl4pPr marL="3200240" indent="-457177" algn="l" defTabSz="1828709" rtl="0" eaLnBrk="1" latinLnBrk="0" hangingPunct="1">
+                  <a:lnSpc>
+                    <a:spcPct val="90000"/>
+                  </a:lnSpc>
+                  <a:spcBef>
+                    <a:spcPts val="1000"/>
+                  </a:spcBef>
+                  <a:buFont typeface="Arial" panose="020B0604020202020204" pitchFamily="34" charset="0"/>
+                  <a:buChar char="•"/>
+                  <a:defRPr sz="3600" kern="1200">
+                    <a:solidFill>
+                      <a:schemeClr val="tx1"/>
+                    </a:solidFill>
+                    <a:latin typeface="+mn-lt"/>
+                    <a:ea typeface="+mn-ea"/>
+                    <a:cs typeface="+mn-cs"/>
+                  </a:defRPr>
+                </a:lvl4pPr>
+                <a:lvl5pPr marL="4114594" indent="-457177" algn="l" defTabSz="1828709" rtl="0" eaLnBrk="1" latinLnBrk="0" hangingPunct="1">
+                  <a:lnSpc>
+                    <a:spcPct val="90000"/>
+                  </a:lnSpc>
+                  <a:spcBef>
+                    <a:spcPts val="1000"/>
+                  </a:spcBef>
+                  <a:buFont typeface="Arial" panose="020B0604020202020204" pitchFamily="34" charset="0"/>
+                  <a:buChar char="•"/>
+                  <a:defRPr sz="3600" kern="1200">
+                    <a:solidFill>
+                      <a:schemeClr val="tx1"/>
+                    </a:solidFill>
+                    <a:latin typeface="+mn-lt"/>
+                    <a:ea typeface="+mn-ea"/>
+                    <a:cs typeface="+mn-cs"/>
+                  </a:defRPr>
+                </a:lvl5pPr>
+                <a:lvl6pPr marL="5028949" indent="-457177" algn="l" defTabSz="1828709" rtl="0" eaLnBrk="1" latinLnBrk="0" hangingPunct="1">
+                  <a:lnSpc>
+                    <a:spcPct val="90000"/>
+                  </a:lnSpc>
+                  <a:spcBef>
+                    <a:spcPts val="1000"/>
+                  </a:spcBef>
+                  <a:buFont typeface="Arial" panose="020B0604020202020204" pitchFamily="34" charset="0"/>
+                  <a:buChar char="•"/>
+                  <a:defRPr sz="3600" kern="1200">
+                    <a:solidFill>
+                      <a:schemeClr val="tx1"/>
+                    </a:solidFill>
+                    <a:latin typeface="+mn-lt"/>
+                    <a:ea typeface="+mn-ea"/>
+                    <a:cs typeface="+mn-cs"/>
+                  </a:defRPr>
+                </a:lvl6pPr>
+                <a:lvl7pPr marL="5943303" indent="-457177" algn="l" defTabSz="1828709" rtl="0" eaLnBrk="1" latinLnBrk="0" hangingPunct="1">
+                  <a:lnSpc>
+                    <a:spcPct val="90000"/>
+                  </a:lnSpc>
+                  <a:spcBef>
+                    <a:spcPts val="1000"/>
+                  </a:spcBef>
+                  <a:buFont typeface="Arial" panose="020B0604020202020204" pitchFamily="34" charset="0"/>
+                  <a:buChar char="•"/>
+                  <a:defRPr sz="3600" kern="1200">
+                    <a:solidFill>
+                      <a:schemeClr val="tx1"/>
+                    </a:solidFill>
+                    <a:latin typeface="+mn-lt"/>
+                    <a:ea typeface="+mn-ea"/>
+                    <a:cs typeface="+mn-cs"/>
+                  </a:defRPr>
+                </a:lvl7pPr>
+                <a:lvl8pPr marL="6857657" indent="-457177" algn="l" defTabSz="1828709" rtl="0" eaLnBrk="1" latinLnBrk="0" hangingPunct="1">
+                  <a:lnSpc>
+                    <a:spcPct val="90000"/>
+                  </a:lnSpc>
+                  <a:spcBef>
+                    <a:spcPts val="1000"/>
+                  </a:spcBef>
+                  <a:buFont typeface="Arial" panose="020B0604020202020204" pitchFamily="34" charset="0"/>
+                  <a:buChar char="•"/>
+                  <a:defRPr sz="3600" kern="1200">
+                    <a:solidFill>
+                      <a:schemeClr val="tx1"/>
+                    </a:solidFill>
+                    <a:latin typeface="+mn-lt"/>
+                    <a:ea typeface="+mn-ea"/>
+                    <a:cs typeface="+mn-cs"/>
+                  </a:defRPr>
+                </a:lvl8pPr>
+                <a:lvl9pPr marL="7772011" indent="-457177" algn="l" defTabSz="1828709" rtl="0" eaLnBrk="1" latinLnBrk="0" hangingPunct="1">
+                  <a:lnSpc>
+                    <a:spcPct val="90000"/>
+                  </a:lnSpc>
+                  <a:spcBef>
+                    <a:spcPts val="1000"/>
+                  </a:spcBef>
+                  <a:buFont typeface="Arial" panose="020B0604020202020204" pitchFamily="34" charset="0"/>
+                  <a:buChar char="•"/>
+                  <a:defRPr sz="3600" kern="1200">
+                    <a:solidFill>
+                      <a:schemeClr val="tx1"/>
+                    </a:solidFill>
+                    <a:latin typeface="+mn-lt"/>
+                    <a:ea typeface="+mn-ea"/>
+                    <a:cs typeface="+mn-cs"/>
+                  </a:defRPr>
+                </a:lvl9pPr>
+              </a:lstStyle>
+              <a:p>
+                <a:pPr marL="0" indent="0">
+                  <a:buFont typeface="Arial" panose="020B0604020202020204" pitchFamily="34" charset="0"/>
+                  <a:buNone/>
+                </a:pPr>
+                <a14:m>
+                  <m:oMathPara xmlns:m="http://schemas.openxmlformats.org/officeDocument/2006/math">
+                    <m:oMathParaPr>
+                      <m:jc m:val="centerGroup"/>
+                    </m:oMathParaPr>
+                    <m:oMath xmlns:m="http://schemas.openxmlformats.org/officeDocument/2006/math">
+                      <m:r>
+                        <a:rPr lang="en-US" sz="11500" b="0" i="1" smtClean="0">
+                          <a:solidFill>
+                            <a:schemeClr val="bg1"/>
+                          </a:solidFill>
+                          <a:latin typeface="Cambria Math" panose="02040503050406030204" pitchFamily="18" charset="0"/>
+                          <a:ea typeface="CMU Serif Roman" panose="02000603000000000000" pitchFamily="2" charset="0"/>
+                          <a:cs typeface="CMU Serif Roman" panose="02000603000000000000" pitchFamily="2" charset="0"/>
+                        </a:rPr>
+                        <m:t>𝑔</m:t>
+                      </m:r>
+                      <m:r>
+                        <a:rPr lang="es-ES" sz="11500" b="0" i="1" smtClean="0">
+                          <a:solidFill>
+                            <a:schemeClr val="bg1"/>
+                          </a:solidFill>
+                          <a:latin typeface="Cambria Math" panose="02040503050406030204" pitchFamily="18" charset="0"/>
+                          <a:ea typeface="CMU Serif Roman" panose="02000603000000000000" pitchFamily="2" charset="0"/>
+                          <a:cs typeface="CMU Serif Roman" panose="02000603000000000000" pitchFamily="2" charset="0"/>
+                        </a:rPr>
+                        <m:t>=</m:t>
+                      </m:r>
+                      <m:r>
+                        <a:rPr lang="en-US" sz="11500" b="0" i="1" smtClean="0">
+                          <a:solidFill>
+                            <a:schemeClr val="bg1"/>
+                          </a:solidFill>
+                          <a:latin typeface="Cambria Math" panose="02040503050406030204" pitchFamily="18" charset="0"/>
+                          <a:ea typeface="CMU Serif Roman" panose="02000603000000000000" pitchFamily="2" charset="0"/>
+                          <a:cs typeface="CMU Serif Roman" panose="02000603000000000000" pitchFamily="2" charset="0"/>
+                        </a:rPr>
+                        <m:t>5</m:t>
+                      </m:r>
+                    </m:oMath>
+                  </m:oMathPara>
+                </a14:m>
+                <a:endParaRPr lang="en-US" sz="11500" dirty="0">
+                  <a:solidFill>
+                    <a:schemeClr val="bg1"/>
+                  </a:solidFill>
+                  <a:latin typeface="CMU Serif Roman" panose="02000603000000000000" pitchFamily="2" charset="0"/>
+                  <a:ea typeface="CMU Serif Roman" panose="02000603000000000000" pitchFamily="2" charset="0"/>
+                  <a:cs typeface="CMU Serif Roman" panose="02000603000000000000" pitchFamily="2" charset="0"/>
+                </a:endParaRPr>
+              </a:p>
+            </p:txBody>
+          </p:sp>
+        </mc:Choice>
+        <mc:Fallback>
+          <p:sp>
+            <p:nvSpPr>
+              <p:cNvPr id="30" name="Content Placeholder 2">
+                <a:extLst>
+                  <a:ext uri="{FF2B5EF4-FFF2-40B4-BE49-F238E27FC236}">
+                    <a16:creationId xmlns:a16="http://schemas.microsoft.com/office/drawing/2014/main" id="{98EA2E7E-BB25-814B-9D39-7569019BEAB5}"/>
+                  </a:ext>
+                </a:extLst>
+              </p:cNvPr>
+              <p:cNvSpPr txBox="1">
+                <a:spLocks noRot="1" noChangeAspect="1" noMove="1" noResize="1" noEditPoints="1" noAdjustHandles="1" noChangeArrowheads="1" noChangeShapeType="1" noTextEdit="1"/>
+              </p:cNvSpPr>
+              <p:nvPr/>
+            </p:nvSpPr>
+            <p:spPr>
+              <a:xfrm>
+                <a:off x="18543149" y="1162477"/>
+                <a:ext cx="4421162" cy="1786184"/>
+              </a:xfrm>
+              <a:prstGeom prst="rect">
+                <a:avLst/>
+              </a:prstGeom>
+              <a:blipFill>
+                <a:blip r:embed="rId2"/>
+                <a:stretch>
+                  <a:fillRect l="-2579" t="-4225" r="-2579" b="-13380"/>
+                </a:stretch>
+              </a:blipFill>
+            </p:spPr>
+            <p:txBody>
+              <a:bodyPr/>
+              <a:lstStyle/>
+              <a:p>
+                <a:r>
+                  <a:rPr lang="en-SE">
+                    <a:noFill/>
+                  </a:rPr>
+                  <a:t> </a:t>
+                </a:r>
+              </a:p>
+            </p:txBody>
+          </p:sp>
+        </mc:Fallback>
+      </mc:AlternateContent>
+      <mc:AlternateContent xmlns:mc="http://schemas.openxmlformats.org/markup-compatibility/2006">
+        <mc:Choice xmlns:a14="http://schemas.microsoft.com/office/drawing/2010/main" Requires="a14">
+          <p:sp>
+            <p:nvSpPr>
+              <p:cNvPr id="31" name="Content Placeholder 2">
+                <a:extLst>
+                  <a:ext uri="{FF2B5EF4-FFF2-40B4-BE49-F238E27FC236}">
+                    <a16:creationId xmlns:a16="http://schemas.microsoft.com/office/drawing/2014/main" id="{1A101A85-E8D1-7645-AE00-A34715F04FD1}"/>
+                  </a:ext>
+                </a:extLst>
+              </p:cNvPr>
+              <p:cNvSpPr>
+                <a:spLocks noGrp="1"/>
+              </p:cNvSpPr>
+              <p:nvPr>
+                <p:ph idx="1"/>
+              </p:nvPr>
+            </p:nvSpPr>
+            <p:spPr>
+              <a:xfrm>
+                <a:off x="2994212" y="11939492"/>
+                <a:ext cx="1082286" cy="1046257"/>
+              </a:xfrm>
+            </p:spPr>
+            <p:txBody>
+              <a:bodyPr>
+                <a:normAutofit/>
+              </a:bodyPr>
+              <a:lstStyle/>
+              <a:p>
+                <a:pPr marL="0" indent="0" algn="ctr">
+                  <a:buNone/>
+                </a:pPr>
+                <a14:m>
+                  <m:oMathPara xmlns:m="http://schemas.openxmlformats.org/officeDocument/2006/math">
+                    <m:oMathParaPr>
+                      <m:jc m:val="center"/>
+                    </m:oMathParaPr>
+                    <m:oMath xmlns:m="http://schemas.openxmlformats.org/officeDocument/2006/math">
+                      <m:r>
+                        <a:rPr lang="en-US" b="0" i="1" smtClean="0">
+                          <a:solidFill>
+                            <a:schemeClr val="bg1"/>
+                          </a:solidFill>
+                          <a:latin typeface="Cambria Math" panose="02040503050406030204" pitchFamily="18" charset="0"/>
+                          <a:ea typeface="CMU Serif Roman" panose="02000603000000000000" pitchFamily="2" charset="0"/>
+                          <a:cs typeface="CMU Serif Roman" panose="02000603000000000000" pitchFamily="2" charset="0"/>
+                        </a:rPr>
+                        <m:t>0</m:t>
+                      </m:r>
+                    </m:oMath>
+                  </m:oMathPara>
+                </a14:m>
+                <a:endParaRPr lang="en-SE" dirty="0">
+                  <a:solidFill>
+                    <a:schemeClr val="bg1"/>
+                  </a:solidFill>
+                  <a:latin typeface="CMU Serif Roman" panose="02000603000000000000" pitchFamily="2" charset="0"/>
+                  <a:ea typeface="CMU Serif Roman" panose="02000603000000000000" pitchFamily="2" charset="0"/>
+                  <a:cs typeface="CMU Serif Roman" panose="02000603000000000000" pitchFamily="2" charset="0"/>
+                </a:endParaRPr>
+              </a:p>
+            </p:txBody>
+          </p:sp>
+        </mc:Choice>
+        <mc:Fallback>
+          <p:sp>
+            <p:nvSpPr>
+              <p:cNvPr id="31" name="Content Placeholder 2">
+                <a:extLst>
+                  <a:ext uri="{FF2B5EF4-FFF2-40B4-BE49-F238E27FC236}">
+                    <a16:creationId xmlns:a16="http://schemas.microsoft.com/office/drawing/2014/main" id="{1A101A85-E8D1-7645-AE00-A34715F04FD1}"/>
+                  </a:ext>
+                </a:extLst>
+              </p:cNvPr>
+              <p:cNvSpPr>
+                <a:spLocks noGrp="1" noRot="1" noChangeAspect="1" noMove="1" noResize="1" noEditPoints="1" noAdjustHandles="1" noChangeArrowheads="1" noChangeShapeType="1" noTextEdit="1"/>
+              </p:cNvSpPr>
+              <p:nvPr>
+                <p:ph idx="1"/>
+              </p:nvPr>
+            </p:nvSpPr>
+            <p:spPr>
+              <a:xfrm>
+                <a:off x="2994212" y="11939492"/>
+                <a:ext cx="1082286" cy="1046257"/>
+              </a:xfrm>
+              <a:blipFill>
+                <a:blip r:embed="rId3"/>
+                <a:stretch>
+                  <a:fillRect l="-1149" t="-1205"/>
+                </a:stretch>
+              </a:blipFill>
+            </p:spPr>
+            <p:txBody>
+              <a:bodyPr/>
+              <a:lstStyle/>
+              <a:p>
+                <a:r>
+                  <a:rPr lang="en-SE">
+                    <a:noFill/>
+                  </a:rPr>
+                  <a:t> </a:t>
+                </a:r>
+              </a:p>
+            </p:txBody>
+          </p:sp>
+        </mc:Fallback>
+      </mc:AlternateContent>
+      <mc:AlternateContent xmlns:mc="http://schemas.openxmlformats.org/markup-compatibility/2006">
+        <mc:Choice xmlns:a14="http://schemas.microsoft.com/office/drawing/2010/main" Requires="a14">
+          <p:sp>
+            <p:nvSpPr>
+              <p:cNvPr id="32" name="Content Placeholder 2">
+                <a:extLst>
+                  <a:ext uri="{FF2B5EF4-FFF2-40B4-BE49-F238E27FC236}">
+                    <a16:creationId xmlns:a16="http://schemas.microsoft.com/office/drawing/2014/main" id="{67516BBB-3719-8C4D-85F8-ADEAA7F69871}"/>
+                  </a:ext>
+                </a:extLst>
+              </p:cNvPr>
+              <p:cNvSpPr txBox="1">
+                <a:spLocks/>
+              </p:cNvSpPr>
+              <p:nvPr/>
+            </p:nvSpPr>
+            <p:spPr>
+              <a:xfrm>
+                <a:off x="4545416" y="11939491"/>
+                <a:ext cx="1082286" cy="1046257"/>
+              </a:xfrm>
+              <a:prstGeom prst="rect">
+                <a:avLst/>
+              </a:prstGeom>
+            </p:spPr>
+            <p:txBody>
+              <a:bodyPr vert="horz" lIns="91440" tIns="45720" rIns="91440" bIns="45720" rtlCol="0">
+                <a:normAutofit/>
+              </a:bodyPr>
+              <a:lstStyle>
+                <a:lvl1pPr marL="457177" indent="-457177" algn="l" defTabSz="1828709" rtl="0" eaLnBrk="1" latinLnBrk="0" hangingPunct="1">
+                  <a:lnSpc>
+                    <a:spcPct val="90000"/>
+                  </a:lnSpc>
+                  <a:spcBef>
+                    <a:spcPts val="2000"/>
+                  </a:spcBef>
+                  <a:buFont typeface="Arial" panose="020B0604020202020204" pitchFamily="34" charset="0"/>
+                  <a:buChar char="•"/>
+                  <a:defRPr sz="5600" kern="1200">
+                    <a:solidFill>
+                      <a:schemeClr val="tx1"/>
+                    </a:solidFill>
+                    <a:latin typeface="+mn-lt"/>
+                    <a:ea typeface="+mn-ea"/>
+                    <a:cs typeface="+mn-cs"/>
+                  </a:defRPr>
+                </a:lvl1pPr>
+                <a:lvl2pPr marL="1371531" indent="-457177" algn="l" defTabSz="1828709" rtl="0" eaLnBrk="1" latinLnBrk="0" hangingPunct="1">
+                  <a:lnSpc>
+                    <a:spcPct val="90000"/>
+                  </a:lnSpc>
+                  <a:spcBef>
+                    <a:spcPts val="1000"/>
+                  </a:spcBef>
+                  <a:buFont typeface="Arial" panose="020B0604020202020204" pitchFamily="34" charset="0"/>
+                  <a:buChar char="•"/>
+                  <a:defRPr sz="4800" kern="1200">
+                    <a:solidFill>
+                      <a:schemeClr val="tx1"/>
+                    </a:solidFill>
+                    <a:latin typeface="+mn-lt"/>
+                    <a:ea typeface="+mn-ea"/>
+                    <a:cs typeface="+mn-cs"/>
+                  </a:defRPr>
+                </a:lvl2pPr>
+                <a:lvl3pPr marL="2285886" indent="-457177" algn="l" defTabSz="1828709" rtl="0" eaLnBrk="1" latinLnBrk="0" hangingPunct="1">
+                  <a:lnSpc>
+                    <a:spcPct val="90000"/>
+                  </a:lnSpc>
+                  <a:spcBef>
+                    <a:spcPts val="1000"/>
+                  </a:spcBef>
+                  <a:buFont typeface="Arial" panose="020B0604020202020204" pitchFamily="34" charset="0"/>
+                  <a:buChar char="•"/>
+                  <a:defRPr sz="4000" kern="1200">
+                    <a:solidFill>
+                      <a:schemeClr val="tx1"/>
+                    </a:solidFill>
+                    <a:latin typeface="+mn-lt"/>
+                    <a:ea typeface="+mn-ea"/>
+                    <a:cs typeface="+mn-cs"/>
+                  </a:defRPr>
+                </a:lvl3pPr>
+                <a:lvl4pPr marL="3200240" indent="-457177" algn="l" defTabSz="1828709" rtl="0" eaLnBrk="1" latinLnBrk="0" hangingPunct="1">
+                  <a:lnSpc>
+                    <a:spcPct val="90000"/>
+                  </a:lnSpc>
+                  <a:spcBef>
+                    <a:spcPts val="1000"/>
+                  </a:spcBef>
+                  <a:buFont typeface="Arial" panose="020B0604020202020204" pitchFamily="34" charset="0"/>
+                  <a:buChar char="•"/>
+                  <a:defRPr sz="3600" kern="1200">
+                    <a:solidFill>
+                      <a:schemeClr val="tx1"/>
+                    </a:solidFill>
+                    <a:latin typeface="+mn-lt"/>
+                    <a:ea typeface="+mn-ea"/>
+                    <a:cs typeface="+mn-cs"/>
+                  </a:defRPr>
+                </a:lvl4pPr>
+                <a:lvl5pPr marL="4114594" indent="-457177" algn="l" defTabSz="1828709" rtl="0" eaLnBrk="1" latinLnBrk="0" hangingPunct="1">
+                  <a:lnSpc>
+                    <a:spcPct val="90000"/>
+                  </a:lnSpc>
+                  <a:spcBef>
+                    <a:spcPts val="1000"/>
+                  </a:spcBef>
+                  <a:buFont typeface="Arial" panose="020B0604020202020204" pitchFamily="34" charset="0"/>
+                  <a:buChar char="•"/>
+                  <a:defRPr sz="3600" kern="1200">
+                    <a:solidFill>
+                      <a:schemeClr val="tx1"/>
+                    </a:solidFill>
+                    <a:latin typeface="+mn-lt"/>
+                    <a:ea typeface="+mn-ea"/>
+                    <a:cs typeface="+mn-cs"/>
+                  </a:defRPr>
+                </a:lvl5pPr>
+                <a:lvl6pPr marL="5028949" indent="-457177" algn="l" defTabSz="1828709" rtl="0" eaLnBrk="1" latinLnBrk="0" hangingPunct="1">
+                  <a:lnSpc>
+                    <a:spcPct val="90000"/>
+                  </a:lnSpc>
+                  <a:spcBef>
+                    <a:spcPts val="1000"/>
+                  </a:spcBef>
+                  <a:buFont typeface="Arial" panose="020B0604020202020204" pitchFamily="34" charset="0"/>
+                  <a:buChar char="•"/>
+                  <a:defRPr sz="3600" kern="1200">
+                    <a:solidFill>
+                      <a:schemeClr val="tx1"/>
+                    </a:solidFill>
+                    <a:latin typeface="+mn-lt"/>
+                    <a:ea typeface="+mn-ea"/>
+                    <a:cs typeface="+mn-cs"/>
+                  </a:defRPr>
+                </a:lvl6pPr>
+                <a:lvl7pPr marL="5943303" indent="-457177" algn="l" defTabSz="1828709" rtl="0" eaLnBrk="1" latinLnBrk="0" hangingPunct="1">
+                  <a:lnSpc>
+                    <a:spcPct val="90000"/>
+                  </a:lnSpc>
+                  <a:spcBef>
+                    <a:spcPts val="1000"/>
+                  </a:spcBef>
+                  <a:buFont typeface="Arial" panose="020B0604020202020204" pitchFamily="34" charset="0"/>
+                  <a:buChar char="•"/>
+                  <a:defRPr sz="3600" kern="1200">
+                    <a:solidFill>
+                      <a:schemeClr val="tx1"/>
+                    </a:solidFill>
+                    <a:latin typeface="+mn-lt"/>
+                    <a:ea typeface="+mn-ea"/>
+                    <a:cs typeface="+mn-cs"/>
+                  </a:defRPr>
+                </a:lvl7pPr>
+                <a:lvl8pPr marL="6857657" indent="-457177" algn="l" defTabSz="1828709" rtl="0" eaLnBrk="1" latinLnBrk="0" hangingPunct="1">
+                  <a:lnSpc>
+                    <a:spcPct val="90000"/>
+                  </a:lnSpc>
+                  <a:spcBef>
+                    <a:spcPts val="1000"/>
+                  </a:spcBef>
+                  <a:buFont typeface="Arial" panose="020B0604020202020204" pitchFamily="34" charset="0"/>
+                  <a:buChar char="•"/>
+                  <a:defRPr sz="3600" kern="1200">
+                    <a:solidFill>
+                      <a:schemeClr val="tx1"/>
+                    </a:solidFill>
+                    <a:latin typeface="+mn-lt"/>
+                    <a:ea typeface="+mn-ea"/>
+                    <a:cs typeface="+mn-cs"/>
+                  </a:defRPr>
+                </a:lvl8pPr>
+                <a:lvl9pPr marL="7772011" indent="-457177" algn="l" defTabSz="1828709" rtl="0" eaLnBrk="1" latinLnBrk="0" hangingPunct="1">
+                  <a:lnSpc>
+                    <a:spcPct val="90000"/>
+                  </a:lnSpc>
+                  <a:spcBef>
+                    <a:spcPts val="1000"/>
+                  </a:spcBef>
+                  <a:buFont typeface="Arial" panose="020B0604020202020204" pitchFamily="34" charset="0"/>
+                  <a:buChar char="•"/>
+                  <a:defRPr sz="3600" kern="1200">
+                    <a:solidFill>
+                      <a:schemeClr val="tx1"/>
+                    </a:solidFill>
+                    <a:latin typeface="+mn-lt"/>
+                    <a:ea typeface="+mn-ea"/>
+                    <a:cs typeface="+mn-cs"/>
+                  </a:defRPr>
+                </a:lvl9pPr>
+              </a:lstStyle>
+              <a:p>
+                <a:pPr marL="0" indent="0" algn="ctr">
+                  <a:buFont typeface="Arial" panose="020B0604020202020204" pitchFamily="34" charset="0"/>
+                  <a:buNone/>
+                </a:pPr>
+                <a14:m>
+                  <m:oMathPara xmlns:m="http://schemas.openxmlformats.org/officeDocument/2006/math">
+                    <m:oMathParaPr>
+                      <m:jc m:val="center"/>
+                    </m:oMathParaPr>
+                    <m:oMath xmlns:m="http://schemas.openxmlformats.org/officeDocument/2006/math">
+                      <m:r>
+                        <a:rPr lang="en-US" b="0" i="1" smtClean="0">
+                          <a:solidFill>
+                            <a:schemeClr val="bg1"/>
+                          </a:solidFill>
+                          <a:latin typeface="Cambria Math" panose="02040503050406030204" pitchFamily="18" charset="0"/>
+                          <a:ea typeface="CMU Serif Roman" panose="02000603000000000000" pitchFamily="2" charset="0"/>
+                          <a:cs typeface="CMU Serif Roman" panose="02000603000000000000" pitchFamily="2" charset="0"/>
+                        </a:rPr>
+                        <m:t>1</m:t>
+                      </m:r>
+                    </m:oMath>
+                  </m:oMathPara>
+                </a14:m>
+                <a:endParaRPr lang="en-SE" dirty="0">
+                  <a:solidFill>
+                    <a:schemeClr val="bg1"/>
+                  </a:solidFill>
+                  <a:latin typeface="CMU Serif Roman" panose="02000603000000000000" pitchFamily="2" charset="0"/>
+                  <a:ea typeface="CMU Serif Roman" panose="02000603000000000000" pitchFamily="2" charset="0"/>
+                  <a:cs typeface="CMU Serif Roman" panose="02000603000000000000" pitchFamily="2" charset="0"/>
+                </a:endParaRPr>
+              </a:p>
+            </p:txBody>
+          </p:sp>
+        </mc:Choice>
+        <mc:Fallback>
+          <p:sp>
+            <p:nvSpPr>
+              <p:cNvPr id="32" name="Content Placeholder 2">
+                <a:extLst>
+                  <a:ext uri="{FF2B5EF4-FFF2-40B4-BE49-F238E27FC236}">
+                    <a16:creationId xmlns:a16="http://schemas.microsoft.com/office/drawing/2014/main" id="{67516BBB-3719-8C4D-85F8-ADEAA7F69871}"/>
+                  </a:ext>
+                </a:extLst>
+              </p:cNvPr>
+              <p:cNvSpPr txBox="1">
+                <a:spLocks noRot="1" noChangeAspect="1" noMove="1" noResize="1" noEditPoints="1" noAdjustHandles="1" noChangeArrowheads="1" noChangeShapeType="1" noTextEdit="1"/>
+              </p:cNvSpPr>
+              <p:nvPr/>
+            </p:nvSpPr>
+            <p:spPr>
+              <a:xfrm>
+                <a:off x="4545416" y="11939491"/>
+                <a:ext cx="1082286" cy="1046257"/>
+              </a:xfrm>
+              <a:prstGeom prst="rect">
+                <a:avLst/>
+              </a:prstGeom>
+              <a:blipFill>
+                <a:blip r:embed="rId4"/>
+                <a:stretch>
+                  <a:fillRect l="-2326" t="-1205"/>
+                </a:stretch>
+              </a:blipFill>
+            </p:spPr>
+            <p:txBody>
+              <a:bodyPr/>
+              <a:lstStyle/>
+              <a:p>
+                <a:r>
+                  <a:rPr lang="en-SE">
+                    <a:noFill/>
+                  </a:rPr>
+                  <a:t> </a:t>
+                </a:r>
+              </a:p>
+            </p:txBody>
+          </p:sp>
+        </mc:Fallback>
+      </mc:AlternateContent>
+      <mc:AlternateContent xmlns:mc="http://schemas.openxmlformats.org/markup-compatibility/2006">
+        <mc:Choice xmlns:a14="http://schemas.microsoft.com/office/drawing/2010/main" Requires="a14">
+          <p:sp>
+            <p:nvSpPr>
+              <p:cNvPr id="33" name="Content Placeholder 2">
+                <a:extLst>
+                  <a:ext uri="{FF2B5EF4-FFF2-40B4-BE49-F238E27FC236}">
+                    <a16:creationId xmlns:a16="http://schemas.microsoft.com/office/drawing/2014/main" id="{AA7376C9-2693-CB4A-BE20-89F7F07B17FB}"/>
+                  </a:ext>
+                </a:extLst>
+              </p:cNvPr>
+              <p:cNvSpPr txBox="1">
+                <a:spLocks/>
+              </p:cNvSpPr>
+              <p:nvPr/>
+            </p:nvSpPr>
+            <p:spPr>
+              <a:xfrm>
+                <a:off x="6060762" y="11939490"/>
+                <a:ext cx="1082286" cy="1046257"/>
+              </a:xfrm>
+              <a:prstGeom prst="rect">
+                <a:avLst/>
+              </a:prstGeom>
+            </p:spPr>
+            <p:txBody>
+              <a:bodyPr vert="horz" lIns="91440" tIns="45720" rIns="91440" bIns="45720" rtlCol="0">
+                <a:normAutofit/>
+              </a:bodyPr>
+              <a:lstStyle>
+                <a:lvl1pPr marL="457177" indent="-457177" algn="l" defTabSz="1828709" rtl="0" eaLnBrk="1" latinLnBrk="0" hangingPunct="1">
+                  <a:lnSpc>
+                    <a:spcPct val="90000"/>
+                  </a:lnSpc>
+                  <a:spcBef>
+                    <a:spcPts val="2000"/>
+                  </a:spcBef>
+                  <a:buFont typeface="Arial" panose="020B0604020202020204" pitchFamily="34" charset="0"/>
+                  <a:buChar char="•"/>
+                  <a:defRPr sz="5600" kern="1200">
+                    <a:solidFill>
+                      <a:schemeClr val="tx1"/>
+                    </a:solidFill>
+                    <a:latin typeface="+mn-lt"/>
+                    <a:ea typeface="+mn-ea"/>
+                    <a:cs typeface="+mn-cs"/>
+                  </a:defRPr>
+                </a:lvl1pPr>
+                <a:lvl2pPr marL="1371531" indent="-457177" algn="l" defTabSz="1828709" rtl="0" eaLnBrk="1" latinLnBrk="0" hangingPunct="1">
+                  <a:lnSpc>
+                    <a:spcPct val="90000"/>
+                  </a:lnSpc>
+                  <a:spcBef>
+                    <a:spcPts val="1000"/>
+                  </a:spcBef>
+                  <a:buFont typeface="Arial" panose="020B0604020202020204" pitchFamily="34" charset="0"/>
+                  <a:buChar char="•"/>
+                  <a:defRPr sz="4800" kern="1200">
+                    <a:solidFill>
+                      <a:schemeClr val="tx1"/>
+                    </a:solidFill>
+                    <a:latin typeface="+mn-lt"/>
+                    <a:ea typeface="+mn-ea"/>
+                    <a:cs typeface="+mn-cs"/>
+                  </a:defRPr>
+                </a:lvl2pPr>
+                <a:lvl3pPr marL="2285886" indent="-457177" algn="l" defTabSz="1828709" rtl="0" eaLnBrk="1" latinLnBrk="0" hangingPunct="1">
+                  <a:lnSpc>
+                    <a:spcPct val="90000"/>
+                  </a:lnSpc>
+                  <a:spcBef>
+                    <a:spcPts val="1000"/>
+                  </a:spcBef>
+                  <a:buFont typeface="Arial" panose="020B0604020202020204" pitchFamily="34" charset="0"/>
+                  <a:buChar char="•"/>
+                  <a:defRPr sz="4000" kern="1200">
+                    <a:solidFill>
+                      <a:schemeClr val="tx1"/>
+                    </a:solidFill>
+                    <a:latin typeface="+mn-lt"/>
+                    <a:ea typeface="+mn-ea"/>
+                    <a:cs typeface="+mn-cs"/>
+                  </a:defRPr>
+                </a:lvl3pPr>
+                <a:lvl4pPr marL="3200240" indent="-457177" algn="l" defTabSz="1828709" rtl="0" eaLnBrk="1" latinLnBrk="0" hangingPunct="1">
+                  <a:lnSpc>
+                    <a:spcPct val="90000"/>
+                  </a:lnSpc>
+                  <a:spcBef>
+                    <a:spcPts val="1000"/>
+                  </a:spcBef>
+                  <a:buFont typeface="Arial" panose="020B0604020202020204" pitchFamily="34" charset="0"/>
+                  <a:buChar char="•"/>
+                  <a:defRPr sz="3600" kern="1200">
+                    <a:solidFill>
+                      <a:schemeClr val="tx1"/>
+                    </a:solidFill>
+                    <a:latin typeface="+mn-lt"/>
+                    <a:ea typeface="+mn-ea"/>
+                    <a:cs typeface="+mn-cs"/>
+                  </a:defRPr>
+                </a:lvl4pPr>
+                <a:lvl5pPr marL="4114594" indent="-457177" algn="l" defTabSz="1828709" rtl="0" eaLnBrk="1" latinLnBrk="0" hangingPunct="1">
+                  <a:lnSpc>
+                    <a:spcPct val="90000"/>
+                  </a:lnSpc>
+                  <a:spcBef>
+                    <a:spcPts val="1000"/>
+                  </a:spcBef>
+                  <a:buFont typeface="Arial" panose="020B0604020202020204" pitchFamily="34" charset="0"/>
+                  <a:buChar char="•"/>
+                  <a:defRPr sz="3600" kern="1200">
+                    <a:solidFill>
+                      <a:schemeClr val="tx1"/>
+                    </a:solidFill>
+                    <a:latin typeface="+mn-lt"/>
+                    <a:ea typeface="+mn-ea"/>
+                    <a:cs typeface="+mn-cs"/>
+                  </a:defRPr>
+                </a:lvl5pPr>
+                <a:lvl6pPr marL="5028949" indent="-457177" algn="l" defTabSz="1828709" rtl="0" eaLnBrk="1" latinLnBrk="0" hangingPunct="1">
+                  <a:lnSpc>
+                    <a:spcPct val="90000"/>
+                  </a:lnSpc>
+                  <a:spcBef>
+                    <a:spcPts val="1000"/>
+                  </a:spcBef>
+                  <a:buFont typeface="Arial" panose="020B0604020202020204" pitchFamily="34" charset="0"/>
+                  <a:buChar char="•"/>
+                  <a:defRPr sz="3600" kern="1200">
+                    <a:solidFill>
+                      <a:schemeClr val="tx1"/>
+                    </a:solidFill>
+                    <a:latin typeface="+mn-lt"/>
+                    <a:ea typeface="+mn-ea"/>
+                    <a:cs typeface="+mn-cs"/>
+                  </a:defRPr>
+                </a:lvl6pPr>
+                <a:lvl7pPr marL="5943303" indent="-457177" algn="l" defTabSz="1828709" rtl="0" eaLnBrk="1" latinLnBrk="0" hangingPunct="1">
+                  <a:lnSpc>
+                    <a:spcPct val="90000"/>
+                  </a:lnSpc>
+                  <a:spcBef>
+                    <a:spcPts val="1000"/>
+                  </a:spcBef>
+                  <a:buFont typeface="Arial" panose="020B0604020202020204" pitchFamily="34" charset="0"/>
+                  <a:buChar char="•"/>
+                  <a:defRPr sz="3600" kern="1200">
+                    <a:solidFill>
+                      <a:schemeClr val="tx1"/>
+                    </a:solidFill>
+                    <a:latin typeface="+mn-lt"/>
+                    <a:ea typeface="+mn-ea"/>
+                    <a:cs typeface="+mn-cs"/>
+                  </a:defRPr>
+                </a:lvl7pPr>
+                <a:lvl8pPr marL="6857657" indent="-457177" algn="l" defTabSz="1828709" rtl="0" eaLnBrk="1" latinLnBrk="0" hangingPunct="1">
+                  <a:lnSpc>
+                    <a:spcPct val="90000"/>
+                  </a:lnSpc>
+                  <a:spcBef>
+                    <a:spcPts val="1000"/>
+                  </a:spcBef>
+                  <a:buFont typeface="Arial" panose="020B0604020202020204" pitchFamily="34" charset="0"/>
+                  <a:buChar char="•"/>
+                  <a:defRPr sz="3600" kern="1200">
+                    <a:solidFill>
+                      <a:schemeClr val="tx1"/>
+                    </a:solidFill>
+                    <a:latin typeface="+mn-lt"/>
+                    <a:ea typeface="+mn-ea"/>
+                    <a:cs typeface="+mn-cs"/>
+                  </a:defRPr>
+                </a:lvl8pPr>
+                <a:lvl9pPr marL="7772011" indent="-457177" algn="l" defTabSz="1828709" rtl="0" eaLnBrk="1" latinLnBrk="0" hangingPunct="1">
+                  <a:lnSpc>
+                    <a:spcPct val="90000"/>
+                  </a:lnSpc>
+                  <a:spcBef>
+                    <a:spcPts val="1000"/>
+                  </a:spcBef>
+                  <a:buFont typeface="Arial" panose="020B0604020202020204" pitchFamily="34" charset="0"/>
+                  <a:buChar char="•"/>
+                  <a:defRPr sz="3600" kern="1200">
+                    <a:solidFill>
+                      <a:schemeClr val="tx1"/>
+                    </a:solidFill>
+                    <a:latin typeface="+mn-lt"/>
+                    <a:ea typeface="+mn-ea"/>
+                    <a:cs typeface="+mn-cs"/>
+                  </a:defRPr>
+                </a:lvl9pPr>
+              </a:lstStyle>
+              <a:p>
+                <a:pPr marL="0" indent="0" algn="ctr">
+                  <a:buFont typeface="Arial" panose="020B0604020202020204" pitchFamily="34" charset="0"/>
+                  <a:buNone/>
+                </a:pPr>
+                <a14:m>
+                  <m:oMathPara xmlns:m="http://schemas.openxmlformats.org/officeDocument/2006/math">
+                    <m:oMathParaPr>
+                      <m:jc m:val="center"/>
+                    </m:oMathParaPr>
+                    <m:oMath xmlns:m="http://schemas.openxmlformats.org/officeDocument/2006/math">
+                      <m:r>
+                        <a:rPr lang="en-US" b="0" i="1" smtClean="0">
+                          <a:solidFill>
+                            <a:schemeClr val="bg1"/>
+                          </a:solidFill>
+                          <a:latin typeface="Cambria Math" panose="02040503050406030204" pitchFamily="18" charset="0"/>
+                          <a:ea typeface="CMU Serif Roman" panose="02000603000000000000" pitchFamily="2" charset="0"/>
+                          <a:cs typeface="CMU Serif Roman" panose="02000603000000000000" pitchFamily="2" charset="0"/>
+                        </a:rPr>
+                        <m:t>2</m:t>
+                      </m:r>
+                    </m:oMath>
+                  </m:oMathPara>
+                </a14:m>
+                <a:endParaRPr lang="en-SE" dirty="0">
+                  <a:solidFill>
+                    <a:schemeClr val="bg1"/>
+                  </a:solidFill>
+                  <a:latin typeface="CMU Serif Roman" panose="02000603000000000000" pitchFamily="2" charset="0"/>
+                  <a:ea typeface="CMU Serif Roman" panose="02000603000000000000" pitchFamily="2" charset="0"/>
+                  <a:cs typeface="CMU Serif Roman" panose="02000603000000000000" pitchFamily="2" charset="0"/>
+                </a:endParaRPr>
+              </a:p>
+            </p:txBody>
+          </p:sp>
+        </mc:Choice>
+        <mc:Fallback>
+          <p:sp>
+            <p:nvSpPr>
+              <p:cNvPr id="33" name="Content Placeholder 2">
+                <a:extLst>
+                  <a:ext uri="{FF2B5EF4-FFF2-40B4-BE49-F238E27FC236}">
+                    <a16:creationId xmlns:a16="http://schemas.microsoft.com/office/drawing/2014/main" id="{AA7376C9-2693-CB4A-BE20-89F7F07B17FB}"/>
+                  </a:ext>
+                </a:extLst>
+              </p:cNvPr>
+              <p:cNvSpPr txBox="1">
+                <a:spLocks noRot="1" noChangeAspect="1" noMove="1" noResize="1" noEditPoints="1" noAdjustHandles="1" noChangeArrowheads="1" noChangeShapeType="1" noTextEdit="1"/>
+              </p:cNvSpPr>
+              <p:nvPr/>
+            </p:nvSpPr>
+            <p:spPr>
+              <a:xfrm>
+                <a:off x="6060762" y="11939490"/>
+                <a:ext cx="1082286" cy="1046257"/>
+              </a:xfrm>
+              <a:prstGeom prst="rect">
+                <a:avLst/>
+              </a:prstGeom>
+              <a:blipFill>
+                <a:blip r:embed="rId5"/>
+                <a:stretch>
+                  <a:fillRect l="-2326" t="-1205"/>
+                </a:stretch>
+              </a:blipFill>
+            </p:spPr>
+            <p:txBody>
+              <a:bodyPr/>
+              <a:lstStyle/>
+              <a:p>
+                <a:r>
+                  <a:rPr lang="en-SE">
+                    <a:noFill/>
+                  </a:rPr>
+                  <a:t> </a:t>
+                </a:r>
+              </a:p>
+            </p:txBody>
+          </p:sp>
+        </mc:Fallback>
+      </mc:AlternateContent>
+      <mc:AlternateContent xmlns:mc="http://schemas.openxmlformats.org/markup-compatibility/2006">
+        <mc:Choice xmlns:a14="http://schemas.microsoft.com/office/drawing/2010/main" Requires="a14">
+          <p:sp>
+            <p:nvSpPr>
+              <p:cNvPr id="34" name="Content Placeholder 2">
+                <a:extLst>
+                  <a:ext uri="{FF2B5EF4-FFF2-40B4-BE49-F238E27FC236}">
+                    <a16:creationId xmlns:a16="http://schemas.microsoft.com/office/drawing/2014/main" id="{8D1F4B0C-E00D-1248-997F-F79353617379}"/>
+                  </a:ext>
+                </a:extLst>
+              </p:cNvPr>
+              <p:cNvSpPr txBox="1">
+                <a:spLocks/>
+              </p:cNvSpPr>
+              <p:nvPr/>
+            </p:nvSpPr>
+            <p:spPr>
+              <a:xfrm>
+                <a:off x="7576108" y="11939489"/>
+                <a:ext cx="1082286" cy="1046257"/>
+              </a:xfrm>
+              <a:prstGeom prst="rect">
+                <a:avLst/>
+              </a:prstGeom>
+            </p:spPr>
+            <p:txBody>
+              <a:bodyPr vert="horz" lIns="91440" tIns="45720" rIns="91440" bIns="45720" rtlCol="0">
+                <a:normAutofit/>
+              </a:bodyPr>
+              <a:lstStyle>
+                <a:lvl1pPr marL="457177" indent="-457177" algn="l" defTabSz="1828709" rtl="0" eaLnBrk="1" latinLnBrk="0" hangingPunct="1">
+                  <a:lnSpc>
+                    <a:spcPct val="90000"/>
+                  </a:lnSpc>
+                  <a:spcBef>
+                    <a:spcPts val="2000"/>
+                  </a:spcBef>
+                  <a:buFont typeface="Arial" panose="020B0604020202020204" pitchFamily="34" charset="0"/>
+                  <a:buChar char="•"/>
+                  <a:defRPr sz="5600" kern="1200">
+                    <a:solidFill>
+                      <a:schemeClr val="tx1"/>
+                    </a:solidFill>
+                    <a:latin typeface="+mn-lt"/>
+                    <a:ea typeface="+mn-ea"/>
+                    <a:cs typeface="+mn-cs"/>
+                  </a:defRPr>
+                </a:lvl1pPr>
+                <a:lvl2pPr marL="1371531" indent="-457177" algn="l" defTabSz="1828709" rtl="0" eaLnBrk="1" latinLnBrk="0" hangingPunct="1">
+                  <a:lnSpc>
+                    <a:spcPct val="90000"/>
+                  </a:lnSpc>
+                  <a:spcBef>
+                    <a:spcPts val="1000"/>
+                  </a:spcBef>
+                  <a:buFont typeface="Arial" panose="020B0604020202020204" pitchFamily="34" charset="0"/>
+                  <a:buChar char="•"/>
+                  <a:defRPr sz="4800" kern="1200">
+                    <a:solidFill>
+                      <a:schemeClr val="tx1"/>
+                    </a:solidFill>
+                    <a:latin typeface="+mn-lt"/>
+                    <a:ea typeface="+mn-ea"/>
+                    <a:cs typeface="+mn-cs"/>
+                  </a:defRPr>
+                </a:lvl2pPr>
+                <a:lvl3pPr marL="2285886" indent="-457177" algn="l" defTabSz="1828709" rtl="0" eaLnBrk="1" latinLnBrk="0" hangingPunct="1">
+                  <a:lnSpc>
+                    <a:spcPct val="90000"/>
+                  </a:lnSpc>
+                  <a:spcBef>
+                    <a:spcPts val="1000"/>
+                  </a:spcBef>
+                  <a:buFont typeface="Arial" panose="020B0604020202020204" pitchFamily="34" charset="0"/>
+                  <a:buChar char="•"/>
+                  <a:defRPr sz="4000" kern="1200">
+                    <a:solidFill>
+                      <a:schemeClr val="tx1"/>
+                    </a:solidFill>
+                    <a:latin typeface="+mn-lt"/>
+                    <a:ea typeface="+mn-ea"/>
+                    <a:cs typeface="+mn-cs"/>
+                  </a:defRPr>
+                </a:lvl3pPr>
+                <a:lvl4pPr marL="3200240" indent="-457177" algn="l" defTabSz="1828709" rtl="0" eaLnBrk="1" latinLnBrk="0" hangingPunct="1">
+                  <a:lnSpc>
+                    <a:spcPct val="90000"/>
+                  </a:lnSpc>
+                  <a:spcBef>
+                    <a:spcPts val="1000"/>
+                  </a:spcBef>
+                  <a:buFont typeface="Arial" panose="020B0604020202020204" pitchFamily="34" charset="0"/>
+                  <a:buChar char="•"/>
+                  <a:defRPr sz="3600" kern="1200">
+                    <a:solidFill>
+                      <a:schemeClr val="tx1"/>
+                    </a:solidFill>
+                    <a:latin typeface="+mn-lt"/>
+                    <a:ea typeface="+mn-ea"/>
+                    <a:cs typeface="+mn-cs"/>
+                  </a:defRPr>
+                </a:lvl4pPr>
+                <a:lvl5pPr marL="4114594" indent="-457177" algn="l" defTabSz="1828709" rtl="0" eaLnBrk="1" latinLnBrk="0" hangingPunct="1">
+                  <a:lnSpc>
+                    <a:spcPct val="90000"/>
+                  </a:lnSpc>
+                  <a:spcBef>
+                    <a:spcPts val="1000"/>
+                  </a:spcBef>
+                  <a:buFont typeface="Arial" panose="020B0604020202020204" pitchFamily="34" charset="0"/>
+                  <a:buChar char="•"/>
+                  <a:defRPr sz="3600" kern="1200">
+                    <a:solidFill>
+                      <a:schemeClr val="tx1"/>
+                    </a:solidFill>
+                    <a:latin typeface="+mn-lt"/>
+                    <a:ea typeface="+mn-ea"/>
+                    <a:cs typeface="+mn-cs"/>
+                  </a:defRPr>
+                </a:lvl5pPr>
+                <a:lvl6pPr marL="5028949" indent="-457177" algn="l" defTabSz="1828709" rtl="0" eaLnBrk="1" latinLnBrk="0" hangingPunct="1">
+                  <a:lnSpc>
+                    <a:spcPct val="90000"/>
+                  </a:lnSpc>
+                  <a:spcBef>
+                    <a:spcPts val="1000"/>
+                  </a:spcBef>
+                  <a:buFont typeface="Arial" panose="020B0604020202020204" pitchFamily="34" charset="0"/>
+                  <a:buChar char="•"/>
+                  <a:defRPr sz="3600" kern="1200">
+                    <a:solidFill>
+                      <a:schemeClr val="tx1"/>
+                    </a:solidFill>
+                    <a:latin typeface="+mn-lt"/>
+                    <a:ea typeface="+mn-ea"/>
+                    <a:cs typeface="+mn-cs"/>
+                  </a:defRPr>
+                </a:lvl6pPr>
+                <a:lvl7pPr marL="5943303" indent="-457177" algn="l" defTabSz="1828709" rtl="0" eaLnBrk="1" latinLnBrk="0" hangingPunct="1">
+                  <a:lnSpc>
+                    <a:spcPct val="90000"/>
+                  </a:lnSpc>
+                  <a:spcBef>
+                    <a:spcPts val="1000"/>
+                  </a:spcBef>
+                  <a:buFont typeface="Arial" panose="020B0604020202020204" pitchFamily="34" charset="0"/>
+                  <a:buChar char="•"/>
+                  <a:defRPr sz="3600" kern="1200">
+                    <a:solidFill>
+                      <a:schemeClr val="tx1"/>
+                    </a:solidFill>
+                    <a:latin typeface="+mn-lt"/>
+                    <a:ea typeface="+mn-ea"/>
+                    <a:cs typeface="+mn-cs"/>
+                  </a:defRPr>
+                </a:lvl7pPr>
+                <a:lvl8pPr marL="6857657" indent="-457177" algn="l" defTabSz="1828709" rtl="0" eaLnBrk="1" latinLnBrk="0" hangingPunct="1">
+                  <a:lnSpc>
+                    <a:spcPct val="90000"/>
+                  </a:lnSpc>
+                  <a:spcBef>
+                    <a:spcPts val="1000"/>
+                  </a:spcBef>
+                  <a:buFont typeface="Arial" panose="020B0604020202020204" pitchFamily="34" charset="0"/>
+                  <a:buChar char="•"/>
+                  <a:defRPr sz="3600" kern="1200">
+                    <a:solidFill>
+                      <a:schemeClr val="tx1"/>
+                    </a:solidFill>
+                    <a:latin typeface="+mn-lt"/>
+                    <a:ea typeface="+mn-ea"/>
+                    <a:cs typeface="+mn-cs"/>
+                  </a:defRPr>
+                </a:lvl8pPr>
+                <a:lvl9pPr marL="7772011" indent="-457177" algn="l" defTabSz="1828709" rtl="0" eaLnBrk="1" latinLnBrk="0" hangingPunct="1">
+                  <a:lnSpc>
+                    <a:spcPct val="90000"/>
+                  </a:lnSpc>
+                  <a:spcBef>
+                    <a:spcPts val="1000"/>
+                  </a:spcBef>
+                  <a:buFont typeface="Arial" panose="020B0604020202020204" pitchFamily="34" charset="0"/>
+                  <a:buChar char="•"/>
+                  <a:defRPr sz="3600" kern="1200">
+                    <a:solidFill>
+                      <a:schemeClr val="tx1"/>
+                    </a:solidFill>
+                    <a:latin typeface="+mn-lt"/>
+                    <a:ea typeface="+mn-ea"/>
+                    <a:cs typeface="+mn-cs"/>
+                  </a:defRPr>
+                </a:lvl9pPr>
+              </a:lstStyle>
+              <a:p>
+                <a:pPr marL="0" indent="0" algn="ctr">
+                  <a:buFont typeface="Arial" panose="020B0604020202020204" pitchFamily="34" charset="0"/>
+                  <a:buNone/>
+                </a:pPr>
+                <a14:m>
+                  <m:oMathPara xmlns:m="http://schemas.openxmlformats.org/officeDocument/2006/math">
+                    <m:oMathParaPr>
+                      <m:jc m:val="center"/>
+                    </m:oMathParaPr>
+                    <m:oMath xmlns:m="http://schemas.openxmlformats.org/officeDocument/2006/math">
+                      <m:r>
+                        <a:rPr lang="en-US" b="0" i="1" smtClean="0">
+                          <a:solidFill>
+                            <a:schemeClr val="bg1"/>
+                          </a:solidFill>
+                          <a:latin typeface="Cambria Math" panose="02040503050406030204" pitchFamily="18" charset="0"/>
+                          <a:ea typeface="CMU Serif Roman" panose="02000603000000000000" pitchFamily="2" charset="0"/>
+                          <a:cs typeface="CMU Serif Roman" panose="02000603000000000000" pitchFamily="2" charset="0"/>
+                        </a:rPr>
+                        <m:t>3</m:t>
+                      </m:r>
+                    </m:oMath>
+                  </m:oMathPara>
+                </a14:m>
+                <a:endParaRPr lang="en-SE" dirty="0">
+                  <a:solidFill>
+                    <a:schemeClr val="bg1"/>
+                  </a:solidFill>
+                  <a:latin typeface="CMU Serif Roman" panose="02000603000000000000" pitchFamily="2" charset="0"/>
+                  <a:ea typeface="CMU Serif Roman" panose="02000603000000000000" pitchFamily="2" charset="0"/>
+                  <a:cs typeface="CMU Serif Roman" panose="02000603000000000000" pitchFamily="2" charset="0"/>
+                </a:endParaRPr>
+              </a:p>
+            </p:txBody>
+          </p:sp>
+        </mc:Choice>
+        <mc:Fallback>
+          <p:sp>
+            <p:nvSpPr>
+              <p:cNvPr id="34" name="Content Placeholder 2">
+                <a:extLst>
+                  <a:ext uri="{FF2B5EF4-FFF2-40B4-BE49-F238E27FC236}">
+                    <a16:creationId xmlns:a16="http://schemas.microsoft.com/office/drawing/2014/main" id="{8D1F4B0C-E00D-1248-997F-F79353617379}"/>
+                  </a:ext>
+                </a:extLst>
+              </p:cNvPr>
+              <p:cNvSpPr txBox="1">
+                <a:spLocks noRot="1" noChangeAspect="1" noMove="1" noResize="1" noEditPoints="1" noAdjustHandles="1" noChangeArrowheads="1" noChangeShapeType="1" noTextEdit="1"/>
+              </p:cNvSpPr>
+              <p:nvPr/>
+            </p:nvSpPr>
+            <p:spPr>
+              <a:xfrm>
+                <a:off x="7576108" y="11939489"/>
+                <a:ext cx="1082286" cy="1046257"/>
+              </a:xfrm>
+              <a:prstGeom prst="rect">
+                <a:avLst/>
+              </a:prstGeom>
+              <a:blipFill>
+                <a:blip r:embed="rId6"/>
+                <a:stretch>
+                  <a:fillRect l="-1163" t="-1205"/>
+                </a:stretch>
+              </a:blipFill>
+            </p:spPr>
+            <p:txBody>
+              <a:bodyPr/>
+              <a:lstStyle/>
+              <a:p>
+                <a:r>
+                  <a:rPr lang="en-SE">
+                    <a:noFill/>
+                  </a:rPr>
+                  <a:t> </a:t>
+                </a:r>
+              </a:p>
+            </p:txBody>
+          </p:sp>
+        </mc:Fallback>
+      </mc:AlternateContent>
+      <mc:AlternateContent xmlns:mc="http://schemas.openxmlformats.org/markup-compatibility/2006">
+        <mc:Choice xmlns:a14="http://schemas.microsoft.com/office/drawing/2010/main" Requires="a14">
+          <p:sp>
+            <p:nvSpPr>
+              <p:cNvPr id="35" name="Content Placeholder 2">
+                <a:extLst>
+                  <a:ext uri="{FF2B5EF4-FFF2-40B4-BE49-F238E27FC236}">
+                    <a16:creationId xmlns:a16="http://schemas.microsoft.com/office/drawing/2014/main" id="{2934C9B9-E281-F640-8EA7-0A7FD6F3BD02}"/>
+                  </a:ext>
+                </a:extLst>
+              </p:cNvPr>
+              <p:cNvSpPr txBox="1">
+                <a:spLocks/>
+              </p:cNvSpPr>
+              <p:nvPr/>
+            </p:nvSpPr>
+            <p:spPr>
+              <a:xfrm>
+                <a:off x="9091454" y="11939488"/>
+                <a:ext cx="1082286" cy="1046257"/>
+              </a:xfrm>
+              <a:prstGeom prst="rect">
+                <a:avLst/>
+              </a:prstGeom>
+            </p:spPr>
+            <p:txBody>
+              <a:bodyPr vert="horz" lIns="91440" tIns="45720" rIns="91440" bIns="45720" rtlCol="0">
+                <a:normAutofit/>
+              </a:bodyPr>
+              <a:lstStyle>
+                <a:lvl1pPr marL="457177" indent="-457177" algn="l" defTabSz="1828709" rtl="0" eaLnBrk="1" latinLnBrk="0" hangingPunct="1">
+                  <a:lnSpc>
+                    <a:spcPct val="90000"/>
+                  </a:lnSpc>
+                  <a:spcBef>
+                    <a:spcPts val="2000"/>
+                  </a:spcBef>
+                  <a:buFont typeface="Arial" panose="020B0604020202020204" pitchFamily="34" charset="0"/>
+                  <a:buChar char="•"/>
+                  <a:defRPr sz="5600" kern="1200">
+                    <a:solidFill>
+                      <a:schemeClr val="tx1"/>
+                    </a:solidFill>
+                    <a:latin typeface="+mn-lt"/>
+                    <a:ea typeface="+mn-ea"/>
+                    <a:cs typeface="+mn-cs"/>
+                  </a:defRPr>
+                </a:lvl1pPr>
+                <a:lvl2pPr marL="1371531" indent="-457177" algn="l" defTabSz="1828709" rtl="0" eaLnBrk="1" latinLnBrk="0" hangingPunct="1">
+                  <a:lnSpc>
+                    <a:spcPct val="90000"/>
+                  </a:lnSpc>
+                  <a:spcBef>
+                    <a:spcPts val="1000"/>
+                  </a:spcBef>
+                  <a:buFont typeface="Arial" panose="020B0604020202020204" pitchFamily="34" charset="0"/>
+                  <a:buChar char="•"/>
+                  <a:defRPr sz="4800" kern="1200">
+                    <a:solidFill>
+                      <a:schemeClr val="tx1"/>
+                    </a:solidFill>
+                    <a:latin typeface="+mn-lt"/>
+                    <a:ea typeface="+mn-ea"/>
+                    <a:cs typeface="+mn-cs"/>
+                  </a:defRPr>
+                </a:lvl2pPr>
+                <a:lvl3pPr marL="2285886" indent="-457177" algn="l" defTabSz="1828709" rtl="0" eaLnBrk="1" latinLnBrk="0" hangingPunct="1">
+                  <a:lnSpc>
+                    <a:spcPct val="90000"/>
+                  </a:lnSpc>
+                  <a:spcBef>
+                    <a:spcPts val="1000"/>
+                  </a:spcBef>
+                  <a:buFont typeface="Arial" panose="020B0604020202020204" pitchFamily="34" charset="0"/>
+                  <a:buChar char="•"/>
+                  <a:defRPr sz="4000" kern="1200">
+                    <a:solidFill>
+                      <a:schemeClr val="tx1"/>
+                    </a:solidFill>
+                    <a:latin typeface="+mn-lt"/>
+                    <a:ea typeface="+mn-ea"/>
+                    <a:cs typeface="+mn-cs"/>
+                  </a:defRPr>
+                </a:lvl3pPr>
+                <a:lvl4pPr marL="3200240" indent="-457177" algn="l" defTabSz="1828709" rtl="0" eaLnBrk="1" latinLnBrk="0" hangingPunct="1">
+                  <a:lnSpc>
+                    <a:spcPct val="90000"/>
+                  </a:lnSpc>
+                  <a:spcBef>
+                    <a:spcPts val="1000"/>
+                  </a:spcBef>
+                  <a:buFont typeface="Arial" panose="020B0604020202020204" pitchFamily="34" charset="0"/>
+                  <a:buChar char="•"/>
+                  <a:defRPr sz="3600" kern="1200">
+                    <a:solidFill>
+                      <a:schemeClr val="tx1"/>
+                    </a:solidFill>
+                    <a:latin typeface="+mn-lt"/>
+                    <a:ea typeface="+mn-ea"/>
+                    <a:cs typeface="+mn-cs"/>
+                  </a:defRPr>
+                </a:lvl4pPr>
+                <a:lvl5pPr marL="4114594" indent="-457177" algn="l" defTabSz="1828709" rtl="0" eaLnBrk="1" latinLnBrk="0" hangingPunct="1">
+                  <a:lnSpc>
+                    <a:spcPct val="90000"/>
+                  </a:lnSpc>
+                  <a:spcBef>
+                    <a:spcPts val="1000"/>
+                  </a:spcBef>
+                  <a:buFont typeface="Arial" panose="020B0604020202020204" pitchFamily="34" charset="0"/>
+                  <a:buChar char="•"/>
+                  <a:defRPr sz="3600" kern="1200">
+                    <a:solidFill>
+                      <a:schemeClr val="tx1"/>
+                    </a:solidFill>
+                    <a:latin typeface="+mn-lt"/>
+                    <a:ea typeface="+mn-ea"/>
+                    <a:cs typeface="+mn-cs"/>
+                  </a:defRPr>
+                </a:lvl5pPr>
+                <a:lvl6pPr marL="5028949" indent="-457177" algn="l" defTabSz="1828709" rtl="0" eaLnBrk="1" latinLnBrk="0" hangingPunct="1">
+                  <a:lnSpc>
+                    <a:spcPct val="90000"/>
+                  </a:lnSpc>
+                  <a:spcBef>
+                    <a:spcPts val="1000"/>
+                  </a:spcBef>
+                  <a:buFont typeface="Arial" panose="020B0604020202020204" pitchFamily="34" charset="0"/>
+                  <a:buChar char="•"/>
+                  <a:defRPr sz="3600" kern="1200">
+                    <a:solidFill>
+                      <a:schemeClr val="tx1"/>
+                    </a:solidFill>
+                    <a:latin typeface="+mn-lt"/>
+                    <a:ea typeface="+mn-ea"/>
+                    <a:cs typeface="+mn-cs"/>
+                  </a:defRPr>
+                </a:lvl6pPr>
+                <a:lvl7pPr marL="5943303" indent="-457177" algn="l" defTabSz="1828709" rtl="0" eaLnBrk="1" latinLnBrk="0" hangingPunct="1">
+                  <a:lnSpc>
+                    <a:spcPct val="90000"/>
+                  </a:lnSpc>
+                  <a:spcBef>
+                    <a:spcPts val="1000"/>
+                  </a:spcBef>
+                  <a:buFont typeface="Arial" panose="020B0604020202020204" pitchFamily="34" charset="0"/>
+                  <a:buChar char="•"/>
+                  <a:defRPr sz="3600" kern="1200">
+                    <a:solidFill>
+                      <a:schemeClr val="tx1"/>
+                    </a:solidFill>
+                    <a:latin typeface="+mn-lt"/>
+                    <a:ea typeface="+mn-ea"/>
+                    <a:cs typeface="+mn-cs"/>
+                  </a:defRPr>
+                </a:lvl7pPr>
+                <a:lvl8pPr marL="6857657" indent="-457177" algn="l" defTabSz="1828709" rtl="0" eaLnBrk="1" latinLnBrk="0" hangingPunct="1">
+                  <a:lnSpc>
+                    <a:spcPct val="90000"/>
+                  </a:lnSpc>
+                  <a:spcBef>
+                    <a:spcPts val="1000"/>
+                  </a:spcBef>
+                  <a:buFont typeface="Arial" panose="020B0604020202020204" pitchFamily="34" charset="0"/>
+                  <a:buChar char="•"/>
+                  <a:defRPr sz="3600" kern="1200">
+                    <a:solidFill>
+                      <a:schemeClr val="tx1"/>
+                    </a:solidFill>
+                    <a:latin typeface="+mn-lt"/>
+                    <a:ea typeface="+mn-ea"/>
+                    <a:cs typeface="+mn-cs"/>
+                  </a:defRPr>
+                </a:lvl8pPr>
+                <a:lvl9pPr marL="7772011" indent="-457177" algn="l" defTabSz="1828709" rtl="0" eaLnBrk="1" latinLnBrk="0" hangingPunct="1">
+                  <a:lnSpc>
+                    <a:spcPct val="90000"/>
+                  </a:lnSpc>
+                  <a:spcBef>
+                    <a:spcPts val="1000"/>
+                  </a:spcBef>
+                  <a:buFont typeface="Arial" panose="020B0604020202020204" pitchFamily="34" charset="0"/>
+                  <a:buChar char="•"/>
+                  <a:defRPr sz="3600" kern="1200">
+                    <a:solidFill>
+                      <a:schemeClr val="tx1"/>
+                    </a:solidFill>
+                    <a:latin typeface="+mn-lt"/>
+                    <a:ea typeface="+mn-ea"/>
+                    <a:cs typeface="+mn-cs"/>
+                  </a:defRPr>
+                </a:lvl9pPr>
+              </a:lstStyle>
+              <a:p>
+                <a:pPr marL="0" indent="0" algn="ctr">
+                  <a:buFont typeface="Arial" panose="020B0604020202020204" pitchFamily="34" charset="0"/>
+                  <a:buNone/>
+                </a:pPr>
+                <a14:m>
+                  <m:oMathPara xmlns:m="http://schemas.openxmlformats.org/officeDocument/2006/math">
+                    <m:oMathParaPr>
+                      <m:jc m:val="center"/>
+                    </m:oMathParaPr>
+                    <m:oMath xmlns:m="http://schemas.openxmlformats.org/officeDocument/2006/math">
+                      <m:r>
+                        <a:rPr lang="en-US" b="0" i="1" smtClean="0">
+                          <a:solidFill>
+                            <a:schemeClr val="bg1"/>
+                          </a:solidFill>
+                          <a:latin typeface="Cambria Math" panose="02040503050406030204" pitchFamily="18" charset="0"/>
+                          <a:ea typeface="CMU Serif Roman" panose="02000603000000000000" pitchFamily="2" charset="0"/>
+                          <a:cs typeface="CMU Serif Roman" panose="02000603000000000000" pitchFamily="2" charset="0"/>
+                        </a:rPr>
+                        <m:t>4</m:t>
+                      </m:r>
+                    </m:oMath>
+                  </m:oMathPara>
+                </a14:m>
+                <a:endParaRPr lang="en-SE" dirty="0">
+                  <a:solidFill>
+                    <a:schemeClr val="bg1"/>
+                  </a:solidFill>
+                  <a:latin typeface="CMU Serif Roman" panose="02000603000000000000" pitchFamily="2" charset="0"/>
+                  <a:ea typeface="CMU Serif Roman" panose="02000603000000000000" pitchFamily="2" charset="0"/>
+                  <a:cs typeface="CMU Serif Roman" panose="02000603000000000000" pitchFamily="2" charset="0"/>
+                </a:endParaRPr>
+              </a:p>
+            </p:txBody>
+          </p:sp>
+        </mc:Choice>
+        <mc:Fallback>
+          <p:sp>
+            <p:nvSpPr>
+              <p:cNvPr id="35" name="Content Placeholder 2">
+                <a:extLst>
+                  <a:ext uri="{FF2B5EF4-FFF2-40B4-BE49-F238E27FC236}">
+                    <a16:creationId xmlns:a16="http://schemas.microsoft.com/office/drawing/2014/main" id="{2934C9B9-E281-F640-8EA7-0A7FD6F3BD02}"/>
+                  </a:ext>
+                </a:extLst>
+              </p:cNvPr>
+              <p:cNvSpPr txBox="1">
+                <a:spLocks noRot="1" noChangeAspect="1" noMove="1" noResize="1" noEditPoints="1" noAdjustHandles="1" noChangeArrowheads="1" noChangeShapeType="1" noTextEdit="1"/>
+              </p:cNvSpPr>
+              <p:nvPr/>
+            </p:nvSpPr>
+            <p:spPr>
+              <a:xfrm>
+                <a:off x="9091454" y="11939488"/>
+                <a:ext cx="1082286" cy="1046257"/>
+              </a:xfrm>
+              <a:prstGeom prst="rect">
+                <a:avLst/>
+              </a:prstGeom>
+              <a:blipFill>
+                <a:blip r:embed="rId7"/>
+                <a:stretch>
+                  <a:fillRect l="-1149" t="-1205"/>
+                </a:stretch>
+              </a:blipFill>
+            </p:spPr>
+            <p:txBody>
+              <a:bodyPr/>
+              <a:lstStyle/>
+              <a:p>
+                <a:r>
+                  <a:rPr lang="en-SE">
+                    <a:noFill/>
+                  </a:rPr>
+                  <a:t> </a:t>
+                </a:r>
+              </a:p>
+            </p:txBody>
+          </p:sp>
+        </mc:Fallback>
+      </mc:AlternateContent>
+      <mc:AlternateContent xmlns:mc="http://schemas.openxmlformats.org/markup-compatibility/2006">
+        <mc:Choice xmlns:a14="http://schemas.microsoft.com/office/drawing/2010/main" Requires="a14">
+          <p:sp>
+            <p:nvSpPr>
+              <p:cNvPr id="36" name="Content Placeholder 2">
+                <a:extLst>
+                  <a:ext uri="{FF2B5EF4-FFF2-40B4-BE49-F238E27FC236}">
+                    <a16:creationId xmlns:a16="http://schemas.microsoft.com/office/drawing/2014/main" id="{74C502D6-F1F9-374E-B9EE-E9831A31BCF5}"/>
+                  </a:ext>
+                </a:extLst>
+              </p:cNvPr>
+              <p:cNvSpPr txBox="1">
+                <a:spLocks/>
+              </p:cNvSpPr>
+              <p:nvPr/>
+            </p:nvSpPr>
+            <p:spPr>
+              <a:xfrm>
+                <a:off x="1676291" y="10589345"/>
+                <a:ext cx="1082286" cy="1046257"/>
+              </a:xfrm>
+              <a:prstGeom prst="rect">
+                <a:avLst/>
+              </a:prstGeom>
+            </p:spPr>
+            <p:txBody>
+              <a:bodyPr vert="horz" lIns="91440" tIns="45720" rIns="91440" bIns="45720" rtlCol="0">
+                <a:normAutofit/>
+              </a:bodyPr>
+              <a:lstStyle>
+                <a:lvl1pPr marL="457177" indent="-457177" algn="l" defTabSz="1828709" rtl="0" eaLnBrk="1" latinLnBrk="0" hangingPunct="1">
+                  <a:lnSpc>
+                    <a:spcPct val="90000"/>
+                  </a:lnSpc>
+                  <a:spcBef>
+                    <a:spcPts val="2000"/>
+                  </a:spcBef>
+                  <a:buFont typeface="Arial" panose="020B0604020202020204" pitchFamily="34" charset="0"/>
+                  <a:buChar char="•"/>
+                  <a:defRPr sz="5600" kern="1200">
+                    <a:solidFill>
+                      <a:schemeClr val="tx1"/>
+                    </a:solidFill>
+                    <a:latin typeface="+mn-lt"/>
+                    <a:ea typeface="+mn-ea"/>
+                    <a:cs typeface="+mn-cs"/>
+                  </a:defRPr>
+                </a:lvl1pPr>
+                <a:lvl2pPr marL="1371531" indent="-457177" algn="l" defTabSz="1828709" rtl="0" eaLnBrk="1" latinLnBrk="0" hangingPunct="1">
+                  <a:lnSpc>
+                    <a:spcPct val="90000"/>
+                  </a:lnSpc>
+                  <a:spcBef>
+                    <a:spcPts val="1000"/>
+                  </a:spcBef>
+                  <a:buFont typeface="Arial" panose="020B0604020202020204" pitchFamily="34" charset="0"/>
+                  <a:buChar char="•"/>
+                  <a:defRPr sz="4800" kern="1200">
+                    <a:solidFill>
+                      <a:schemeClr val="tx1"/>
+                    </a:solidFill>
+                    <a:latin typeface="+mn-lt"/>
+                    <a:ea typeface="+mn-ea"/>
+                    <a:cs typeface="+mn-cs"/>
+                  </a:defRPr>
+                </a:lvl2pPr>
+                <a:lvl3pPr marL="2285886" indent="-457177" algn="l" defTabSz="1828709" rtl="0" eaLnBrk="1" latinLnBrk="0" hangingPunct="1">
+                  <a:lnSpc>
+                    <a:spcPct val="90000"/>
+                  </a:lnSpc>
+                  <a:spcBef>
+                    <a:spcPts val="1000"/>
+                  </a:spcBef>
+                  <a:buFont typeface="Arial" panose="020B0604020202020204" pitchFamily="34" charset="0"/>
+                  <a:buChar char="•"/>
+                  <a:defRPr sz="4000" kern="1200">
+                    <a:solidFill>
+                      <a:schemeClr val="tx1"/>
+                    </a:solidFill>
+                    <a:latin typeface="+mn-lt"/>
+                    <a:ea typeface="+mn-ea"/>
+                    <a:cs typeface="+mn-cs"/>
+                  </a:defRPr>
+                </a:lvl3pPr>
+                <a:lvl4pPr marL="3200240" indent="-457177" algn="l" defTabSz="1828709" rtl="0" eaLnBrk="1" latinLnBrk="0" hangingPunct="1">
+                  <a:lnSpc>
+                    <a:spcPct val="90000"/>
+                  </a:lnSpc>
+                  <a:spcBef>
+                    <a:spcPts val="1000"/>
+                  </a:spcBef>
+                  <a:buFont typeface="Arial" panose="020B0604020202020204" pitchFamily="34" charset="0"/>
+                  <a:buChar char="•"/>
+                  <a:defRPr sz="3600" kern="1200">
+                    <a:solidFill>
+                      <a:schemeClr val="tx1"/>
+                    </a:solidFill>
+                    <a:latin typeface="+mn-lt"/>
+                    <a:ea typeface="+mn-ea"/>
+                    <a:cs typeface="+mn-cs"/>
+                  </a:defRPr>
+                </a:lvl4pPr>
+                <a:lvl5pPr marL="4114594" indent="-457177" algn="l" defTabSz="1828709" rtl="0" eaLnBrk="1" latinLnBrk="0" hangingPunct="1">
+                  <a:lnSpc>
+                    <a:spcPct val="90000"/>
+                  </a:lnSpc>
+                  <a:spcBef>
+                    <a:spcPts val="1000"/>
+                  </a:spcBef>
+                  <a:buFont typeface="Arial" panose="020B0604020202020204" pitchFamily="34" charset="0"/>
+                  <a:buChar char="•"/>
+                  <a:defRPr sz="3600" kern="1200">
+                    <a:solidFill>
+                      <a:schemeClr val="tx1"/>
+                    </a:solidFill>
+                    <a:latin typeface="+mn-lt"/>
+                    <a:ea typeface="+mn-ea"/>
+                    <a:cs typeface="+mn-cs"/>
+                  </a:defRPr>
+                </a:lvl5pPr>
+                <a:lvl6pPr marL="5028949" indent="-457177" algn="l" defTabSz="1828709" rtl="0" eaLnBrk="1" latinLnBrk="0" hangingPunct="1">
+                  <a:lnSpc>
+                    <a:spcPct val="90000"/>
+                  </a:lnSpc>
+                  <a:spcBef>
+                    <a:spcPts val="1000"/>
+                  </a:spcBef>
+                  <a:buFont typeface="Arial" panose="020B0604020202020204" pitchFamily="34" charset="0"/>
+                  <a:buChar char="•"/>
+                  <a:defRPr sz="3600" kern="1200">
+                    <a:solidFill>
+                      <a:schemeClr val="tx1"/>
+                    </a:solidFill>
+                    <a:latin typeface="+mn-lt"/>
+                    <a:ea typeface="+mn-ea"/>
+                    <a:cs typeface="+mn-cs"/>
+                  </a:defRPr>
+                </a:lvl6pPr>
+                <a:lvl7pPr marL="5943303" indent="-457177" algn="l" defTabSz="1828709" rtl="0" eaLnBrk="1" latinLnBrk="0" hangingPunct="1">
+                  <a:lnSpc>
+                    <a:spcPct val="90000"/>
+                  </a:lnSpc>
+                  <a:spcBef>
+                    <a:spcPts val="1000"/>
+                  </a:spcBef>
+                  <a:buFont typeface="Arial" panose="020B0604020202020204" pitchFamily="34" charset="0"/>
+                  <a:buChar char="•"/>
+                  <a:defRPr sz="3600" kern="1200">
+                    <a:solidFill>
+                      <a:schemeClr val="tx1"/>
+                    </a:solidFill>
+                    <a:latin typeface="+mn-lt"/>
+                    <a:ea typeface="+mn-ea"/>
+                    <a:cs typeface="+mn-cs"/>
+                  </a:defRPr>
+                </a:lvl7pPr>
+                <a:lvl8pPr marL="6857657" indent="-457177" algn="l" defTabSz="1828709" rtl="0" eaLnBrk="1" latinLnBrk="0" hangingPunct="1">
+                  <a:lnSpc>
+                    <a:spcPct val="90000"/>
+                  </a:lnSpc>
+                  <a:spcBef>
+                    <a:spcPts val="1000"/>
+                  </a:spcBef>
+                  <a:buFont typeface="Arial" panose="020B0604020202020204" pitchFamily="34" charset="0"/>
+                  <a:buChar char="•"/>
+                  <a:defRPr sz="3600" kern="1200">
+                    <a:solidFill>
+                      <a:schemeClr val="tx1"/>
+                    </a:solidFill>
+                    <a:latin typeface="+mn-lt"/>
+                    <a:ea typeface="+mn-ea"/>
+                    <a:cs typeface="+mn-cs"/>
+                  </a:defRPr>
+                </a:lvl8pPr>
+                <a:lvl9pPr marL="7772011" indent="-457177" algn="l" defTabSz="1828709" rtl="0" eaLnBrk="1" latinLnBrk="0" hangingPunct="1">
+                  <a:lnSpc>
+                    <a:spcPct val="90000"/>
+                  </a:lnSpc>
+                  <a:spcBef>
+                    <a:spcPts val="1000"/>
+                  </a:spcBef>
+                  <a:buFont typeface="Arial" panose="020B0604020202020204" pitchFamily="34" charset="0"/>
+                  <a:buChar char="•"/>
+                  <a:defRPr sz="3600" kern="1200">
+                    <a:solidFill>
+                      <a:schemeClr val="tx1"/>
+                    </a:solidFill>
+                    <a:latin typeface="+mn-lt"/>
+                    <a:ea typeface="+mn-ea"/>
+                    <a:cs typeface="+mn-cs"/>
+                  </a:defRPr>
+                </a:lvl9pPr>
+              </a:lstStyle>
+              <a:p>
+                <a:pPr marL="0" indent="0" algn="ctr">
+                  <a:buFont typeface="Arial" panose="020B0604020202020204" pitchFamily="34" charset="0"/>
+                  <a:buNone/>
+                </a:pPr>
+                <a14:m>
+                  <m:oMathPara xmlns:m="http://schemas.openxmlformats.org/officeDocument/2006/math">
+                    <m:oMathParaPr>
+                      <m:jc m:val="center"/>
+                    </m:oMathParaPr>
+                    <m:oMath xmlns:m="http://schemas.openxmlformats.org/officeDocument/2006/math">
+                      <m:r>
+                        <a:rPr lang="en-US" i="1" smtClean="0">
+                          <a:solidFill>
+                            <a:schemeClr val="bg1"/>
+                          </a:solidFill>
+                          <a:latin typeface="Cambria Math" panose="02040503050406030204" pitchFamily="18" charset="0"/>
+                          <a:ea typeface="CMU Serif Roman" panose="02000603000000000000" pitchFamily="2" charset="0"/>
+                          <a:cs typeface="CMU Serif Roman" panose="02000603000000000000" pitchFamily="2" charset="0"/>
+                        </a:rPr>
+                        <m:t>0</m:t>
+                      </m:r>
+                    </m:oMath>
+                  </m:oMathPara>
+                </a14:m>
+                <a:endParaRPr lang="en-SE" dirty="0">
+                  <a:solidFill>
+                    <a:schemeClr val="bg1"/>
+                  </a:solidFill>
+                  <a:latin typeface="CMU Serif Roman" panose="02000603000000000000" pitchFamily="2" charset="0"/>
+                  <a:ea typeface="CMU Serif Roman" panose="02000603000000000000" pitchFamily="2" charset="0"/>
+                  <a:cs typeface="CMU Serif Roman" panose="02000603000000000000" pitchFamily="2" charset="0"/>
+                </a:endParaRPr>
+              </a:p>
+            </p:txBody>
+          </p:sp>
+        </mc:Choice>
+        <mc:Fallback>
+          <p:sp>
+            <p:nvSpPr>
+              <p:cNvPr id="36" name="Content Placeholder 2">
+                <a:extLst>
+                  <a:ext uri="{FF2B5EF4-FFF2-40B4-BE49-F238E27FC236}">
+                    <a16:creationId xmlns:a16="http://schemas.microsoft.com/office/drawing/2014/main" id="{74C502D6-F1F9-374E-B9EE-E9831A31BCF5}"/>
+                  </a:ext>
+                </a:extLst>
+              </p:cNvPr>
+              <p:cNvSpPr txBox="1">
+                <a:spLocks noRot="1" noChangeAspect="1" noMove="1" noResize="1" noEditPoints="1" noAdjustHandles="1" noChangeArrowheads="1" noChangeShapeType="1" noTextEdit="1"/>
+              </p:cNvSpPr>
+              <p:nvPr/>
+            </p:nvSpPr>
+            <p:spPr>
+              <a:xfrm>
+                <a:off x="1676291" y="10589345"/>
+                <a:ext cx="1082286" cy="1046257"/>
+              </a:xfrm>
+              <a:prstGeom prst="rect">
+                <a:avLst/>
+              </a:prstGeom>
+              <a:blipFill>
+                <a:blip r:embed="rId8"/>
+                <a:stretch>
+                  <a:fillRect l="-2326"/>
+                </a:stretch>
+              </a:blipFill>
+            </p:spPr>
+            <p:txBody>
+              <a:bodyPr/>
+              <a:lstStyle/>
+              <a:p>
+                <a:r>
+                  <a:rPr lang="en-SE">
+                    <a:noFill/>
+                  </a:rPr>
+                  <a:t> </a:t>
+                </a:r>
+              </a:p>
+            </p:txBody>
+          </p:sp>
+        </mc:Fallback>
+      </mc:AlternateContent>
+      <mc:AlternateContent xmlns:mc="http://schemas.openxmlformats.org/markup-compatibility/2006">
+        <mc:Choice xmlns:a14="http://schemas.microsoft.com/office/drawing/2010/main" Requires="a14">
+          <p:sp>
+            <p:nvSpPr>
+              <p:cNvPr id="37" name="Content Placeholder 2">
+                <a:extLst>
+                  <a:ext uri="{FF2B5EF4-FFF2-40B4-BE49-F238E27FC236}">
+                    <a16:creationId xmlns:a16="http://schemas.microsoft.com/office/drawing/2014/main" id="{7855C700-1511-6B49-A030-535638F0BA06}"/>
+                  </a:ext>
+                </a:extLst>
+              </p:cNvPr>
+              <p:cNvSpPr txBox="1">
+                <a:spLocks/>
+              </p:cNvSpPr>
+              <p:nvPr/>
+            </p:nvSpPr>
+            <p:spPr>
+              <a:xfrm>
+                <a:off x="1676291" y="9035378"/>
+                <a:ext cx="1082286" cy="1046257"/>
+              </a:xfrm>
+              <a:prstGeom prst="rect">
+                <a:avLst/>
+              </a:prstGeom>
+            </p:spPr>
+            <p:txBody>
+              <a:bodyPr vert="horz" lIns="91440" tIns="45720" rIns="91440" bIns="45720" rtlCol="0">
+                <a:normAutofit/>
+              </a:bodyPr>
+              <a:lstStyle>
+                <a:lvl1pPr marL="457177" indent="-457177" algn="l" defTabSz="1828709" rtl="0" eaLnBrk="1" latinLnBrk="0" hangingPunct="1">
+                  <a:lnSpc>
+                    <a:spcPct val="90000"/>
+                  </a:lnSpc>
+                  <a:spcBef>
+                    <a:spcPts val="2000"/>
+                  </a:spcBef>
+                  <a:buFont typeface="Arial" panose="020B0604020202020204" pitchFamily="34" charset="0"/>
+                  <a:buChar char="•"/>
+                  <a:defRPr sz="5600" kern="1200">
+                    <a:solidFill>
+                      <a:schemeClr val="tx1"/>
+                    </a:solidFill>
+                    <a:latin typeface="+mn-lt"/>
+                    <a:ea typeface="+mn-ea"/>
+                    <a:cs typeface="+mn-cs"/>
+                  </a:defRPr>
+                </a:lvl1pPr>
+                <a:lvl2pPr marL="1371531" indent="-457177" algn="l" defTabSz="1828709" rtl="0" eaLnBrk="1" latinLnBrk="0" hangingPunct="1">
+                  <a:lnSpc>
+                    <a:spcPct val="90000"/>
+                  </a:lnSpc>
+                  <a:spcBef>
+                    <a:spcPts val="1000"/>
+                  </a:spcBef>
+                  <a:buFont typeface="Arial" panose="020B0604020202020204" pitchFamily="34" charset="0"/>
+                  <a:buChar char="•"/>
+                  <a:defRPr sz="4800" kern="1200">
+                    <a:solidFill>
+                      <a:schemeClr val="tx1"/>
+                    </a:solidFill>
+                    <a:latin typeface="+mn-lt"/>
+                    <a:ea typeface="+mn-ea"/>
+                    <a:cs typeface="+mn-cs"/>
+                  </a:defRPr>
+                </a:lvl2pPr>
+                <a:lvl3pPr marL="2285886" indent="-457177" algn="l" defTabSz="1828709" rtl="0" eaLnBrk="1" latinLnBrk="0" hangingPunct="1">
+                  <a:lnSpc>
+                    <a:spcPct val="90000"/>
+                  </a:lnSpc>
+                  <a:spcBef>
+                    <a:spcPts val="1000"/>
+                  </a:spcBef>
+                  <a:buFont typeface="Arial" panose="020B0604020202020204" pitchFamily="34" charset="0"/>
+                  <a:buChar char="•"/>
+                  <a:defRPr sz="4000" kern="1200">
+                    <a:solidFill>
+                      <a:schemeClr val="tx1"/>
+                    </a:solidFill>
+                    <a:latin typeface="+mn-lt"/>
+                    <a:ea typeface="+mn-ea"/>
+                    <a:cs typeface="+mn-cs"/>
+                  </a:defRPr>
+                </a:lvl3pPr>
+                <a:lvl4pPr marL="3200240" indent="-457177" algn="l" defTabSz="1828709" rtl="0" eaLnBrk="1" latinLnBrk="0" hangingPunct="1">
+                  <a:lnSpc>
+                    <a:spcPct val="90000"/>
+                  </a:lnSpc>
+                  <a:spcBef>
+                    <a:spcPts val="1000"/>
+                  </a:spcBef>
+                  <a:buFont typeface="Arial" panose="020B0604020202020204" pitchFamily="34" charset="0"/>
+                  <a:buChar char="•"/>
+                  <a:defRPr sz="3600" kern="1200">
+                    <a:solidFill>
+                      <a:schemeClr val="tx1"/>
+                    </a:solidFill>
+                    <a:latin typeface="+mn-lt"/>
+                    <a:ea typeface="+mn-ea"/>
+                    <a:cs typeface="+mn-cs"/>
+                  </a:defRPr>
+                </a:lvl4pPr>
+                <a:lvl5pPr marL="4114594" indent="-457177" algn="l" defTabSz="1828709" rtl="0" eaLnBrk="1" latinLnBrk="0" hangingPunct="1">
+                  <a:lnSpc>
+                    <a:spcPct val="90000"/>
+                  </a:lnSpc>
+                  <a:spcBef>
+                    <a:spcPts val="1000"/>
+                  </a:spcBef>
+                  <a:buFont typeface="Arial" panose="020B0604020202020204" pitchFamily="34" charset="0"/>
+                  <a:buChar char="•"/>
+                  <a:defRPr sz="3600" kern="1200">
+                    <a:solidFill>
+                      <a:schemeClr val="tx1"/>
+                    </a:solidFill>
+                    <a:latin typeface="+mn-lt"/>
+                    <a:ea typeface="+mn-ea"/>
+                    <a:cs typeface="+mn-cs"/>
+                  </a:defRPr>
+                </a:lvl5pPr>
+                <a:lvl6pPr marL="5028949" indent="-457177" algn="l" defTabSz="1828709" rtl="0" eaLnBrk="1" latinLnBrk="0" hangingPunct="1">
+                  <a:lnSpc>
+                    <a:spcPct val="90000"/>
+                  </a:lnSpc>
+                  <a:spcBef>
+                    <a:spcPts val="1000"/>
+                  </a:spcBef>
+                  <a:buFont typeface="Arial" panose="020B0604020202020204" pitchFamily="34" charset="0"/>
+                  <a:buChar char="•"/>
+                  <a:defRPr sz="3600" kern="1200">
+                    <a:solidFill>
+                      <a:schemeClr val="tx1"/>
+                    </a:solidFill>
+                    <a:latin typeface="+mn-lt"/>
+                    <a:ea typeface="+mn-ea"/>
+                    <a:cs typeface="+mn-cs"/>
+                  </a:defRPr>
+                </a:lvl6pPr>
+                <a:lvl7pPr marL="5943303" indent="-457177" algn="l" defTabSz="1828709" rtl="0" eaLnBrk="1" latinLnBrk="0" hangingPunct="1">
+                  <a:lnSpc>
+                    <a:spcPct val="90000"/>
+                  </a:lnSpc>
+                  <a:spcBef>
+                    <a:spcPts val="1000"/>
+                  </a:spcBef>
+                  <a:buFont typeface="Arial" panose="020B0604020202020204" pitchFamily="34" charset="0"/>
+                  <a:buChar char="•"/>
+                  <a:defRPr sz="3600" kern="1200">
+                    <a:solidFill>
+                      <a:schemeClr val="tx1"/>
+                    </a:solidFill>
+                    <a:latin typeface="+mn-lt"/>
+                    <a:ea typeface="+mn-ea"/>
+                    <a:cs typeface="+mn-cs"/>
+                  </a:defRPr>
+                </a:lvl7pPr>
+                <a:lvl8pPr marL="6857657" indent="-457177" algn="l" defTabSz="1828709" rtl="0" eaLnBrk="1" latinLnBrk="0" hangingPunct="1">
+                  <a:lnSpc>
+                    <a:spcPct val="90000"/>
+                  </a:lnSpc>
+                  <a:spcBef>
+                    <a:spcPts val="1000"/>
+                  </a:spcBef>
+                  <a:buFont typeface="Arial" panose="020B0604020202020204" pitchFamily="34" charset="0"/>
+                  <a:buChar char="•"/>
+                  <a:defRPr sz="3600" kern="1200">
+                    <a:solidFill>
+                      <a:schemeClr val="tx1"/>
+                    </a:solidFill>
+                    <a:latin typeface="+mn-lt"/>
+                    <a:ea typeface="+mn-ea"/>
+                    <a:cs typeface="+mn-cs"/>
+                  </a:defRPr>
+                </a:lvl8pPr>
+                <a:lvl9pPr marL="7772011" indent="-457177" algn="l" defTabSz="1828709" rtl="0" eaLnBrk="1" latinLnBrk="0" hangingPunct="1">
+                  <a:lnSpc>
+                    <a:spcPct val="90000"/>
+                  </a:lnSpc>
+                  <a:spcBef>
+                    <a:spcPts val="1000"/>
+                  </a:spcBef>
+                  <a:buFont typeface="Arial" panose="020B0604020202020204" pitchFamily="34" charset="0"/>
+                  <a:buChar char="•"/>
+                  <a:defRPr sz="3600" kern="1200">
+                    <a:solidFill>
+                      <a:schemeClr val="tx1"/>
+                    </a:solidFill>
+                    <a:latin typeface="+mn-lt"/>
+                    <a:ea typeface="+mn-ea"/>
+                    <a:cs typeface="+mn-cs"/>
+                  </a:defRPr>
+                </a:lvl9pPr>
+              </a:lstStyle>
+              <a:p>
+                <a:pPr marL="0" indent="0" algn="ctr">
+                  <a:buFont typeface="Arial" panose="020B0604020202020204" pitchFamily="34" charset="0"/>
+                  <a:buNone/>
+                </a:pPr>
+                <a14:m>
+                  <m:oMathPara xmlns:m="http://schemas.openxmlformats.org/officeDocument/2006/math">
+                    <m:oMathParaPr>
+                      <m:jc m:val="center"/>
+                    </m:oMathParaPr>
+                    <m:oMath xmlns:m="http://schemas.openxmlformats.org/officeDocument/2006/math">
+                      <m:r>
+                        <a:rPr lang="en-US" b="0" i="1" smtClean="0">
+                          <a:solidFill>
+                            <a:schemeClr val="bg1"/>
+                          </a:solidFill>
+                          <a:latin typeface="Cambria Math" panose="02040503050406030204" pitchFamily="18" charset="0"/>
+                          <a:ea typeface="CMU Serif Roman" panose="02000603000000000000" pitchFamily="2" charset="0"/>
+                          <a:cs typeface="CMU Serif Roman" panose="02000603000000000000" pitchFamily="2" charset="0"/>
+                        </a:rPr>
+                        <m:t>1</m:t>
+                      </m:r>
+                    </m:oMath>
+                  </m:oMathPara>
+                </a14:m>
+                <a:endParaRPr lang="en-SE" dirty="0">
+                  <a:solidFill>
+                    <a:schemeClr val="bg1"/>
+                  </a:solidFill>
+                  <a:latin typeface="CMU Serif Roman" panose="02000603000000000000" pitchFamily="2" charset="0"/>
+                  <a:ea typeface="CMU Serif Roman" panose="02000603000000000000" pitchFamily="2" charset="0"/>
+                  <a:cs typeface="CMU Serif Roman" panose="02000603000000000000" pitchFamily="2" charset="0"/>
+                </a:endParaRPr>
+              </a:p>
+            </p:txBody>
+          </p:sp>
+        </mc:Choice>
+        <mc:Fallback>
+          <p:sp>
+            <p:nvSpPr>
+              <p:cNvPr id="37" name="Content Placeholder 2">
+                <a:extLst>
+                  <a:ext uri="{FF2B5EF4-FFF2-40B4-BE49-F238E27FC236}">
+                    <a16:creationId xmlns:a16="http://schemas.microsoft.com/office/drawing/2014/main" id="{7855C700-1511-6B49-A030-535638F0BA06}"/>
+                  </a:ext>
+                </a:extLst>
+              </p:cNvPr>
+              <p:cNvSpPr txBox="1">
+                <a:spLocks noRot="1" noChangeAspect="1" noMove="1" noResize="1" noEditPoints="1" noAdjustHandles="1" noChangeArrowheads="1" noChangeShapeType="1" noTextEdit="1"/>
+              </p:cNvSpPr>
+              <p:nvPr/>
+            </p:nvSpPr>
+            <p:spPr>
+              <a:xfrm>
+                <a:off x="1676291" y="9035378"/>
+                <a:ext cx="1082286" cy="1046257"/>
+              </a:xfrm>
+              <a:prstGeom prst="rect">
+                <a:avLst/>
+              </a:prstGeom>
+              <a:blipFill>
+                <a:blip r:embed="rId9"/>
+                <a:stretch>
+                  <a:fillRect l="-2326"/>
+                </a:stretch>
+              </a:blipFill>
+            </p:spPr>
+            <p:txBody>
+              <a:bodyPr/>
+              <a:lstStyle/>
+              <a:p>
+                <a:r>
+                  <a:rPr lang="en-SE">
+                    <a:noFill/>
+                  </a:rPr>
+                  <a:t> </a:t>
+                </a:r>
+              </a:p>
+            </p:txBody>
+          </p:sp>
+        </mc:Fallback>
+      </mc:AlternateContent>
+      <mc:AlternateContent xmlns:mc="http://schemas.openxmlformats.org/markup-compatibility/2006">
+        <mc:Choice xmlns:a14="http://schemas.microsoft.com/office/drawing/2010/main" Requires="a14">
+          <p:sp>
+            <p:nvSpPr>
+              <p:cNvPr id="38" name="Content Placeholder 2">
+                <a:extLst>
+                  <a:ext uri="{FF2B5EF4-FFF2-40B4-BE49-F238E27FC236}">
+                    <a16:creationId xmlns:a16="http://schemas.microsoft.com/office/drawing/2014/main" id="{B3F31D9C-AEE7-2E4F-BF27-AB1B649B4863}"/>
+                  </a:ext>
+                </a:extLst>
+              </p:cNvPr>
+              <p:cNvSpPr txBox="1">
+                <a:spLocks/>
+              </p:cNvSpPr>
+              <p:nvPr/>
+            </p:nvSpPr>
+            <p:spPr>
+              <a:xfrm>
+                <a:off x="1676291" y="7500249"/>
+                <a:ext cx="1082286" cy="1046257"/>
+              </a:xfrm>
+              <a:prstGeom prst="rect">
+                <a:avLst/>
+              </a:prstGeom>
+            </p:spPr>
+            <p:txBody>
+              <a:bodyPr vert="horz" lIns="91440" tIns="45720" rIns="91440" bIns="45720" rtlCol="0">
+                <a:normAutofit/>
+              </a:bodyPr>
+              <a:lstStyle>
+                <a:lvl1pPr marL="457177" indent="-457177" algn="l" defTabSz="1828709" rtl="0" eaLnBrk="1" latinLnBrk="0" hangingPunct="1">
+                  <a:lnSpc>
+                    <a:spcPct val="90000"/>
+                  </a:lnSpc>
+                  <a:spcBef>
+                    <a:spcPts val="2000"/>
+                  </a:spcBef>
+                  <a:buFont typeface="Arial" panose="020B0604020202020204" pitchFamily="34" charset="0"/>
+                  <a:buChar char="•"/>
+                  <a:defRPr sz="5600" kern="1200">
+                    <a:solidFill>
+                      <a:schemeClr val="tx1"/>
+                    </a:solidFill>
+                    <a:latin typeface="+mn-lt"/>
+                    <a:ea typeface="+mn-ea"/>
+                    <a:cs typeface="+mn-cs"/>
+                  </a:defRPr>
+                </a:lvl1pPr>
+                <a:lvl2pPr marL="1371531" indent="-457177" algn="l" defTabSz="1828709" rtl="0" eaLnBrk="1" latinLnBrk="0" hangingPunct="1">
+                  <a:lnSpc>
+                    <a:spcPct val="90000"/>
+                  </a:lnSpc>
+                  <a:spcBef>
+                    <a:spcPts val="1000"/>
+                  </a:spcBef>
+                  <a:buFont typeface="Arial" panose="020B0604020202020204" pitchFamily="34" charset="0"/>
+                  <a:buChar char="•"/>
+                  <a:defRPr sz="4800" kern="1200">
+                    <a:solidFill>
+                      <a:schemeClr val="tx1"/>
+                    </a:solidFill>
+                    <a:latin typeface="+mn-lt"/>
+                    <a:ea typeface="+mn-ea"/>
+                    <a:cs typeface="+mn-cs"/>
+                  </a:defRPr>
+                </a:lvl2pPr>
+                <a:lvl3pPr marL="2285886" indent="-457177" algn="l" defTabSz="1828709" rtl="0" eaLnBrk="1" latinLnBrk="0" hangingPunct="1">
+                  <a:lnSpc>
+                    <a:spcPct val="90000"/>
+                  </a:lnSpc>
+                  <a:spcBef>
+                    <a:spcPts val="1000"/>
+                  </a:spcBef>
+                  <a:buFont typeface="Arial" panose="020B0604020202020204" pitchFamily="34" charset="0"/>
+                  <a:buChar char="•"/>
+                  <a:defRPr sz="4000" kern="1200">
+                    <a:solidFill>
+                      <a:schemeClr val="tx1"/>
+                    </a:solidFill>
+                    <a:latin typeface="+mn-lt"/>
+                    <a:ea typeface="+mn-ea"/>
+                    <a:cs typeface="+mn-cs"/>
+                  </a:defRPr>
+                </a:lvl3pPr>
+                <a:lvl4pPr marL="3200240" indent="-457177" algn="l" defTabSz="1828709" rtl="0" eaLnBrk="1" latinLnBrk="0" hangingPunct="1">
+                  <a:lnSpc>
+                    <a:spcPct val="90000"/>
+                  </a:lnSpc>
+                  <a:spcBef>
+                    <a:spcPts val="1000"/>
+                  </a:spcBef>
+                  <a:buFont typeface="Arial" panose="020B0604020202020204" pitchFamily="34" charset="0"/>
+                  <a:buChar char="•"/>
+                  <a:defRPr sz="3600" kern="1200">
+                    <a:solidFill>
+                      <a:schemeClr val="tx1"/>
+                    </a:solidFill>
+                    <a:latin typeface="+mn-lt"/>
+                    <a:ea typeface="+mn-ea"/>
+                    <a:cs typeface="+mn-cs"/>
+                  </a:defRPr>
+                </a:lvl4pPr>
+                <a:lvl5pPr marL="4114594" indent="-457177" algn="l" defTabSz="1828709" rtl="0" eaLnBrk="1" latinLnBrk="0" hangingPunct="1">
+                  <a:lnSpc>
+                    <a:spcPct val="90000"/>
+                  </a:lnSpc>
+                  <a:spcBef>
+                    <a:spcPts val="1000"/>
+                  </a:spcBef>
+                  <a:buFont typeface="Arial" panose="020B0604020202020204" pitchFamily="34" charset="0"/>
+                  <a:buChar char="•"/>
+                  <a:defRPr sz="3600" kern="1200">
+                    <a:solidFill>
+                      <a:schemeClr val="tx1"/>
+                    </a:solidFill>
+                    <a:latin typeface="+mn-lt"/>
+                    <a:ea typeface="+mn-ea"/>
+                    <a:cs typeface="+mn-cs"/>
+                  </a:defRPr>
+                </a:lvl5pPr>
+                <a:lvl6pPr marL="5028949" indent="-457177" algn="l" defTabSz="1828709" rtl="0" eaLnBrk="1" latinLnBrk="0" hangingPunct="1">
+                  <a:lnSpc>
+                    <a:spcPct val="90000"/>
+                  </a:lnSpc>
+                  <a:spcBef>
+                    <a:spcPts val="1000"/>
+                  </a:spcBef>
+                  <a:buFont typeface="Arial" panose="020B0604020202020204" pitchFamily="34" charset="0"/>
+                  <a:buChar char="•"/>
+                  <a:defRPr sz="3600" kern="1200">
+                    <a:solidFill>
+                      <a:schemeClr val="tx1"/>
+                    </a:solidFill>
+                    <a:latin typeface="+mn-lt"/>
+                    <a:ea typeface="+mn-ea"/>
+                    <a:cs typeface="+mn-cs"/>
+                  </a:defRPr>
+                </a:lvl6pPr>
+                <a:lvl7pPr marL="5943303" indent="-457177" algn="l" defTabSz="1828709" rtl="0" eaLnBrk="1" latinLnBrk="0" hangingPunct="1">
+                  <a:lnSpc>
+                    <a:spcPct val="90000"/>
+                  </a:lnSpc>
+                  <a:spcBef>
+                    <a:spcPts val="1000"/>
+                  </a:spcBef>
+                  <a:buFont typeface="Arial" panose="020B0604020202020204" pitchFamily="34" charset="0"/>
+                  <a:buChar char="•"/>
+                  <a:defRPr sz="3600" kern="1200">
+                    <a:solidFill>
+                      <a:schemeClr val="tx1"/>
+                    </a:solidFill>
+                    <a:latin typeface="+mn-lt"/>
+                    <a:ea typeface="+mn-ea"/>
+                    <a:cs typeface="+mn-cs"/>
+                  </a:defRPr>
+                </a:lvl7pPr>
+                <a:lvl8pPr marL="6857657" indent="-457177" algn="l" defTabSz="1828709" rtl="0" eaLnBrk="1" latinLnBrk="0" hangingPunct="1">
+                  <a:lnSpc>
+                    <a:spcPct val="90000"/>
+                  </a:lnSpc>
+                  <a:spcBef>
+                    <a:spcPts val="1000"/>
+                  </a:spcBef>
+                  <a:buFont typeface="Arial" panose="020B0604020202020204" pitchFamily="34" charset="0"/>
+                  <a:buChar char="•"/>
+                  <a:defRPr sz="3600" kern="1200">
+                    <a:solidFill>
+                      <a:schemeClr val="tx1"/>
+                    </a:solidFill>
+                    <a:latin typeface="+mn-lt"/>
+                    <a:ea typeface="+mn-ea"/>
+                    <a:cs typeface="+mn-cs"/>
+                  </a:defRPr>
+                </a:lvl8pPr>
+                <a:lvl9pPr marL="7772011" indent="-457177" algn="l" defTabSz="1828709" rtl="0" eaLnBrk="1" latinLnBrk="0" hangingPunct="1">
+                  <a:lnSpc>
+                    <a:spcPct val="90000"/>
+                  </a:lnSpc>
+                  <a:spcBef>
+                    <a:spcPts val="1000"/>
+                  </a:spcBef>
+                  <a:buFont typeface="Arial" panose="020B0604020202020204" pitchFamily="34" charset="0"/>
+                  <a:buChar char="•"/>
+                  <a:defRPr sz="3600" kern="1200">
+                    <a:solidFill>
+                      <a:schemeClr val="tx1"/>
+                    </a:solidFill>
+                    <a:latin typeface="+mn-lt"/>
+                    <a:ea typeface="+mn-ea"/>
+                    <a:cs typeface="+mn-cs"/>
+                  </a:defRPr>
+                </a:lvl9pPr>
+              </a:lstStyle>
+              <a:p>
+                <a:pPr marL="0" indent="0" algn="ctr">
+                  <a:buFont typeface="Arial" panose="020B0604020202020204" pitchFamily="34" charset="0"/>
+                  <a:buNone/>
+                </a:pPr>
+                <a14:m>
+                  <m:oMathPara xmlns:m="http://schemas.openxmlformats.org/officeDocument/2006/math">
+                    <m:oMathParaPr>
+                      <m:jc m:val="center"/>
+                    </m:oMathParaPr>
+                    <m:oMath xmlns:m="http://schemas.openxmlformats.org/officeDocument/2006/math">
+                      <m:r>
+                        <a:rPr lang="en-US" b="0" i="1" smtClean="0">
+                          <a:solidFill>
+                            <a:schemeClr val="bg1"/>
+                          </a:solidFill>
+                          <a:latin typeface="Cambria Math" panose="02040503050406030204" pitchFamily="18" charset="0"/>
+                          <a:ea typeface="CMU Serif Roman" panose="02000603000000000000" pitchFamily="2" charset="0"/>
+                          <a:cs typeface="CMU Serif Roman" panose="02000603000000000000" pitchFamily="2" charset="0"/>
+                        </a:rPr>
+                        <m:t>2</m:t>
+                      </m:r>
+                    </m:oMath>
+                  </m:oMathPara>
+                </a14:m>
+                <a:endParaRPr lang="en-SE" dirty="0">
+                  <a:solidFill>
+                    <a:schemeClr val="bg1"/>
+                  </a:solidFill>
+                  <a:latin typeface="CMU Serif Roman" panose="02000603000000000000" pitchFamily="2" charset="0"/>
+                  <a:ea typeface="CMU Serif Roman" panose="02000603000000000000" pitchFamily="2" charset="0"/>
+                  <a:cs typeface="CMU Serif Roman" panose="02000603000000000000" pitchFamily="2" charset="0"/>
+                </a:endParaRPr>
+              </a:p>
+            </p:txBody>
+          </p:sp>
+        </mc:Choice>
+        <mc:Fallback>
+          <p:sp>
+            <p:nvSpPr>
+              <p:cNvPr id="38" name="Content Placeholder 2">
+                <a:extLst>
+                  <a:ext uri="{FF2B5EF4-FFF2-40B4-BE49-F238E27FC236}">
+                    <a16:creationId xmlns:a16="http://schemas.microsoft.com/office/drawing/2014/main" id="{B3F31D9C-AEE7-2E4F-BF27-AB1B649B4863}"/>
+                  </a:ext>
+                </a:extLst>
+              </p:cNvPr>
+              <p:cNvSpPr txBox="1">
+                <a:spLocks noRot="1" noChangeAspect="1" noMove="1" noResize="1" noEditPoints="1" noAdjustHandles="1" noChangeArrowheads="1" noChangeShapeType="1" noTextEdit="1"/>
+              </p:cNvSpPr>
+              <p:nvPr/>
+            </p:nvSpPr>
+            <p:spPr>
+              <a:xfrm>
+                <a:off x="1676291" y="7500249"/>
+                <a:ext cx="1082286" cy="1046257"/>
+              </a:xfrm>
+              <a:prstGeom prst="rect">
+                <a:avLst/>
+              </a:prstGeom>
+              <a:blipFill>
+                <a:blip r:embed="rId10"/>
+                <a:stretch>
+                  <a:fillRect l="-2326"/>
+                </a:stretch>
+              </a:blipFill>
+            </p:spPr>
+            <p:txBody>
+              <a:bodyPr/>
+              <a:lstStyle/>
+              <a:p>
+                <a:r>
+                  <a:rPr lang="en-SE">
+                    <a:noFill/>
+                  </a:rPr>
+                  <a:t> </a:t>
+                </a:r>
+              </a:p>
+            </p:txBody>
+          </p:sp>
+        </mc:Fallback>
+      </mc:AlternateContent>
+      <mc:AlternateContent xmlns:mc="http://schemas.openxmlformats.org/markup-compatibility/2006">
+        <mc:Choice xmlns:a14="http://schemas.microsoft.com/office/drawing/2010/main" Requires="a14">
+          <p:sp>
+            <p:nvSpPr>
+              <p:cNvPr id="39" name="Content Placeholder 2">
+                <a:extLst>
+                  <a:ext uri="{FF2B5EF4-FFF2-40B4-BE49-F238E27FC236}">
+                    <a16:creationId xmlns:a16="http://schemas.microsoft.com/office/drawing/2014/main" id="{5F9B6F58-CA80-8646-853D-27B97B03ABBE}"/>
+                  </a:ext>
+                </a:extLst>
+              </p:cNvPr>
+              <p:cNvSpPr txBox="1">
+                <a:spLocks/>
+              </p:cNvSpPr>
+              <p:nvPr/>
+            </p:nvSpPr>
+            <p:spPr>
+              <a:xfrm>
+                <a:off x="1676291" y="5982141"/>
+                <a:ext cx="1082286" cy="1046257"/>
+              </a:xfrm>
+              <a:prstGeom prst="rect">
+                <a:avLst/>
+              </a:prstGeom>
+            </p:spPr>
+            <p:txBody>
+              <a:bodyPr vert="horz" lIns="91440" tIns="45720" rIns="91440" bIns="45720" rtlCol="0">
+                <a:normAutofit/>
+              </a:bodyPr>
+              <a:lstStyle>
+                <a:lvl1pPr marL="457177" indent="-457177" algn="l" defTabSz="1828709" rtl="0" eaLnBrk="1" latinLnBrk="0" hangingPunct="1">
+                  <a:lnSpc>
+                    <a:spcPct val="90000"/>
+                  </a:lnSpc>
+                  <a:spcBef>
+                    <a:spcPts val="2000"/>
+                  </a:spcBef>
+                  <a:buFont typeface="Arial" panose="020B0604020202020204" pitchFamily="34" charset="0"/>
+                  <a:buChar char="•"/>
+                  <a:defRPr sz="5600" kern="1200">
+                    <a:solidFill>
+                      <a:schemeClr val="tx1"/>
+                    </a:solidFill>
+                    <a:latin typeface="+mn-lt"/>
+                    <a:ea typeface="+mn-ea"/>
+                    <a:cs typeface="+mn-cs"/>
+                  </a:defRPr>
+                </a:lvl1pPr>
+                <a:lvl2pPr marL="1371531" indent="-457177" algn="l" defTabSz="1828709" rtl="0" eaLnBrk="1" latinLnBrk="0" hangingPunct="1">
+                  <a:lnSpc>
+                    <a:spcPct val="90000"/>
+                  </a:lnSpc>
+                  <a:spcBef>
+                    <a:spcPts val="1000"/>
+                  </a:spcBef>
+                  <a:buFont typeface="Arial" panose="020B0604020202020204" pitchFamily="34" charset="0"/>
+                  <a:buChar char="•"/>
+                  <a:defRPr sz="4800" kern="1200">
+                    <a:solidFill>
+                      <a:schemeClr val="tx1"/>
+                    </a:solidFill>
+                    <a:latin typeface="+mn-lt"/>
+                    <a:ea typeface="+mn-ea"/>
+                    <a:cs typeface="+mn-cs"/>
+                  </a:defRPr>
+                </a:lvl2pPr>
+                <a:lvl3pPr marL="2285886" indent="-457177" algn="l" defTabSz="1828709" rtl="0" eaLnBrk="1" latinLnBrk="0" hangingPunct="1">
+                  <a:lnSpc>
+                    <a:spcPct val="90000"/>
+                  </a:lnSpc>
+                  <a:spcBef>
+                    <a:spcPts val="1000"/>
+                  </a:spcBef>
+                  <a:buFont typeface="Arial" panose="020B0604020202020204" pitchFamily="34" charset="0"/>
+                  <a:buChar char="•"/>
+                  <a:defRPr sz="4000" kern="1200">
+                    <a:solidFill>
+                      <a:schemeClr val="tx1"/>
+                    </a:solidFill>
+                    <a:latin typeface="+mn-lt"/>
+                    <a:ea typeface="+mn-ea"/>
+                    <a:cs typeface="+mn-cs"/>
+                  </a:defRPr>
+                </a:lvl3pPr>
+                <a:lvl4pPr marL="3200240" indent="-457177" algn="l" defTabSz="1828709" rtl="0" eaLnBrk="1" latinLnBrk="0" hangingPunct="1">
+                  <a:lnSpc>
+                    <a:spcPct val="90000"/>
+                  </a:lnSpc>
+                  <a:spcBef>
+                    <a:spcPts val="1000"/>
+                  </a:spcBef>
+                  <a:buFont typeface="Arial" panose="020B0604020202020204" pitchFamily="34" charset="0"/>
+                  <a:buChar char="•"/>
+                  <a:defRPr sz="3600" kern="1200">
+                    <a:solidFill>
+                      <a:schemeClr val="tx1"/>
+                    </a:solidFill>
+                    <a:latin typeface="+mn-lt"/>
+                    <a:ea typeface="+mn-ea"/>
+                    <a:cs typeface="+mn-cs"/>
+                  </a:defRPr>
+                </a:lvl4pPr>
+                <a:lvl5pPr marL="4114594" indent="-457177" algn="l" defTabSz="1828709" rtl="0" eaLnBrk="1" latinLnBrk="0" hangingPunct="1">
+                  <a:lnSpc>
+                    <a:spcPct val="90000"/>
+                  </a:lnSpc>
+                  <a:spcBef>
+                    <a:spcPts val="1000"/>
+                  </a:spcBef>
+                  <a:buFont typeface="Arial" panose="020B0604020202020204" pitchFamily="34" charset="0"/>
+                  <a:buChar char="•"/>
+                  <a:defRPr sz="3600" kern="1200">
+                    <a:solidFill>
+                      <a:schemeClr val="tx1"/>
+                    </a:solidFill>
+                    <a:latin typeface="+mn-lt"/>
+                    <a:ea typeface="+mn-ea"/>
+                    <a:cs typeface="+mn-cs"/>
+                  </a:defRPr>
+                </a:lvl5pPr>
+                <a:lvl6pPr marL="5028949" indent="-457177" algn="l" defTabSz="1828709" rtl="0" eaLnBrk="1" latinLnBrk="0" hangingPunct="1">
+                  <a:lnSpc>
+                    <a:spcPct val="90000"/>
+                  </a:lnSpc>
+                  <a:spcBef>
+                    <a:spcPts val="1000"/>
+                  </a:spcBef>
+                  <a:buFont typeface="Arial" panose="020B0604020202020204" pitchFamily="34" charset="0"/>
+                  <a:buChar char="•"/>
+                  <a:defRPr sz="3600" kern="1200">
+                    <a:solidFill>
+                      <a:schemeClr val="tx1"/>
+                    </a:solidFill>
+                    <a:latin typeface="+mn-lt"/>
+                    <a:ea typeface="+mn-ea"/>
+                    <a:cs typeface="+mn-cs"/>
+                  </a:defRPr>
+                </a:lvl6pPr>
+                <a:lvl7pPr marL="5943303" indent="-457177" algn="l" defTabSz="1828709" rtl="0" eaLnBrk="1" latinLnBrk="0" hangingPunct="1">
+                  <a:lnSpc>
+                    <a:spcPct val="90000"/>
+                  </a:lnSpc>
+                  <a:spcBef>
+                    <a:spcPts val="1000"/>
+                  </a:spcBef>
+                  <a:buFont typeface="Arial" panose="020B0604020202020204" pitchFamily="34" charset="0"/>
+                  <a:buChar char="•"/>
+                  <a:defRPr sz="3600" kern="1200">
+                    <a:solidFill>
+                      <a:schemeClr val="tx1"/>
+                    </a:solidFill>
+                    <a:latin typeface="+mn-lt"/>
+                    <a:ea typeface="+mn-ea"/>
+                    <a:cs typeface="+mn-cs"/>
+                  </a:defRPr>
+                </a:lvl7pPr>
+                <a:lvl8pPr marL="6857657" indent="-457177" algn="l" defTabSz="1828709" rtl="0" eaLnBrk="1" latinLnBrk="0" hangingPunct="1">
+                  <a:lnSpc>
+                    <a:spcPct val="90000"/>
+                  </a:lnSpc>
+                  <a:spcBef>
+                    <a:spcPts val="1000"/>
+                  </a:spcBef>
+                  <a:buFont typeface="Arial" panose="020B0604020202020204" pitchFamily="34" charset="0"/>
+                  <a:buChar char="•"/>
+                  <a:defRPr sz="3600" kern="1200">
+                    <a:solidFill>
+                      <a:schemeClr val="tx1"/>
+                    </a:solidFill>
+                    <a:latin typeface="+mn-lt"/>
+                    <a:ea typeface="+mn-ea"/>
+                    <a:cs typeface="+mn-cs"/>
+                  </a:defRPr>
+                </a:lvl8pPr>
+                <a:lvl9pPr marL="7772011" indent="-457177" algn="l" defTabSz="1828709" rtl="0" eaLnBrk="1" latinLnBrk="0" hangingPunct="1">
+                  <a:lnSpc>
+                    <a:spcPct val="90000"/>
+                  </a:lnSpc>
+                  <a:spcBef>
+                    <a:spcPts val="1000"/>
+                  </a:spcBef>
+                  <a:buFont typeface="Arial" panose="020B0604020202020204" pitchFamily="34" charset="0"/>
+                  <a:buChar char="•"/>
+                  <a:defRPr sz="3600" kern="1200">
+                    <a:solidFill>
+                      <a:schemeClr val="tx1"/>
+                    </a:solidFill>
+                    <a:latin typeface="+mn-lt"/>
+                    <a:ea typeface="+mn-ea"/>
+                    <a:cs typeface="+mn-cs"/>
+                  </a:defRPr>
+                </a:lvl9pPr>
+              </a:lstStyle>
+              <a:p>
+                <a:pPr marL="0" indent="0" algn="ctr">
+                  <a:buFont typeface="Arial" panose="020B0604020202020204" pitchFamily="34" charset="0"/>
+                  <a:buNone/>
+                </a:pPr>
+                <a14:m>
+                  <m:oMathPara xmlns:m="http://schemas.openxmlformats.org/officeDocument/2006/math">
+                    <m:oMathParaPr>
+                      <m:jc m:val="center"/>
+                    </m:oMathParaPr>
+                    <m:oMath xmlns:m="http://schemas.openxmlformats.org/officeDocument/2006/math">
+                      <m:r>
+                        <a:rPr lang="en-US" b="0" i="1" smtClean="0">
+                          <a:solidFill>
+                            <a:schemeClr val="bg1"/>
+                          </a:solidFill>
+                          <a:latin typeface="Cambria Math" panose="02040503050406030204" pitchFamily="18" charset="0"/>
+                          <a:ea typeface="CMU Serif Roman" panose="02000603000000000000" pitchFamily="2" charset="0"/>
+                          <a:cs typeface="CMU Serif Roman" panose="02000603000000000000" pitchFamily="2" charset="0"/>
+                        </a:rPr>
+                        <m:t>3</m:t>
+                      </m:r>
+                    </m:oMath>
+                  </m:oMathPara>
+                </a14:m>
+                <a:endParaRPr lang="en-SE" dirty="0">
+                  <a:solidFill>
+                    <a:schemeClr val="bg1"/>
+                  </a:solidFill>
+                  <a:latin typeface="CMU Serif Roman" panose="02000603000000000000" pitchFamily="2" charset="0"/>
+                  <a:ea typeface="CMU Serif Roman" panose="02000603000000000000" pitchFamily="2" charset="0"/>
+                  <a:cs typeface="CMU Serif Roman" panose="02000603000000000000" pitchFamily="2" charset="0"/>
+                </a:endParaRPr>
+              </a:p>
+            </p:txBody>
+          </p:sp>
+        </mc:Choice>
+        <mc:Fallback>
+          <p:sp>
+            <p:nvSpPr>
+              <p:cNvPr id="39" name="Content Placeholder 2">
+                <a:extLst>
+                  <a:ext uri="{FF2B5EF4-FFF2-40B4-BE49-F238E27FC236}">
+                    <a16:creationId xmlns:a16="http://schemas.microsoft.com/office/drawing/2014/main" id="{5F9B6F58-CA80-8646-853D-27B97B03ABBE}"/>
+                  </a:ext>
+                </a:extLst>
+              </p:cNvPr>
+              <p:cNvSpPr txBox="1">
+                <a:spLocks noRot="1" noChangeAspect="1" noMove="1" noResize="1" noEditPoints="1" noAdjustHandles="1" noChangeArrowheads="1" noChangeShapeType="1" noTextEdit="1"/>
+              </p:cNvSpPr>
+              <p:nvPr/>
+            </p:nvSpPr>
+            <p:spPr>
+              <a:xfrm>
+                <a:off x="1676291" y="5982141"/>
+                <a:ext cx="1082286" cy="1046257"/>
+              </a:xfrm>
+              <a:prstGeom prst="rect">
+                <a:avLst/>
+              </a:prstGeom>
+              <a:blipFill>
+                <a:blip r:embed="rId11"/>
+                <a:stretch>
+                  <a:fillRect l="-2326"/>
+                </a:stretch>
+              </a:blipFill>
+            </p:spPr>
+            <p:txBody>
+              <a:bodyPr/>
+              <a:lstStyle/>
+              <a:p>
+                <a:r>
+                  <a:rPr lang="en-SE">
+                    <a:noFill/>
+                  </a:rPr>
+                  <a:t> </a:t>
+                </a:r>
+              </a:p>
+            </p:txBody>
+          </p:sp>
+        </mc:Fallback>
+      </mc:AlternateContent>
+      <mc:AlternateContent xmlns:mc="http://schemas.openxmlformats.org/markup-compatibility/2006">
+        <mc:Choice xmlns:a14="http://schemas.microsoft.com/office/drawing/2010/main" Requires="a14">
+          <p:sp>
+            <p:nvSpPr>
+              <p:cNvPr id="40" name="Content Placeholder 2">
+                <a:extLst>
+                  <a:ext uri="{FF2B5EF4-FFF2-40B4-BE49-F238E27FC236}">
+                    <a16:creationId xmlns:a16="http://schemas.microsoft.com/office/drawing/2014/main" id="{ABBCFA30-1E3C-8A48-B77F-DF5CC845F515}"/>
+                  </a:ext>
+                </a:extLst>
+              </p:cNvPr>
+              <p:cNvSpPr txBox="1">
+                <a:spLocks/>
+              </p:cNvSpPr>
+              <p:nvPr/>
+            </p:nvSpPr>
+            <p:spPr>
+              <a:xfrm>
+                <a:off x="1676291" y="4448613"/>
+                <a:ext cx="1082286" cy="1046257"/>
+              </a:xfrm>
+              <a:prstGeom prst="rect">
+                <a:avLst/>
+              </a:prstGeom>
+            </p:spPr>
+            <p:txBody>
+              <a:bodyPr vert="horz" lIns="91440" tIns="45720" rIns="91440" bIns="45720" rtlCol="0">
+                <a:normAutofit/>
+              </a:bodyPr>
+              <a:lstStyle>
+                <a:lvl1pPr marL="457177" indent="-457177" algn="l" defTabSz="1828709" rtl="0" eaLnBrk="1" latinLnBrk="0" hangingPunct="1">
+                  <a:lnSpc>
+                    <a:spcPct val="90000"/>
+                  </a:lnSpc>
+                  <a:spcBef>
+                    <a:spcPts val="2000"/>
+                  </a:spcBef>
+                  <a:buFont typeface="Arial" panose="020B0604020202020204" pitchFamily="34" charset="0"/>
+                  <a:buChar char="•"/>
+                  <a:defRPr sz="5600" kern="1200">
+                    <a:solidFill>
+                      <a:schemeClr val="tx1"/>
+                    </a:solidFill>
+                    <a:latin typeface="+mn-lt"/>
+                    <a:ea typeface="+mn-ea"/>
+                    <a:cs typeface="+mn-cs"/>
+                  </a:defRPr>
+                </a:lvl1pPr>
+                <a:lvl2pPr marL="1371531" indent="-457177" algn="l" defTabSz="1828709" rtl="0" eaLnBrk="1" latinLnBrk="0" hangingPunct="1">
+                  <a:lnSpc>
+                    <a:spcPct val="90000"/>
+                  </a:lnSpc>
+                  <a:spcBef>
+                    <a:spcPts val="1000"/>
+                  </a:spcBef>
+                  <a:buFont typeface="Arial" panose="020B0604020202020204" pitchFamily="34" charset="0"/>
+                  <a:buChar char="•"/>
+                  <a:defRPr sz="4800" kern="1200">
+                    <a:solidFill>
+                      <a:schemeClr val="tx1"/>
+                    </a:solidFill>
+                    <a:latin typeface="+mn-lt"/>
+                    <a:ea typeface="+mn-ea"/>
+                    <a:cs typeface="+mn-cs"/>
+                  </a:defRPr>
+                </a:lvl2pPr>
+                <a:lvl3pPr marL="2285886" indent="-457177" algn="l" defTabSz="1828709" rtl="0" eaLnBrk="1" latinLnBrk="0" hangingPunct="1">
+                  <a:lnSpc>
+                    <a:spcPct val="90000"/>
+                  </a:lnSpc>
+                  <a:spcBef>
+                    <a:spcPts val="1000"/>
+                  </a:spcBef>
+                  <a:buFont typeface="Arial" panose="020B0604020202020204" pitchFamily="34" charset="0"/>
+                  <a:buChar char="•"/>
+                  <a:defRPr sz="4000" kern="1200">
+                    <a:solidFill>
+                      <a:schemeClr val="tx1"/>
+                    </a:solidFill>
+                    <a:latin typeface="+mn-lt"/>
+                    <a:ea typeface="+mn-ea"/>
+                    <a:cs typeface="+mn-cs"/>
+                  </a:defRPr>
+                </a:lvl3pPr>
+                <a:lvl4pPr marL="3200240" indent="-457177" algn="l" defTabSz="1828709" rtl="0" eaLnBrk="1" latinLnBrk="0" hangingPunct="1">
+                  <a:lnSpc>
+                    <a:spcPct val="90000"/>
+                  </a:lnSpc>
+                  <a:spcBef>
+                    <a:spcPts val="1000"/>
+                  </a:spcBef>
+                  <a:buFont typeface="Arial" panose="020B0604020202020204" pitchFamily="34" charset="0"/>
+                  <a:buChar char="•"/>
+                  <a:defRPr sz="3600" kern="1200">
+                    <a:solidFill>
+                      <a:schemeClr val="tx1"/>
+                    </a:solidFill>
+                    <a:latin typeface="+mn-lt"/>
+                    <a:ea typeface="+mn-ea"/>
+                    <a:cs typeface="+mn-cs"/>
+                  </a:defRPr>
+                </a:lvl4pPr>
+                <a:lvl5pPr marL="4114594" indent="-457177" algn="l" defTabSz="1828709" rtl="0" eaLnBrk="1" latinLnBrk="0" hangingPunct="1">
+                  <a:lnSpc>
+                    <a:spcPct val="90000"/>
+                  </a:lnSpc>
+                  <a:spcBef>
+                    <a:spcPts val="1000"/>
+                  </a:spcBef>
+                  <a:buFont typeface="Arial" panose="020B0604020202020204" pitchFamily="34" charset="0"/>
+                  <a:buChar char="•"/>
+                  <a:defRPr sz="3600" kern="1200">
+                    <a:solidFill>
+                      <a:schemeClr val="tx1"/>
+                    </a:solidFill>
+                    <a:latin typeface="+mn-lt"/>
+                    <a:ea typeface="+mn-ea"/>
+                    <a:cs typeface="+mn-cs"/>
+                  </a:defRPr>
+                </a:lvl5pPr>
+                <a:lvl6pPr marL="5028949" indent="-457177" algn="l" defTabSz="1828709" rtl="0" eaLnBrk="1" latinLnBrk="0" hangingPunct="1">
+                  <a:lnSpc>
+                    <a:spcPct val="90000"/>
+                  </a:lnSpc>
+                  <a:spcBef>
+                    <a:spcPts val="1000"/>
+                  </a:spcBef>
+                  <a:buFont typeface="Arial" panose="020B0604020202020204" pitchFamily="34" charset="0"/>
+                  <a:buChar char="•"/>
+                  <a:defRPr sz="3600" kern="1200">
+                    <a:solidFill>
+                      <a:schemeClr val="tx1"/>
+                    </a:solidFill>
+                    <a:latin typeface="+mn-lt"/>
+                    <a:ea typeface="+mn-ea"/>
+                    <a:cs typeface="+mn-cs"/>
+                  </a:defRPr>
+                </a:lvl6pPr>
+                <a:lvl7pPr marL="5943303" indent="-457177" algn="l" defTabSz="1828709" rtl="0" eaLnBrk="1" latinLnBrk="0" hangingPunct="1">
+                  <a:lnSpc>
+                    <a:spcPct val="90000"/>
+                  </a:lnSpc>
+                  <a:spcBef>
+                    <a:spcPts val="1000"/>
+                  </a:spcBef>
+                  <a:buFont typeface="Arial" panose="020B0604020202020204" pitchFamily="34" charset="0"/>
+                  <a:buChar char="•"/>
+                  <a:defRPr sz="3600" kern="1200">
+                    <a:solidFill>
+                      <a:schemeClr val="tx1"/>
+                    </a:solidFill>
+                    <a:latin typeface="+mn-lt"/>
+                    <a:ea typeface="+mn-ea"/>
+                    <a:cs typeface="+mn-cs"/>
+                  </a:defRPr>
+                </a:lvl7pPr>
+                <a:lvl8pPr marL="6857657" indent="-457177" algn="l" defTabSz="1828709" rtl="0" eaLnBrk="1" latinLnBrk="0" hangingPunct="1">
+                  <a:lnSpc>
+                    <a:spcPct val="90000"/>
+                  </a:lnSpc>
+                  <a:spcBef>
+                    <a:spcPts val="1000"/>
+                  </a:spcBef>
+                  <a:buFont typeface="Arial" panose="020B0604020202020204" pitchFamily="34" charset="0"/>
+                  <a:buChar char="•"/>
+                  <a:defRPr sz="3600" kern="1200">
+                    <a:solidFill>
+                      <a:schemeClr val="tx1"/>
+                    </a:solidFill>
+                    <a:latin typeface="+mn-lt"/>
+                    <a:ea typeface="+mn-ea"/>
+                    <a:cs typeface="+mn-cs"/>
+                  </a:defRPr>
+                </a:lvl8pPr>
+                <a:lvl9pPr marL="7772011" indent="-457177" algn="l" defTabSz="1828709" rtl="0" eaLnBrk="1" latinLnBrk="0" hangingPunct="1">
+                  <a:lnSpc>
+                    <a:spcPct val="90000"/>
+                  </a:lnSpc>
+                  <a:spcBef>
+                    <a:spcPts val="1000"/>
+                  </a:spcBef>
+                  <a:buFont typeface="Arial" panose="020B0604020202020204" pitchFamily="34" charset="0"/>
+                  <a:buChar char="•"/>
+                  <a:defRPr sz="3600" kern="1200">
+                    <a:solidFill>
+                      <a:schemeClr val="tx1"/>
+                    </a:solidFill>
+                    <a:latin typeface="+mn-lt"/>
+                    <a:ea typeface="+mn-ea"/>
+                    <a:cs typeface="+mn-cs"/>
+                  </a:defRPr>
+                </a:lvl9pPr>
+              </a:lstStyle>
+              <a:p>
+                <a:pPr marL="0" indent="0" algn="ctr">
+                  <a:buFont typeface="Arial" panose="020B0604020202020204" pitchFamily="34" charset="0"/>
+                  <a:buNone/>
+                </a:pPr>
+                <a14:m>
+                  <m:oMathPara xmlns:m="http://schemas.openxmlformats.org/officeDocument/2006/math">
+                    <m:oMathParaPr>
+                      <m:jc m:val="center"/>
+                    </m:oMathParaPr>
+                    <m:oMath xmlns:m="http://schemas.openxmlformats.org/officeDocument/2006/math">
+                      <m:r>
+                        <a:rPr lang="en-US" b="0" i="1" smtClean="0">
+                          <a:solidFill>
+                            <a:schemeClr val="bg1"/>
+                          </a:solidFill>
+                          <a:latin typeface="Cambria Math" panose="02040503050406030204" pitchFamily="18" charset="0"/>
+                          <a:ea typeface="CMU Serif Roman" panose="02000603000000000000" pitchFamily="2" charset="0"/>
+                          <a:cs typeface="CMU Serif Roman" panose="02000603000000000000" pitchFamily="2" charset="0"/>
+                        </a:rPr>
+                        <m:t>4</m:t>
+                      </m:r>
+                    </m:oMath>
+                  </m:oMathPara>
+                </a14:m>
+                <a:endParaRPr lang="en-SE" dirty="0">
+                  <a:solidFill>
+                    <a:schemeClr val="bg1"/>
+                  </a:solidFill>
+                  <a:latin typeface="CMU Serif Roman" panose="02000603000000000000" pitchFamily="2" charset="0"/>
+                  <a:ea typeface="CMU Serif Roman" panose="02000603000000000000" pitchFamily="2" charset="0"/>
+                  <a:cs typeface="CMU Serif Roman" panose="02000603000000000000" pitchFamily="2" charset="0"/>
+                </a:endParaRPr>
+              </a:p>
+            </p:txBody>
+          </p:sp>
+        </mc:Choice>
+        <mc:Fallback>
+          <p:sp>
+            <p:nvSpPr>
+              <p:cNvPr id="40" name="Content Placeholder 2">
+                <a:extLst>
+                  <a:ext uri="{FF2B5EF4-FFF2-40B4-BE49-F238E27FC236}">
+                    <a16:creationId xmlns:a16="http://schemas.microsoft.com/office/drawing/2014/main" id="{ABBCFA30-1E3C-8A48-B77F-DF5CC845F515}"/>
+                  </a:ext>
+                </a:extLst>
+              </p:cNvPr>
+              <p:cNvSpPr txBox="1">
+                <a:spLocks noRot="1" noChangeAspect="1" noMove="1" noResize="1" noEditPoints="1" noAdjustHandles="1" noChangeArrowheads="1" noChangeShapeType="1" noTextEdit="1"/>
+              </p:cNvSpPr>
+              <p:nvPr/>
+            </p:nvSpPr>
+            <p:spPr>
+              <a:xfrm>
+                <a:off x="1676291" y="4448613"/>
+                <a:ext cx="1082286" cy="1046257"/>
+              </a:xfrm>
+              <a:prstGeom prst="rect">
+                <a:avLst/>
+              </a:prstGeom>
+              <a:blipFill>
+                <a:blip r:embed="rId12"/>
+                <a:stretch>
+                  <a:fillRect l="-2326" t="-1205"/>
+                </a:stretch>
+              </a:blipFill>
+            </p:spPr>
+            <p:txBody>
+              <a:bodyPr/>
+              <a:lstStyle/>
+              <a:p>
+                <a:r>
+                  <a:rPr lang="en-SE">
+                    <a:noFill/>
+                  </a:rPr>
+                  <a:t> </a:t>
+                </a:r>
+              </a:p>
+            </p:txBody>
+          </p:sp>
+        </mc:Fallback>
+      </mc:AlternateContent>
+      <p:sp>
+        <p:nvSpPr>
+          <p:cNvPr id="44" name="agent_1">
+            <a:extLst>
+              <a:ext uri="{FF2B5EF4-FFF2-40B4-BE49-F238E27FC236}">
+                <a16:creationId xmlns:a16="http://schemas.microsoft.com/office/drawing/2014/main" id="{69E7817A-B40C-0445-B765-6E0D97C17FC7}"/>
+              </a:ext>
+            </a:extLst>
+          </p:cNvPr>
+          <p:cNvSpPr/>
+          <p:nvPr/>
+        </p:nvSpPr>
+        <p:spPr>
+          <a:xfrm>
+            <a:off x="7458016" y="4323884"/>
+            <a:ext cx="1062808" cy="1062808"/>
+          </a:xfrm>
+          <a:prstGeom prst="ellipse">
+            <a:avLst/>
+          </a:prstGeom>
+          <a:solidFill>
+            <a:srgbClr val="0070C0"/>
+          </a:solidFill>
+          <a:ln>
+            <a:noFill/>
+          </a:ln>
+        </p:spPr>
+        <p:style>
+          <a:lnRef idx="2">
+            <a:schemeClr val="accent1">
+              <a:shade val="50000"/>
+            </a:schemeClr>
+          </a:lnRef>
+          <a:fillRef idx="1">
+            <a:schemeClr val="accent1"/>
+          </a:fillRef>
+          <a:effectRef idx="0">
+            <a:schemeClr val="accent1"/>
+          </a:effectRef>
+          <a:fontRef idx="minor">
+            <a:schemeClr val="lt1"/>
+          </a:fontRef>
+        </p:style>
+        <p:txBody>
+          <a:bodyPr rtlCol="0" anchor="ctr"/>
+          <a:lstStyle/>
+          <a:p>
+            <a:pPr algn="ctr"/>
+            <a:endParaRPr lang="en-SE"/>
+          </a:p>
+        </p:txBody>
+      </p:sp>
+      <p:sp>
+        <p:nvSpPr>
+          <p:cNvPr id="45" name="agent_2">
+            <a:extLst>
+              <a:ext uri="{FF2B5EF4-FFF2-40B4-BE49-F238E27FC236}">
+                <a16:creationId xmlns:a16="http://schemas.microsoft.com/office/drawing/2014/main" id="{003509A0-2128-1F4D-A4DE-0D2D953BAC16}"/>
+              </a:ext>
+            </a:extLst>
+          </p:cNvPr>
+          <p:cNvSpPr/>
+          <p:nvPr/>
+        </p:nvSpPr>
+        <p:spPr>
+          <a:xfrm>
+            <a:off x="4416762" y="8887800"/>
+            <a:ext cx="1062808" cy="1062808"/>
+          </a:xfrm>
+          <a:prstGeom prst="ellipse">
+            <a:avLst/>
+          </a:prstGeom>
+          <a:solidFill>
+            <a:srgbClr val="0070C0"/>
+          </a:solidFill>
+          <a:ln>
+            <a:noFill/>
+          </a:ln>
+        </p:spPr>
+        <p:style>
+          <a:lnRef idx="2">
+            <a:schemeClr val="accent1">
+              <a:shade val="50000"/>
+            </a:schemeClr>
+          </a:lnRef>
+          <a:fillRef idx="1">
+            <a:schemeClr val="accent1"/>
+          </a:fillRef>
+          <a:effectRef idx="0">
+            <a:schemeClr val="accent1"/>
+          </a:effectRef>
+          <a:fontRef idx="minor">
+            <a:schemeClr val="lt1"/>
+          </a:fontRef>
+        </p:style>
+        <p:txBody>
+          <a:bodyPr rtlCol="0" anchor="ctr"/>
+          <a:lstStyle/>
+          <a:p>
+            <a:pPr algn="ctr"/>
+            <a:endParaRPr lang="en-SE"/>
+          </a:p>
+        </p:txBody>
+      </p:sp>
+      <mc:AlternateContent xmlns:mc="http://schemas.openxmlformats.org/markup-compatibility/2006">
+        <mc:Choice xmlns:a14="http://schemas.microsoft.com/office/drawing/2010/main" Requires="a14">
+          <p:sp>
+            <p:nvSpPr>
+              <p:cNvPr id="46" name="Content Placeholder 2">
+                <a:extLst>
+                  <a:ext uri="{FF2B5EF4-FFF2-40B4-BE49-F238E27FC236}">
+                    <a16:creationId xmlns:a16="http://schemas.microsoft.com/office/drawing/2014/main" id="{BA61270C-103F-4C48-8E48-9950106B3884}"/>
+                  </a:ext>
+                </a:extLst>
+              </p:cNvPr>
+              <p:cNvSpPr txBox="1">
+                <a:spLocks/>
+              </p:cNvSpPr>
+              <p:nvPr/>
+            </p:nvSpPr>
+            <p:spPr>
+              <a:xfrm>
+                <a:off x="14810831" y="5395866"/>
+                <a:ext cx="7215968" cy="1046257"/>
+              </a:xfrm>
+              <a:prstGeom prst="rect">
+                <a:avLst/>
+              </a:prstGeom>
+            </p:spPr>
+            <p:txBody>
+              <a:bodyPr vert="horz" lIns="91440" tIns="45720" rIns="91440" bIns="45720" rtlCol="0">
+                <a:normAutofit/>
+              </a:bodyPr>
+              <a:lstStyle>
+                <a:lvl1pPr marL="457177" indent="-457177" algn="l" defTabSz="1828709" rtl="0" eaLnBrk="1" latinLnBrk="0" hangingPunct="1">
+                  <a:lnSpc>
+                    <a:spcPct val="90000"/>
+                  </a:lnSpc>
+                  <a:spcBef>
+                    <a:spcPts val="2000"/>
+                  </a:spcBef>
+                  <a:buFont typeface="Arial" panose="020B0604020202020204" pitchFamily="34" charset="0"/>
+                  <a:buChar char="•"/>
+                  <a:defRPr sz="5600" kern="1200">
+                    <a:solidFill>
+                      <a:schemeClr val="tx1"/>
+                    </a:solidFill>
+                    <a:latin typeface="+mn-lt"/>
+                    <a:ea typeface="+mn-ea"/>
+                    <a:cs typeface="+mn-cs"/>
+                  </a:defRPr>
+                </a:lvl1pPr>
+                <a:lvl2pPr marL="1371531" indent="-457177" algn="l" defTabSz="1828709" rtl="0" eaLnBrk="1" latinLnBrk="0" hangingPunct="1">
+                  <a:lnSpc>
+                    <a:spcPct val="90000"/>
+                  </a:lnSpc>
+                  <a:spcBef>
+                    <a:spcPts val="1000"/>
+                  </a:spcBef>
+                  <a:buFont typeface="Arial" panose="020B0604020202020204" pitchFamily="34" charset="0"/>
+                  <a:buChar char="•"/>
+                  <a:defRPr sz="4800" kern="1200">
+                    <a:solidFill>
+                      <a:schemeClr val="tx1"/>
+                    </a:solidFill>
+                    <a:latin typeface="+mn-lt"/>
+                    <a:ea typeface="+mn-ea"/>
+                    <a:cs typeface="+mn-cs"/>
+                  </a:defRPr>
+                </a:lvl2pPr>
+                <a:lvl3pPr marL="2285886" indent="-457177" algn="l" defTabSz="1828709" rtl="0" eaLnBrk="1" latinLnBrk="0" hangingPunct="1">
+                  <a:lnSpc>
+                    <a:spcPct val="90000"/>
+                  </a:lnSpc>
+                  <a:spcBef>
+                    <a:spcPts val="1000"/>
+                  </a:spcBef>
+                  <a:buFont typeface="Arial" panose="020B0604020202020204" pitchFamily="34" charset="0"/>
+                  <a:buChar char="•"/>
+                  <a:defRPr sz="4000" kern="1200">
+                    <a:solidFill>
+                      <a:schemeClr val="tx1"/>
+                    </a:solidFill>
+                    <a:latin typeface="+mn-lt"/>
+                    <a:ea typeface="+mn-ea"/>
+                    <a:cs typeface="+mn-cs"/>
+                  </a:defRPr>
+                </a:lvl3pPr>
+                <a:lvl4pPr marL="3200240" indent="-457177" algn="l" defTabSz="1828709" rtl="0" eaLnBrk="1" latinLnBrk="0" hangingPunct="1">
+                  <a:lnSpc>
+                    <a:spcPct val="90000"/>
+                  </a:lnSpc>
+                  <a:spcBef>
+                    <a:spcPts val="1000"/>
+                  </a:spcBef>
+                  <a:buFont typeface="Arial" panose="020B0604020202020204" pitchFamily="34" charset="0"/>
+                  <a:buChar char="•"/>
+                  <a:defRPr sz="3600" kern="1200">
+                    <a:solidFill>
+                      <a:schemeClr val="tx1"/>
+                    </a:solidFill>
+                    <a:latin typeface="+mn-lt"/>
+                    <a:ea typeface="+mn-ea"/>
+                    <a:cs typeface="+mn-cs"/>
+                  </a:defRPr>
+                </a:lvl4pPr>
+                <a:lvl5pPr marL="4114594" indent="-457177" algn="l" defTabSz="1828709" rtl="0" eaLnBrk="1" latinLnBrk="0" hangingPunct="1">
+                  <a:lnSpc>
+                    <a:spcPct val="90000"/>
+                  </a:lnSpc>
+                  <a:spcBef>
+                    <a:spcPts val="1000"/>
+                  </a:spcBef>
+                  <a:buFont typeface="Arial" panose="020B0604020202020204" pitchFamily="34" charset="0"/>
+                  <a:buChar char="•"/>
+                  <a:defRPr sz="3600" kern="1200">
+                    <a:solidFill>
+                      <a:schemeClr val="tx1"/>
+                    </a:solidFill>
+                    <a:latin typeface="+mn-lt"/>
+                    <a:ea typeface="+mn-ea"/>
+                    <a:cs typeface="+mn-cs"/>
+                  </a:defRPr>
+                </a:lvl5pPr>
+                <a:lvl6pPr marL="5028949" indent="-457177" algn="l" defTabSz="1828709" rtl="0" eaLnBrk="1" latinLnBrk="0" hangingPunct="1">
+                  <a:lnSpc>
+                    <a:spcPct val="90000"/>
+                  </a:lnSpc>
+                  <a:spcBef>
+                    <a:spcPts val="1000"/>
+                  </a:spcBef>
+                  <a:buFont typeface="Arial" panose="020B0604020202020204" pitchFamily="34" charset="0"/>
+                  <a:buChar char="•"/>
+                  <a:defRPr sz="3600" kern="1200">
+                    <a:solidFill>
+                      <a:schemeClr val="tx1"/>
+                    </a:solidFill>
+                    <a:latin typeface="+mn-lt"/>
+                    <a:ea typeface="+mn-ea"/>
+                    <a:cs typeface="+mn-cs"/>
+                  </a:defRPr>
+                </a:lvl6pPr>
+                <a:lvl7pPr marL="5943303" indent="-457177" algn="l" defTabSz="1828709" rtl="0" eaLnBrk="1" latinLnBrk="0" hangingPunct="1">
+                  <a:lnSpc>
+                    <a:spcPct val="90000"/>
+                  </a:lnSpc>
+                  <a:spcBef>
+                    <a:spcPts val="1000"/>
+                  </a:spcBef>
+                  <a:buFont typeface="Arial" panose="020B0604020202020204" pitchFamily="34" charset="0"/>
+                  <a:buChar char="•"/>
+                  <a:defRPr sz="3600" kern="1200">
+                    <a:solidFill>
+                      <a:schemeClr val="tx1"/>
+                    </a:solidFill>
+                    <a:latin typeface="+mn-lt"/>
+                    <a:ea typeface="+mn-ea"/>
+                    <a:cs typeface="+mn-cs"/>
+                  </a:defRPr>
+                </a:lvl7pPr>
+                <a:lvl8pPr marL="6857657" indent="-457177" algn="l" defTabSz="1828709" rtl="0" eaLnBrk="1" latinLnBrk="0" hangingPunct="1">
+                  <a:lnSpc>
+                    <a:spcPct val="90000"/>
+                  </a:lnSpc>
+                  <a:spcBef>
+                    <a:spcPts val="1000"/>
+                  </a:spcBef>
+                  <a:buFont typeface="Arial" panose="020B0604020202020204" pitchFamily="34" charset="0"/>
+                  <a:buChar char="•"/>
+                  <a:defRPr sz="3600" kern="1200">
+                    <a:solidFill>
+                      <a:schemeClr val="tx1"/>
+                    </a:solidFill>
+                    <a:latin typeface="+mn-lt"/>
+                    <a:ea typeface="+mn-ea"/>
+                    <a:cs typeface="+mn-cs"/>
+                  </a:defRPr>
+                </a:lvl8pPr>
+                <a:lvl9pPr marL="7772011" indent="-457177" algn="l" defTabSz="1828709" rtl="0" eaLnBrk="1" latinLnBrk="0" hangingPunct="1">
+                  <a:lnSpc>
+                    <a:spcPct val="90000"/>
+                  </a:lnSpc>
+                  <a:spcBef>
+                    <a:spcPts val="1000"/>
+                  </a:spcBef>
+                  <a:buFont typeface="Arial" panose="020B0604020202020204" pitchFamily="34" charset="0"/>
+                  <a:buChar char="•"/>
+                  <a:defRPr sz="3600" kern="1200">
+                    <a:solidFill>
+                      <a:schemeClr val="tx1"/>
+                    </a:solidFill>
+                    <a:latin typeface="+mn-lt"/>
+                    <a:ea typeface="+mn-ea"/>
+                    <a:cs typeface="+mn-cs"/>
+                  </a:defRPr>
+                </a:lvl9pPr>
+              </a:lstStyle>
+              <a:p>
+                <a:pPr marL="0" indent="0" algn="ctr">
+                  <a:buFont typeface="Arial" panose="020B0604020202020204" pitchFamily="34" charset="0"/>
+                  <a:buNone/>
+                </a:pPr>
+                <a14:m>
+                  <m:oMathPara xmlns:m="http://schemas.openxmlformats.org/officeDocument/2006/math">
+                    <m:oMathParaPr>
+                      <m:jc m:val="center"/>
+                    </m:oMathParaPr>
+                    <m:oMath xmlns:m="http://schemas.openxmlformats.org/officeDocument/2006/math">
+                      <m:r>
+                        <a:rPr lang="es-ES" sz="6600" b="0" i="1" smtClean="0">
+                          <a:solidFill>
+                            <a:schemeClr val="bg1"/>
+                          </a:solidFill>
+                          <a:latin typeface="Cambria Math" panose="02040503050406030204" pitchFamily="18" charset="0"/>
+                          <a:ea typeface="CMU Serif Roman" panose="02000603000000000000" pitchFamily="2" charset="0"/>
+                          <a:cs typeface="CMU Serif Roman" panose="02000603000000000000" pitchFamily="2" charset="0"/>
+                        </a:rPr>
+                        <m:t>[ 1, 3, 3, 1, 1, 1, 3, 4 ]</m:t>
+                      </m:r>
+                    </m:oMath>
+                  </m:oMathPara>
+                </a14:m>
+                <a:endParaRPr lang="en-SE" sz="6600" dirty="0">
+                  <a:solidFill>
+                    <a:schemeClr val="bg1"/>
+                  </a:solidFill>
+                  <a:latin typeface="CMU Serif Roman" panose="02000603000000000000" pitchFamily="2" charset="0"/>
+                  <a:ea typeface="CMU Serif Roman" panose="02000603000000000000" pitchFamily="2" charset="0"/>
+                  <a:cs typeface="CMU Serif Roman" panose="02000603000000000000" pitchFamily="2" charset="0"/>
+                </a:endParaRPr>
+              </a:p>
+            </p:txBody>
+          </p:sp>
+        </mc:Choice>
+        <mc:Fallback>
+          <p:sp>
+            <p:nvSpPr>
+              <p:cNvPr id="46" name="Content Placeholder 2">
+                <a:extLst>
+                  <a:ext uri="{FF2B5EF4-FFF2-40B4-BE49-F238E27FC236}">
+                    <a16:creationId xmlns:a16="http://schemas.microsoft.com/office/drawing/2014/main" id="{BA61270C-103F-4C48-8E48-9950106B3884}"/>
+                  </a:ext>
+                </a:extLst>
+              </p:cNvPr>
+              <p:cNvSpPr txBox="1">
+                <a:spLocks noRot="1" noChangeAspect="1" noMove="1" noResize="1" noEditPoints="1" noAdjustHandles="1" noChangeArrowheads="1" noChangeShapeType="1" noTextEdit="1"/>
+              </p:cNvSpPr>
+              <p:nvPr/>
+            </p:nvSpPr>
+            <p:spPr>
+              <a:xfrm>
+                <a:off x="14810831" y="5395866"/>
+                <a:ext cx="7215968" cy="1046257"/>
+              </a:xfrm>
+              <a:prstGeom prst="rect">
+                <a:avLst/>
+              </a:prstGeom>
+              <a:blipFill>
+                <a:blip r:embed="rId13"/>
+                <a:stretch>
+                  <a:fillRect l="-4921" t="-14286" r="-1054" b="-25000"/>
+                </a:stretch>
+              </a:blipFill>
+            </p:spPr>
+            <p:txBody>
+              <a:bodyPr/>
+              <a:lstStyle/>
+              <a:p>
+                <a:r>
+                  <a:rPr lang="en-SE">
+                    <a:noFill/>
+                  </a:rPr>
+                  <a:t> </a:t>
+                </a:r>
+              </a:p>
+            </p:txBody>
+          </p:sp>
+        </mc:Fallback>
+      </mc:AlternateContent>
+      <p:sp>
+        <p:nvSpPr>
+          <p:cNvPr id="47" name="Content Placeholder 2">
+            <a:extLst>
+              <a:ext uri="{FF2B5EF4-FFF2-40B4-BE49-F238E27FC236}">
+                <a16:creationId xmlns:a16="http://schemas.microsoft.com/office/drawing/2014/main" id="{D4C6B991-E459-0A4A-B97B-0EA4430C1913}"/>
+              </a:ext>
+            </a:extLst>
+          </p:cNvPr>
+          <p:cNvSpPr txBox="1">
+            <a:spLocks/>
+          </p:cNvSpPr>
+          <p:nvPr/>
+        </p:nvSpPr>
+        <p:spPr>
+          <a:xfrm>
+            <a:off x="14810831" y="4096233"/>
+            <a:ext cx="7215968" cy="1046257"/>
+          </a:xfrm>
+          <a:prstGeom prst="rect">
+            <a:avLst/>
+          </a:prstGeom>
+        </p:spPr>
+        <p:txBody>
+          <a:bodyPr vert="horz" lIns="91440" tIns="45720" rIns="91440" bIns="45720" rtlCol="0">
+            <a:normAutofit/>
+          </a:bodyPr>
+          <a:lstStyle>
+            <a:lvl1pPr marL="457177" indent="-457177" algn="l" defTabSz="1828709" rtl="0" eaLnBrk="1" latinLnBrk="0" hangingPunct="1">
+              <a:lnSpc>
+                <a:spcPct val="90000"/>
+              </a:lnSpc>
+              <a:spcBef>
+                <a:spcPts val="2000"/>
+              </a:spcBef>
+              <a:buFont typeface="Arial" panose="020B0604020202020204" pitchFamily="34" charset="0"/>
+              <a:buChar char="•"/>
+              <a:defRPr sz="5600" kern="1200">
+                <a:solidFill>
+                  <a:schemeClr val="tx1"/>
+                </a:solidFill>
+                <a:latin typeface="+mn-lt"/>
+                <a:ea typeface="+mn-ea"/>
+                <a:cs typeface="+mn-cs"/>
+              </a:defRPr>
+            </a:lvl1pPr>
+            <a:lvl2pPr marL="1371531" indent="-457177" algn="l" defTabSz="1828709" rtl="0" eaLnBrk="1" latinLnBrk="0" hangingPunct="1">
+              <a:lnSpc>
+                <a:spcPct val="90000"/>
+              </a:lnSpc>
+              <a:spcBef>
+                <a:spcPts val="1000"/>
+              </a:spcBef>
+              <a:buFont typeface="Arial" panose="020B0604020202020204" pitchFamily="34" charset="0"/>
+              <a:buChar char="•"/>
+              <a:defRPr sz="4800" kern="1200">
+                <a:solidFill>
+                  <a:schemeClr val="tx1"/>
+                </a:solidFill>
+                <a:latin typeface="+mn-lt"/>
+                <a:ea typeface="+mn-ea"/>
+                <a:cs typeface="+mn-cs"/>
+              </a:defRPr>
+            </a:lvl2pPr>
+            <a:lvl3pPr marL="2285886" indent="-457177" algn="l" defTabSz="1828709" rtl="0" eaLnBrk="1" latinLnBrk="0" hangingPunct="1">
+              <a:lnSpc>
+                <a:spcPct val="90000"/>
+              </a:lnSpc>
+              <a:spcBef>
+                <a:spcPts val="1000"/>
+              </a:spcBef>
+              <a:buFont typeface="Arial" panose="020B0604020202020204" pitchFamily="34" charset="0"/>
+              <a:buChar char="•"/>
+              <a:defRPr sz="4000" kern="1200">
+                <a:solidFill>
+                  <a:schemeClr val="tx1"/>
+                </a:solidFill>
+                <a:latin typeface="+mn-lt"/>
+                <a:ea typeface="+mn-ea"/>
+                <a:cs typeface="+mn-cs"/>
+              </a:defRPr>
+            </a:lvl3pPr>
+            <a:lvl4pPr marL="3200240" indent="-457177" algn="l" defTabSz="1828709" rtl="0" eaLnBrk="1" latinLnBrk="0" hangingPunct="1">
+              <a:lnSpc>
+                <a:spcPct val="90000"/>
+              </a:lnSpc>
+              <a:spcBef>
+                <a:spcPts val="1000"/>
+              </a:spcBef>
+              <a:buFont typeface="Arial" panose="020B0604020202020204" pitchFamily="34" charset="0"/>
+              <a:buChar char="•"/>
+              <a:defRPr sz="3600" kern="1200">
+                <a:solidFill>
+                  <a:schemeClr val="tx1"/>
+                </a:solidFill>
+                <a:latin typeface="+mn-lt"/>
+                <a:ea typeface="+mn-ea"/>
+                <a:cs typeface="+mn-cs"/>
+              </a:defRPr>
+            </a:lvl4pPr>
+            <a:lvl5pPr marL="4114594" indent="-457177" algn="l" defTabSz="1828709" rtl="0" eaLnBrk="1" latinLnBrk="0" hangingPunct="1">
+              <a:lnSpc>
+                <a:spcPct val="90000"/>
+              </a:lnSpc>
+              <a:spcBef>
+                <a:spcPts val="1000"/>
+              </a:spcBef>
+              <a:buFont typeface="Arial" panose="020B0604020202020204" pitchFamily="34" charset="0"/>
+              <a:buChar char="•"/>
+              <a:defRPr sz="3600" kern="1200">
+                <a:solidFill>
+                  <a:schemeClr val="tx1"/>
+                </a:solidFill>
+                <a:latin typeface="+mn-lt"/>
+                <a:ea typeface="+mn-ea"/>
+                <a:cs typeface="+mn-cs"/>
+              </a:defRPr>
+            </a:lvl5pPr>
+            <a:lvl6pPr marL="5028949" indent="-457177" algn="l" defTabSz="1828709" rtl="0" eaLnBrk="1" latinLnBrk="0" hangingPunct="1">
+              <a:lnSpc>
+                <a:spcPct val="90000"/>
+              </a:lnSpc>
+              <a:spcBef>
+                <a:spcPts val="1000"/>
+              </a:spcBef>
+              <a:buFont typeface="Arial" panose="020B0604020202020204" pitchFamily="34" charset="0"/>
+              <a:buChar char="•"/>
+              <a:defRPr sz="3600" kern="1200">
+                <a:solidFill>
+                  <a:schemeClr val="tx1"/>
+                </a:solidFill>
+                <a:latin typeface="+mn-lt"/>
+                <a:ea typeface="+mn-ea"/>
+                <a:cs typeface="+mn-cs"/>
+              </a:defRPr>
+            </a:lvl6pPr>
+            <a:lvl7pPr marL="5943303" indent="-457177" algn="l" defTabSz="1828709" rtl="0" eaLnBrk="1" latinLnBrk="0" hangingPunct="1">
+              <a:lnSpc>
+                <a:spcPct val="90000"/>
+              </a:lnSpc>
+              <a:spcBef>
+                <a:spcPts val="1000"/>
+              </a:spcBef>
+              <a:buFont typeface="Arial" panose="020B0604020202020204" pitchFamily="34" charset="0"/>
+              <a:buChar char="•"/>
+              <a:defRPr sz="3600" kern="1200">
+                <a:solidFill>
+                  <a:schemeClr val="tx1"/>
+                </a:solidFill>
+                <a:latin typeface="+mn-lt"/>
+                <a:ea typeface="+mn-ea"/>
+                <a:cs typeface="+mn-cs"/>
+              </a:defRPr>
+            </a:lvl7pPr>
+            <a:lvl8pPr marL="6857657" indent="-457177" algn="l" defTabSz="1828709" rtl="0" eaLnBrk="1" latinLnBrk="0" hangingPunct="1">
+              <a:lnSpc>
+                <a:spcPct val="90000"/>
+              </a:lnSpc>
+              <a:spcBef>
+                <a:spcPts val="1000"/>
+              </a:spcBef>
+              <a:buFont typeface="Arial" panose="020B0604020202020204" pitchFamily="34" charset="0"/>
+              <a:buChar char="•"/>
+              <a:defRPr sz="3600" kern="1200">
+                <a:solidFill>
+                  <a:schemeClr val="tx1"/>
+                </a:solidFill>
+                <a:latin typeface="+mn-lt"/>
+                <a:ea typeface="+mn-ea"/>
+                <a:cs typeface="+mn-cs"/>
+              </a:defRPr>
+            </a:lvl8pPr>
+            <a:lvl9pPr marL="7772011" indent="-457177" algn="l" defTabSz="1828709" rtl="0" eaLnBrk="1" latinLnBrk="0" hangingPunct="1">
+              <a:lnSpc>
+                <a:spcPct val="90000"/>
+              </a:lnSpc>
+              <a:spcBef>
+                <a:spcPts val="1000"/>
+              </a:spcBef>
+              <a:buFont typeface="Arial" panose="020B0604020202020204" pitchFamily="34" charset="0"/>
+              <a:buChar char="•"/>
+              <a:defRPr sz="3600" kern="1200">
+                <a:solidFill>
+                  <a:schemeClr val="tx1"/>
+                </a:solidFill>
+                <a:latin typeface="+mn-lt"/>
+                <a:ea typeface="+mn-ea"/>
+                <a:cs typeface="+mn-cs"/>
+              </a:defRPr>
+            </a:lvl9pPr>
+          </a:lstStyle>
+          <a:p>
+            <a:pPr marL="0" indent="0" algn="ctr">
+              <a:buFont typeface="Arial" panose="020B0604020202020204" pitchFamily="34" charset="0"/>
+              <a:buNone/>
+            </a:pPr>
+            <a:r>
+              <a:rPr lang="en-US" sz="6600" dirty="0">
+                <a:solidFill>
+                  <a:schemeClr val="bg1"/>
+                </a:solidFill>
+                <a:latin typeface="CMU Serif Roman" panose="02000603000000000000" pitchFamily="2" charset="0"/>
+                <a:ea typeface="CMU Serif Roman" panose="02000603000000000000" pitchFamily="2" charset="0"/>
+                <a:cs typeface="CMU Serif Roman" panose="02000603000000000000" pitchFamily="2" charset="0"/>
+              </a:rPr>
+              <a:t>v</a:t>
+            </a:r>
+            <a:r>
+              <a:rPr lang="en-SE" sz="6600" dirty="0">
+                <a:solidFill>
+                  <a:schemeClr val="bg1"/>
+                </a:solidFill>
+                <a:latin typeface="CMU Serif Roman" panose="02000603000000000000" pitchFamily="2" charset="0"/>
+                <a:ea typeface="CMU Serif Roman" panose="02000603000000000000" pitchFamily="2" charset="0"/>
+                <a:cs typeface="CMU Serif Roman" panose="02000603000000000000" pitchFamily="2" charset="0"/>
+              </a:rPr>
+              <a:t>1.0</a:t>
+            </a:r>
           </a:p>
         </p:txBody>
       </p:sp>
@@ -11213,18 +16048,1606 @@
   <p:clrMapOvr>
     <a:masterClrMapping/>
   </p:clrMapOvr>
-  <mc:AlternateContent xmlns:mc="http://schemas.openxmlformats.org/markup-compatibility/2006">
-    <mc:Choice xmlns:p159="http://schemas.microsoft.com/office/powerpoint/2015/09/main" Requires="p159">
+  <mc:AlternateContent xmlns:mc="http://schemas.openxmlformats.org/markup-compatibility/2006" xmlns:p159="http://schemas.microsoft.com/office/powerpoint/2015/09/main">
+    <mc:Choice Requires="p159">
       <p:transition xmlns:p14="http://schemas.microsoft.com/office/powerpoint/2010/main" spd="slow" p14:dur="2000">
         <p159:morph option="byObject"/>
       </p:transition>
     </mc:Choice>
-    <mc:Fallback>
+    <mc:Fallback xmlns="">
       <p:transition spd="slow">
         <p:fade/>
       </p:transition>
     </mc:Fallback>
   </mc:AlternateContent>
+  <p:timing>
+    <p:tnLst>
+      <p:par>
+        <p:cTn id="1" dur="indefinite" restart="never" nodeType="tmRoot">
+          <p:childTnLst>
+            <p:seq concurrent="1" nextAc="seek">
+              <p:cTn id="2" dur="indefinite" nodeType="mainSeq">
+                <p:childTnLst>
+                  <p:par>
+                    <p:cTn id="3" fill="hold">
+                      <p:stCondLst>
+                        <p:cond delay="indefinite"/>
+                      </p:stCondLst>
+                      <p:childTnLst>
+                        <p:par>
+                          <p:cTn id="4" fill="hold">
+                            <p:stCondLst>
+                              <p:cond delay="0"/>
+                            </p:stCondLst>
+                            <p:childTnLst>
+                              <p:par>
+                                <p:cTn id="5" presetID="10" presetClass="entr" presetSubtype="0" fill="hold" grpId="0" nodeType="clickEffect">
+                                  <p:stCondLst>
+                                    <p:cond delay="0"/>
+                                  </p:stCondLst>
+                                  <p:childTnLst>
+                                    <p:set>
+                                      <p:cBhvr>
+                                        <p:cTn id="6" dur="1" fill="hold">
+                                          <p:stCondLst>
+                                            <p:cond delay="0"/>
+                                          </p:stCondLst>
+                                        </p:cTn>
+                                        <p:tgtEl>
+                                          <p:spTgt spid="40"/>
+                                        </p:tgtEl>
+                                        <p:attrNameLst>
+                                          <p:attrName>style.visibility</p:attrName>
+                                        </p:attrNameLst>
+                                      </p:cBhvr>
+                                      <p:to>
+                                        <p:strVal val="visible"/>
+                                      </p:to>
+                                    </p:set>
+                                    <p:animEffect transition="in" filter="fade">
+                                      <p:cBhvr>
+                                        <p:cTn id="7" dur="1000"/>
+                                        <p:tgtEl>
+                                          <p:spTgt spid="40"/>
+                                        </p:tgtEl>
+                                      </p:cBhvr>
+                                    </p:animEffect>
+                                  </p:childTnLst>
+                                </p:cTn>
+                              </p:par>
+                              <p:par>
+                                <p:cTn id="8" presetID="10" presetClass="entr" presetSubtype="0" fill="hold" grpId="0" nodeType="withEffect">
+                                  <p:stCondLst>
+                                    <p:cond delay="0"/>
+                                  </p:stCondLst>
+                                  <p:childTnLst>
+                                    <p:set>
+                                      <p:cBhvr>
+                                        <p:cTn id="9" dur="1" fill="hold">
+                                          <p:stCondLst>
+                                            <p:cond delay="0"/>
+                                          </p:stCondLst>
+                                        </p:cTn>
+                                        <p:tgtEl>
+                                          <p:spTgt spid="39"/>
+                                        </p:tgtEl>
+                                        <p:attrNameLst>
+                                          <p:attrName>style.visibility</p:attrName>
+                                        </p:attrNameLst>
+                                      </p:cBhvr>
+                                      <p:to>
+                                        <p:strVal val="visible"/>
+                                      </p:to>
+                                    </p:set>
+                                    <p:animEffect transition="in" filter="fade">
+                                      <p:cBhvr>
+                                        <p:cTn id="10" dur="1000"/>
+                                        <p:tgtEl>
+                                          <p:spTgt spid="39"/>
+                                        </p:tgtEl>
+                                      </p:cBhvr>
+                                    </p:animEffect>
+                                  </p:childTnLst>
+                                </p:cTn>
+                              </p:par>
+                              <p:par>
+                                <p:cTn id="11" presetID="10" presetClass="entr" presetSubtype="0" fill="hold" grpId="0" nodeType="withEffect">
+                                  <p:stCondLst>
+                                    <p:cond delay="0"/>
+                                  </p:stCondLst>
+                                  <p:childTnLst>
+                                    <p:set>
+                                      <p:cBhvr>
+                                        <p:cTn id="12" dur="1" fill="hold">
+                                          <p:stCondLst>
+                                            <p:cond delay="0"/>
+                                          </p:stCondLst>
+                                        </p:cTn>
+                                        <p:tgtEl>
+                                          <p:spTgt spid="38"/>
+                                        </p:tgtEl>
+                                        <p:attrNameLst>
+                                          <p:attrName>style.visibility</p:attrName>
+                                        </p:attrNameLst>
+                                      </p:cBhvr>
+                                      <p:to>
+                                        <p:strVal val="visible"/>
+                                      </p:to>
+                                    </p:set>
+                                    <p:animEffect transition="in" filter="fade">
+                                      <p:cBhvr>
+                                        <p:cTn id="13" dur="1000"/>
+                                        <p:tgtEl>
+                                          <p:spTgt spid="38"/>
+                                        </p:tgtEl>
+                                      </p:cBhvr>
+                                    </p:animEffect>
+                                  </p:childTnLst>
+                                </p:cTn>
+                              </p:par>
+                              <p:par>
+                                <p:cTn id="14" presetID="10" presetClass="entr" presetSubtype="0" fill="hold" grpId="0" nodeType="withEffect">
+                                  <p:stCondLst>
+                                    <p:cond delay="0"/>
+                                  </p:stCondLst>
+                                  <p:childTnLst>
+                                    <p:set>
+                                      <p:cBhvr>
+                                        <p:cTn id="15" dur="1" fill="hold">
+                                          <p:stCondLst>
+                                            <p:cond delay="0"/>
+                                          </p:stCondLst>
+                                        </p:cTn>
+                                        <p:tgtEl>
+                                          <p:spTgt spid="37"/>
+                                        </p:tgtEl>
+                                        <p:attrNameLst>
+                                          <p:attrName>style.visibility</p:attrName>
+                                        </p:attrNameLst>
+                                      </p:cBhvr>
+                                      <p:to>
+                                        <p:strVal val="visible"/>
+                                      </p:to>
+                                    </p:set>
+                                    <p:animEffect transition="in" filter="fade">
+                                      <p:cBhvr>
+                                        <p:cTn id="16" dur="1000"/>
+                                        <p:tgtEl>
+                                          <p:spTgt spid="37"/>
+                                        </p:tgtEl>
+                                      </p:cBhvr>
+                                    </p:animEffect>
+                                  </p:childTnLst>
+                                </p:cTn>
+                              </p:par>
+                              <p:par>
+                                <p:cTn id="17" presetID="10" presetClass="entr" presetSubtype="0" fill="hold" grpId="0" nodeType="withEffect">
+                                  <p:stCondLst>
+                                    <p:cond delay="0"/>
+                                  </p:stCondLst>
+                                  <p:childTnLst>
+                                    <p:set>
+                                      <p:cBhvr>
+                                        <p:cTn id="18" dur="1" fill="hold">
+                                          <p:stCondLst>
+                                            <p:cond delay="0"/>
+                                          </p:stCondLst>
+                                        </p:cTn>
+                                        <p:tgtEl>
+                                          <p:spTgt spid="36"/>
+                                        </p:tgtEl>
+                                        <p:attrNameLst>
+                                          <p:attrName>style.visibility</p:attrName>
+                                        </p:attrNameLst>
+                                      </p:cBhvr>
+                                      <p:to>
+                                        <p:strVal val="visible"/>
+                                      </p:to>
+                                    </p:set>
+                                    <p:animEffect transition="in" filter="fade">
+                                      <p:cBhvr>
+                                        <p:cTn id="19" dur="1000"/>
+                                        <p:tgtEl>
+                                          <p:spTgt spid="36"/>
+                                        </p:tgtEl>
+                                      </p:cBhvr>
+                                    </p:animEffect>
+                                  </p:childTnLst>
+                                </p:cTn>
+                              </p:par>
+                              <p:par>
+                                <p:cTn id="20" presetID="10" presetClass="entr" presetSubtype="0" fill="hold" grpId="0" nodeType="withEffect">
+                                  <p:stCondLst>
+                                    <p:cond delay="0"/>
+                                  </p:stCondLst>
+                                  <p:childTnLst>
+                                    <p:set>
+                                      <p:cBhvr>
+                                        <p:cTn id="21" dur="1" fill="hold">
+                                          <p:stCondLst>
+                                            <p:cond delay="0"/>
+                                          </p:stCondLst>
+                                        </p:cTn>
+                                        <p:tgtEl>
+                                          <p:spTgt spid="31">
+                                            <p:txEl>
+                                              <p:pRg st="0" end="0"/>
+                                            </p:txEl>
+                                          </p:spTgt>
+                                        </p:tgtEl>
+                                        <p:attrNameLst>
+                                          <p:attrName>style.visibility</p:attrName>
+                                        </p:attrNameLst>
+                                      </p:cBhvr>
+                                      <p:to>
+                                        <p:strVal val="visible"/>
+                                      </p:to>
+                                    </p:set>
+                                    <p:animEffect transition="in" filter="fade">
+                                      <p:cBhvr>
+                                        <p:cTn id="22" dur="1000"/>
+                                        <p:tgtEl>
+                                          <p:spTgt spid="31">
+                                            <p:txEl>
+                                              <p:pRg st="0" end="0"/>
+                                            </p:txEl>
+                                          </p:spTgt>
+                                        </p:tgtEl>
+                                      </p:cBhvr>
+                                    </p:animEffect>
+                                  </p:childTnLst>
+                                </p:cTn>
+                              </p:par>
+                              <p:par>
+                                <p:cTn id="23" presetID="10" presetClass="entr" presetSubtype="0" fill="hold" grpId="0" nodeType="withEffect">
+                                  <p:stCondLst>
+                                    <p:cond delay="0"/>
+                                  </p:stCondLst>
+                                  <p:childTnLst>
+                                    <p:set>
+                                      <p:cBhvr>
+                                        <p:cTn id="24" dur="1" fill="hold">
+                                          <p:stCondLst>
+                                            <p:cond delay="0"/>
+                                          </p:stCondLst>
+                                        </p:cTn>
+                                        <p:tgtEl>
+                                          <p:spTgt spid="32"/>
+                                        </p:tgtEl>
+                                        <p:attrNameLst>
+                                          <p:attrName>style.visibility</p:attrName>
+                                        </p:attrNameLst>
+                                      </p:cBhvr>
+                                      <p:to>
+                                        <p:strVal val="visible"/>
+                                      </p:to>
+                                    </p:set>
+                                    <p:animEffect transition="in" filter="fade">
+                                      <p:cBhvr>
+                                        <p:cTn id="25" dur="1000"/>
+                                        <p:tgtEl>
+                                          <p:spTgt spid="32"/>
+                                        </p:tgtEl>
+                                      </p:cBhvr>
+                                    </p:animEffect>
+                                  </p:childTnLst>
+                                </p:cTn>
+                              </p:par>
+                              <p:par>
+                                <p:cTn id="26" presetID="10" presetClass="entr" presetSubtype="0" fill="hold" grpId="0" nodeType="withEffect">
+                                  <p:stCondLst>
+                                    <p:cond delay="0"/>
+                                  </p:stCondLst>
+                                  <p:childTnLst>
+                                    <p:set>
+                                      <p:cBhvr>
+                                        <p:cTn id="27" dur="1" fill="hold">
+                                          <p:stCondLst>
+                                            <p:cond delay="0"/>
+                                          </p:stCondLst>
+                                        </p:cTn>
+                                        <p:tgtEl>
+                                          <p:spTgt spid="33"/>
+                                        </p:tgtEl>
+                                        <p:attrNameLst>
+                                          <p:attrName>style.visibility</p:attrName>
+                                        </p:attrNameLst>
+                                      </p:cBhvr>
+                                      <p:to>
+                                        <p:strVal val="visible"/>
+                                      </p:to>
+                                    </p:set>
+                                    <p:animEffect transition="in" filter="fade">
+                                      <p:cBhvr>
+                                        <p:cTn id="28" dur="1000"/>
+                                        <p:tgtEl>
+                                          <p:spTgt spid="33"/>
+                                        </p:tgtEl>
+                                      </p:cBhvr>
+                                    </p:animEffect>
+                                  </p:childTnLst>
+                                </p:cTn>
+                              </p:par>
+                              <p:par>
+                                <p:cTn id="29" presetID="10" presetClass="entr" presetSubtype="0" fill="hold" grpId="0" nodeType="withEffect">
+                                  <p:stCondLst>
+                                    <p:cond delay="0"/>
+                                  </p:stCondLst>
+                                  <p:childTnLst>
+                                    <p:set>
+                                      <p:cBhvr>
+                                        <p:cTn id="30" dur="1" fill="hold">
+                                          <p:stCondLst>
+                                            <p:cond delay="0"/>
+                                          </p:stCondLst>
+                                        </p:cTn>
+                                        <p:tgtEl>
+                                          <p:spTgt spid="34"/>
+                                        </p:tgtEl>
+                                        <p:attrNameLst>
+                                          <p:attrName>style.visibility</p:attrName>
+                                        </p:attrNameLst>
+                                      </p:cBhvr>
+                                      <p:to>
+                                        <p:strVal val="visible"/>
+                                      </p:to>
+                                    </p:set>
+                                    <p:animEffect transition="in" filter="fade">
+                                      <p:cBhvr>
+                                        <p:cTn id="31" dur="1000"/>
+                                        <p:tgtEl>
+                                          <p:spTgt spid="34"/>
+                                        </p:tgtEl>
+                                      </p:cBhvr>
+                                    </p:animEffect>
+                                  </p:childTnLst>
+                                </p:cTn>
+                              </p:par>
+                              <p:par>
+                                <p:cTn id="32" presetID="10" presetClass="entr" presetSubtype="0" fill="hold" grpId="0" nodeType="withEffect">
+                                  <p:stCondLst>
+                                    <p:cond delay="0"/>
+                                  </p:stCondLst>
+                                  <p:childTnLst>
+                                    <p:set>
+                                      <p:cBhvr>
+                                        <p:cTn id="33" dur="1" fill="hold">
+                                          <p:stCondLst>
+                                            <p:cond delay="0"/>
+                                          </p:stCondLst>
+                                        </p:cTn>
+                                        <p:tgtEl>
+                                          <p:spTgt spid="35"/>
+                                        </p:tgtEl>
+                                        <p:attrNameLst>
+                                          <p:attrName>style.visibility</p:attrName>
+                                        </p:attrNameLst>
+                                      </p:cBhvr>
+                                      <p:to>
+                                        <p:strVal val="visible"/>
+                                      </p:to>
+                                    </p:set>
+                                    <p:animEffect transition="in" filter="fade">
+                                      <p:cBhvr>
+                                        <p:cTn id="34" dur="1000"/>
+                                        <p:tgtEl>
+                                          <p:spTgt spid="35"/>
+                                        </p:tgtEl>
+                                      </p:cBhvr>
+                                    </p:animEffect>
+                                  </p:childTnLst>
+                                </p:cTn>
+                              </p:par>
+                              <p:par>
+                                <p:cTn id="35" presetID="21" presetClass="entr" presetSubtype="2" fill="hold" grpId="0" nodeType="withEffect">
+                                  <p:stCondLst>
+                                    <p:cond delay="0"/>
+                                  </p:stCondLst>
+                                  <p:childTnLst>
+                                    <p:set>
+                                      <p:cBhvr>
+                                        <p:cTn id="36" dur="1" fill="hold">
+                                          <p:stCondLst>
+                                            <p:cond delay="0"/>
+                                          </p:stCondLst>
+                                        </p:cTn>
+                                        <p:tgtEl>
+                                          <p:spTgt spid="4"/>
+                                        </p:tgtEl>
+                                        <p:attrNameLst>
+                                          <p:attrName>style.visibility</p:attrName>
+                                        </p:attrNameLst>
+                                      </p:cBhvr>
+                                      <p:to>
+                                        <p:strVal val="visible"/>
+                                      </p:to>
+                                    </p:set>
+                                    <p:animEffect transition="in" filter="wheel(2)">
+                                      <p:cBhvr>
+                                        <p:cTn id="37" dur="1000"/>
+                                        <p:tgtEl>
+                                          <p:spTgt spid="4"/>
+                                        </p:tgtEl>
+                                      </p:cBhvr>
+                                    </p:animEffect>
+                                  </p:childTnLst>
+                                </p:cTn>
+                              </p:par>
+                              <p:par>
+                                <p:cTn id="38" presetID="21" presetClass="entr" presetSubtype="2" fill="hold" grpId="0" nodeType="withEffect">
+                                  <p:stCondLst>
+                                    <p:cond delay="0"/>
+                                  </p:stCondLst>
+                                  <p:childTnLst>
+                                    <p:set>
+                                      <p:cBhvr>
+                                        <p:cTn id="39" dur="1" fill="hold">
+                                          <p:stCondLst>
+                                            <p:cond delay="0"/>
+                                          </p:stCondLst>
+                                        </p:cTn>
+                                        <p:tgtEl>
+                                          <p:spTgt spid="29"/>
+                                        </p:tgtEl>
+                                        <p:attrNameLst>
+                                          <p:attrName>style.visibility</p:attrName>
+                                        </p:attrNameLst>
+                                      </p:cBhvr>
+                                      <p:to>
+                                        <p:strVal val="visible"/>
+                                      </p:to>
+                                    </p:set>
+                                    <p:animEffect transition="in" filter="wheel(2)">
+                                      <p:cBhvr>
+                                        <p:cTn id="40" dur="1000"/>
+                                        <p:tgtEl>
+                                          <p:spTgt spid="29"/>
+                                        </p:tgtEl>
+                                      </p:cBhvr>
+                                    </p:animEffect>
+                                  </p:childTnLst>
+                                </p:cTn>
+                              </p:par>
+                              <p:par>
+                                <p:cTn id="41" presetID="21" presetClass="entr" presetSubtype="2" fill="hold" grpId="0" nodeType="withEffect">
+                                  <p:stCondLst>
+                                    <p:cond delay="0"/>
+                                  </p:stCondLst>
+                                  <p:childTnLst>
+                                    <p:set>
+                                      <p:cBhvr>
+                                        <p:cTn id="42" dur="1" fill="hold">
+                                          <p:stCondLst>
+                                            <p:cond delay="0"/>
+                                          </p:stCondLst>
+                                        </p:cTn>
+                                        <p:tgtEl>
+                                          <p:spTgt spid="28"/>
+                                        </p:tgtEl>
+                                        <p:attrNameLst>
+                                          <p:attrName>style.visibility</p:attrName>
+                                        </p:attrNameLst>
+                                      </p:cBhvr>
+                                      <p:to>
+                                        <p:strVal val="visible"/>
+                                      </p:to>
+                                    </p:set>
+                                    <p:animEffect transition="in" filter="wheel(2)">
+                                      <p:cBhvr>
+                                        <p:cTn id="43" dur="1000"/>
+                                        <p:tgtEl>
+                                          <p:spTgt spid="28"/>
+                                        </p:tgtEl>
+                                      </p:cBhvr>
+                                    </p:animEffect>
+                                  </p:childTnLst>
+                                </p:cTn>
+                              </p:par>
+                              <p:par>
+                                <p:cTn id="44" presetID="21" presetClass="entr" presetSubtype="2" fill="hold" grpId="0" nodeType="withEffect">
+                                  <p:stCondLst>
+                                    <p:cond delay="0"/>
+                                  </p:stCondLst>
+                                  <p:childTnLst>
+                                    <p:set>
+                                      <p:cBhvr>
+                                        <p:cTn id="45" dur="1" fill="hold">
+                                          <p:stCondLst>
+                                            <p:cond delay="0"/>
+                                          </p:stCondLst>
+                                        </p:cTn>
+                                        <p:tgtEl>
+                                          <p:spTgt spid="27"/>
+                                        </p:tgtEl>
+                                        <p:attrNameLst>
+                                          <p:attrName>style.visibility</p:attrName>
+                                        </p:attrNameLst>
+                                      </p:cBhvr>
+                                      <p:to>
+                                        <p:strVal val="visible"/>
+                                      </p:to>
+                                    </p:set>
+                                    <p:animEffect transition="in" filter="wheel(2)">
+                                      <p:cBhvr>
+                                        <p:cTn id="46" dur="1000"/>
+                                        <p:tgtEl>
+                                          <p:spTgt spid="27"/>
+                                        </p:tgtEl>
+                                      </p:cBhvr>
+                                    </p:animEffect>
+                                  </p:childTnLst>
+                                </p:cTn>
+                              </p:par>
+                              <p:par>
+                                <p:cTn id="47" presetID="21" presetClass="entr" presetSubtype="2" fill="hold" grpId="0" nodeType="withEffect">
+                                  <p:stCondLst>
+                                    <p:cond delay="0"/>
+                                  </p:stCondLst>
+                                  <p:childTnLst>
+                                    <p:set>
+                                      <p:cBhvr>
+                                        <p:cTn id="48" dur="1" fill="hold">
+                                          <p:stCondLst>
+                                            <p:cond delay="0"/>
+                                          </p:stCondLst>
+                                        </p:cTn>
+                                        <p:tgtEl>
+                                          <p:spTgt spid="26"/>
+                                        </p:tgtEl>
+                                        <p:attrNameLst>
+                                          <p:attrName>style.visibility</p:attrName>
+                                        </p:attrNameLst>
+                                      </p:cBhvr>
+                                      <p:to>
+                                        <p:strVal val="visible"/>
+                                      </p:to>
+                                    </p:set>
+                                    <p:animEffect transition="in" filter="wheel(2)">
+                                      <p:cBhvr>
+                                        <p:cTn id="49" dur="1000"/>
+                                        <p:tgtEl>
+                                          <p:spTgt spid="26"/>
+                                        </p:tgtEl>
+                                      </p:cBhvr>
+                                    </p:animEffect>
+                                  </p:childTnLst>
+                                </p:cTn>
+                              </p:par>
+                              <p:par>
+                                <p:cTn id="50" presetID="21" presetClass="entr" presetSubtype="2" fill="hold" grpId="0" nodeType="withEffect">
+                                  <p:stCondLst>
+                                    <p:cond delay="0"/>
+                                  </p:stCondLst>
+                                  <p:childTnLst>
+                                    <p:set>
+                                      <p:cBhvr>
+                                        <p:cTn id="51" dur="1" fill="hold">
+                                          <p:stCondLst>
+                                            <p:cond delay="0"/>
+                                          </p:stCondLst>
+                                        </p:cTn>
+                                        <p:tgtEl>
+                                          <p:spTgt spid="25"/>
+                                        </p:tgtEl>
+                                        <p:attrNameLst>
+                                          <p:attrName>style.visibility</p:attrName>
+                                        </p:attrNameLst>
+                                      </p:cBhvr>
+                                      <p:to>
+                                        <p:strVal val="visible"/>
+                                      </p:to>
+                                    </p:set>
+                                    <p:animEffect transition="in" filter="wheel(2)">
+                                      <p:cBhvr>
+                                        <p:cTn id="52" dur="1000"/>
+                                        <p:tgtEl>
+                                          <p:spTgt spid="25"/>
+                                        </p:tgtEl>
+                                      </p:cBhvr>
+                                    </p:animEffect>
+                                  </p:childTnLst>
+                                </p:cTn>
+                              </p:par>
+                              <p:par>
+                                <p:cTn id="53" presetID="21" presetClass="entr" presetSubtype="2" fill="hold" grpId="0" nodeType="withEffect">
+                                  <p:stCondLst>
+                                    <p:cond delay="0"/>
+                                  </p:stCondLst>
+                                  <p:childTnLst>
+                                    <p:set>
+                                      <p:cBhvr>
+                                        <p:cTn id="54" dur="1" fill="hold">
+                                          <p:stCondLst>
+                                            <p:cond delay="0"/>
+                                          </p:stCondLst>
+                                        </p:cTn>
+                                        <p:tgtEl>
+                                          <p:spTgt spid="24"/>
+                                        </p:tgtEl>
+                                        <p:attrNameLst>
+                                          <p:attrName>style.visibility</p:attrName>
+                                        </p:attrNameLst>
+                                      </p:cBhvr>
+                                      <p:to>
+                                        <p:strVal val="visible"/>
+                                      </p:to>
+                                    </p:set>
+                                    <p:animEffect transition="in" filter="wheel(2)">
+                                      <p:cBhvr>
+                                        <p:cTn id="55" dur="1000"/>
+                                        <p:tgtEl>
+                                          <p:spTgt spid="24"/>
+                                        </p:tgtEl>
+                                      </p:cBhvr>
+                                    </p:animEffect>
+                                  </p:childTnLst>
+                                </p:cTn>
+                              </p:par>
+                              <p:par>
+                                <p:cTn id="56" presetID="21" presetClass="entr" presetSubtype="2" fill="hold" grpId="0" nodeType="withEffect">
+                                  <p:stCondLst>
+                                    <p:cond delay="0"/>
+                                  </p:stCondLst>
+                                  <p:childTnLst>
+                                    <p:set>
+                                      <p:cBhvr>
+                                        <p:cTn id="57" dur="1" fill="hold">
+                                          <p:stCondLst>
+                                            <p:cond delay="0"/>
+                                          </p:stCondLst>
+                                        </p:cTn>
+                                        <p:tgtEl>
+                                          <p:spTgt spid="23"/>
+                                        </p:tgtEl>
+                                        <p:attrNameLst>
+                                          <p:attrName>style.visibility</p:attrName>
+                                        </p:attrNameLst>
+                                      </p:cBhvr>
+                                      <p:to>
+                                        <p:strVal val="visible"/>
+                                      </p:to>
+                                    </p:set>
+                                    <p:animEffect transition="in" filter="wheel(2)">
+                                      <p:cBhvr>
+                                        <p:cTn id="58" dur="1000"/>
+                                        <p:tgtEl>
+                                          <p:spTgt spid="23"/>
+                                        </p:tgtEl>
+                                      </p:cBhvr>
+                                    </p:animEffect>
+                                  </p:childTnLst>
+                                </p:cTn>
+                              </p:par>
+                              <p:par>
+                                <p:cTn id="59" presetID="21" presetClass="entr" presetSubtype="2" fill="hold" grpId="0" nodeType="withEffect">
+                                  <p:stCondLst>
+                                    <p:cond delay="0"/>
+                                  </p:stCondLst>
+                                  <p:childTnLst>
+                                    <p:set>
+                                      <p:cBhvr>
+                                        <p:cTn id="60" dur="1" fill="hold">
+                                          <p:stCondLst>
+                                            <p:cond delay="0"/>
+                                          </p:stCondLst>
+                                        </p:cTn>
+                                        <p:tgtEl>
+                                          <p:spTgt spid="22"/>
+                                        </p:tgtEl>
+                                        <p:attrNameLst>
+                                          <p:attrName>style.visibility</p:attrName>
+                                        </p:attrNameLst>
+                                      </p:cBhvr>
+                                      <p:to>
+                                        <p:strVal val="visible"/>
+                                      </p:to>
+                                    </p:set>
+                                    <p:animEffect transition="in" filter="wheel(2)">
+                                      <p:cBhvr>
+                                        <p:cTn id="61" dur="1000"/>
+                                        <p:tgtEl>
+                                          <p:spTgt spid="22"/>
+                                        </p:tgtEl>
+                                      </p:cBhvr>
+                                    </p:animEffect>
+                                  </p:childTnLst>
+                                </p:cTn>
+                              </p:par>
+                              <p:par>
+                                <p:cTn id="62" presetID="21" presetClass="entr" presetSubtype="2" fill="hold" grpId="0" nodeType="withEffect">
+                                  <p:stCondLst>
+                                    <p:cond delay="0"/>
+                                  </p:stCondLst>
+                                  <p:childTnLst>
+                                    <p:set>
+                                      <p:cBhvr>
+                                        <p:cTn id="63" dur="1" fill="hold">
+                                          <p:stCondLst>
+                                            <p:cond delay="0"/>
+                                          </p:stCondLst>
+                                        </p:cTn>
+                                        <p:tgtEl>
+                                          <p:spTgt spid="21"/>
+                                        </p:tgtEl>
+                                        <p:attrNameLst>
+                                          <p:attrName>style.visibility</p:attrName>
+                                        </p:attrNameLst>
+                                      </p:cBhvr>
+                                      <p:to>
+                                        <p:strVal val="visible"/>
+                                      </p:to>
+                                    </p:set>
+                                    <p:animEffect transition="in" filter="wheel(2)">
+                                      <p:cBhvr>
+                                        <p:cTn id="64" dur="1000"/>
+                                        <p:tgtEl>
+                                          <p:spTgt spid="21"/>
+                                        </p:tgtEl>
+                                      </p:cBhvr>
+                                    </p:animEffect>
+                                  </p:childTnLst>
+                                </p:cTn>
+                              </p:par>
+                              <p:par>
+                                <p:cTn id="65" presetID="21" presetClass="entr" presetSubtype="2" fill="hold" grpId="0" nodeType="withEffect">
+                                  <p:stCondLst>
+                                    <p:cond delay="0"/>
+                                  </p:stCondLst>
+                                  <p:childTnLst>
+                                    <p:set>
+                                      <p:cBhvr>
+                                        <p:cTn id="66" dur="1" fill="hold">
+                                          <p:stCondLst>
+                                            <p:cond delay="0"/>
+                                          </p:stCondLst>
+                                        </p:cTn>
+                                        <p:tgtEl>
+                                          <p:spTgt spid="20"/>
+                                        </p:tgtEl>
+                                        <p:attrNameLst>
+                                          <p:attrName>style.visibility</p:attrName>
+                                        </p:attrNameLst>
+                                      </p:cBhvr>
+                                      <p:to>
+                                        <p:strVal val="visible"/>
+                                      </p:to>
+                                    </p:set>
+                                    <p:animEffect transition="in" filter="wheel(2)">
+                                      <p:cBhvr>
+                                        <p:cTn id="67" dur="1000"/>
+                                        <p:tgtEl>
+                                          <p:spTgt spid="20"/>
+                                        </p:tgtEl>
+                                      </p:cBhvr>
+                                    </p:animEffect>
+                                  </p:childTnLst>
+                                </p:cTn>
+                              </p:par>
+                              <p:par>
+                                <p:cTn id="68" presetID="21" presetClass="entr" presetSubtype="2" fill="hold" grpId="0" nodeType="withEffect">
+                                  <p:stCondLst>
+                                    <p:cond delay="0"/>
+                                  </p:stCondLst>
+                                  <p:childTnLst>
+                                    <p:set>
+                                      <p:cBhvr>
+                                        <p:cTn id="69" dur="1" fill="hold">
+                                          <p:stCondLst>
+                                            <p:cond delay="0"/>
+                                          </p:stCondLst>
+                                        </p:cTn>
+                                        <p:tgtEl>
+                                          <p:spTgt spid="19"/>
+                                        </p:tgtEl>
+                                        <p:attrNameLst>
+                                          <p:attrName>style.visibility</p:attrName>
+                                        </p:attrNameLst>
+                                      </p:cBhvr>
+                                      <p:to>
+                                        <p:strVal val="visible"/>
+                                      </p:to>
+                                    </p:set>
+                                    <p:animEffect transition="in" filter="wheel(2)">
+                                      <p:cBhvr>
+                                        <p:cTn id="70" dur="1000"/>
+                                        <p:tgtEl>
+                                          <p:spTgt spid="19"/>
+                                        </p:tgtEl>
+                                      </p:cBhvr>
+                                    </p:animEffect>
+                                  </p:childTnLst>
+                                </p:cTn>
+                              </p:par>
+                              <p:par>
+                                <p:cTn id="71" presetID="21" presetClass="entr" presetSubtype="2" fill="hold" grpId="0" nodeType="withEffect">
+                                  <p:stCondLst>
+                                    <p:cond delay="0"/>
+                                  </p:stCondLst>
+                                  <p:childTnLst>
+                                    <p:set>
+                                      <p:cBhvr>
+                                        <p:cTn id="72" dur="1" fill="hold">
+                                          <p:stCondLst>
+                                            <p:cond delay="0"/>
+                                          </p:stCondLst>
+                                        </p:cTn>
+                                        <p:tgtEl>
+                                          <p:spTgt spid="18"/>
+                                        </p:tgtEl>
+                                        <p:attrNameLst>
+                                          <p:attrName>style.visibility</p:attrName>
+                                        </p:attrNameLst>
+                                      </p:cBhvr>
+                                      <p:to>
+                                        <p:strVal val="visible"/>
+                                      </p:to>
+                                    </p:set>
+                                    <p:animEffect transition="in" filter="wheel(2)">
+                                      <p:cBhvr>
+                                        <p:cTn id="73" dur="1000"/>
+                                        <p:tgtEl>
+                                          <p:spTgt spid="18"/>
+                                        </p:tgtEl>
+                                      </p:cBhvr>
+                                    </p:animEffect>
+                                  </p:childTnLst>
+                                </p:cTn>
+                              </p:par>
+                              <p:par>
+                                <p:cTn id="74" presetID="21" presetClass="entr" presetSubtype="2" fill="hold" grpId="0" nodeType="withEffect">
+                                  <p:stCondLst>
+                                    <p:cond delay="0"/>
+                                  </p:stCondLst>
+                                  <p:childTnLst>
+                                    <p:set>
+                                      <p:cBhvr>
+                                        <p:cTn id="75" dur="1" fill="hold">
+                                          <p:stCondLst>
+                                            <p:cond delay="0"/>
+                                          </p:stCondLst>
+                                        </p:cTn>
+                                        <p:tgtEl>
+                                          <p:spTgt spid="17"/>
+                                        </p:tgtEl>
+                                        <p:attrNameLst>
+                                          <p:attrName>style.visibility</p:attrName>
+                                        </p:attrNameLst>
+                                      </p:cBhvr>
+                                      <p:to>
+                                        <p:strVal val="visible"/>
+                                      </p:to>
+                                    </p:set>
+                                    <p:animEffect transition="in" filter="wheel(2)">
+                                      <p:cBhvr>
+                                        <p:cTn id="76" dur="1000"/>
+                                        <p:tgtEl>
+                                          <p:spTgt spid="17"/>
+                                        </p:tgtEl>
+                                      </p:cBhvr>
+                                    </p:animEffect>
+                                  </p:childTnLst>
+                                </p:cTn>
+                              </p:par>
+                              <p:par>
+                                <p:cTn id="77" presetID="21" presetClass="entr" presetSubtype="2" fill="hold" grpId="0" nodeType="withEffect">
+                                  <p:stCondLst>
+                                    <p:cond delay="0"/>
+                                  </p:stCondLst>
+                                  <p:childTnLst>
+                                    <p:set>
+                                      <p:cBhvr>
+                                        <p:cTn id="78" dur="1" fill="hold">
+                                          <p:stCondLst>
+                                            <p:cond delay="0"/>
+                                          </p:stCondLst>
+                                        </p:cTn>
+                                        <p:tgtEl>
+                                          <p:spTgt spid="16"/>
+                                        </p:tgtEl>
+                                        <p:attrNameLst>
+                                          <p:attrName>style.visibility</p:attrName>
+                                        </p:attrNameLst>
+                                      </p:cBhvr>
+                                      <p:to>
+                                        <p:strVal val="visible"/>
+                                      </p:to>
+                                    </p:set>
+                                    <p:animEffect transition="in" filter="wheel(2)">
+                                      <p:cBhvr>
+                                        <p:cTn id="79" dur="1000"/>
+                                        <p:tgtEl>
+                                          <p:spTgt spid="16"/>
+                                        </p:tgtEl>
+                                      </p:cBhvr>
+                                    </p:animEffect>
+                                  </p:childTnLst>
+                                </p:cTn>
+                              </p:par>
+                              <p:par>
+                                <p:cTn id="80" presetID="21" presetClass="entr" presetSubtype="2" fill="hold" grpId="0" nodeType="withEffect">
+                                  <p:stCondLst>
+                                    <p:cond delay="0"/>
+                                  </p:stCondLst>
+                                  <p:childTnLst>
+                                    <p:set>
+                                      <p:cBhvr>
+                                        <p:cTn id="81" dur="1" fill="hold">
+                                          <p:stCondLst>
+                                            <p:cond delay="0"/>
+                                          </p:stCondLst>
+                                        </p:cTn>
+                                        <p:tgtEl>
+                                          <p:spTgt spid="15"/>
+                                        </p:tgtEl>
+                                        <p:attrNameLst>
+                                          <p:attrName>style.visibility</p:attrName>
+                                        </p:attrNameLst>
+                                      </p:cBhvr>
+                                      <p:to>
+                                        <p:strVal val="visible"/>
+                                      </p:to>
+                                    </p:set>
+                                    <p:animEffect transition="in" filter="wheel(2)">
+                                      <p:cBhvr>
+                                        <p:cTn id="82" dur="1000"/>
+                                        <p:tgtEl>
+                                          <p:spTgt spid="15"/>
+                                        </p:tgtEl>
+                                      </p:cBhvr>
+                                    </p:animEffect>
+                                  </p:childTnLst>
+                                </p:cTn>
+                              </p:par>
+                              <p:par>
+                                <p:cTn id="83" presetID="21" presetClass="entr" presetSubtype="2" fill="hold" grpId="0" nodeType="withEffect">
+                                  <p:stCondLst>
+                                    <p:cond delay="0"/>
+                                  </p:stCondLst>
+                                  <p:childTnLst>
+                                    <p:set>
+                                      <p:cBhvr>
+                                        <p:cTn id="84" dur="1" fill="hold">
+                                          <p:stCondLst>
+                                            <p:cond delay="0"/>
+                                          </p:stCondLst>
+                                        </p:cTn>
+                                        <p:tgtEl>
+                                          <p:spTgt spid="14"/>
+                                        </p:tgtEl>
+                                        <p:attrNameLst>
+                                          <p:attrName>style.visibility</p:attrName>
+                                        </p:attrNameLst>
+                                      </p:cBhvr>
+                                      <p:to>
+                                        <p:strVal val="visible"/>
+                                      </p:to>
+                                    </p:set>
+                                    <p:animEffect transition="in" filter="wheel(2)">
+                                      <p:cBhvr>
+                                        <p:cTn id="85" dur="1000"/>
+                                        <p:tgtEl>
+                                          <p:spTgt spid="14"/>
+                                        </p:tgtEl>
+                                      </p:cBhvr>
+                                    </p:animEffect>
+                                  </p:childTnLst>
+                                </p:cTn>
+                              </p:par>
+                              <p:par>
+                                <p:cTn id="86" presetID="21" presetClass="entr" presetSubtype="2" fill="hold" grpId="0" nodeType="withEffect">
+                                  <p:stCondLst>
+                                    <p:cond delay="0"/>
+                                  </p:stCondLst>
+                                  <p:childTnLst>
+                                    <p:set>
+                                      <p:cBhvr>
+                                        <p:cTn id="87" dur="1" fill="hold">
+                                          <p:stCondLst>
+                                            <p:cond delay="0"/>
+                                          </p:stCondLst>
+                                        </p:cTn>
+                                        <p:tgtEl>
+                                          <p:spTgt spid="12"/>
+                                        </p:tgtEl>
+                                        <p:attrNameLst>
+                                          <p:attrName>style.visibility</p:attrName>
+                                        </p:attrNameLst>
+                                      </p:cBhvr>
+                                      <p:to>
+                                        <p:strVal val="visible"/>
+                                      </p:to>
+                                    </p:set>
+                                    <p:animEffect transition="in" filter="wheel(2)">
+                                      <p:cBhvr>
+                                        <p:cTn id="88" dur="1000"/>
+                                        <p:tgtEl>
+                                          <p:spTgt spid="12"/>
+                                        </p:tgtEl>
+                                      </p:cBhvr>
+                                    </p:animEffect>
+                                  </p:childTnLst>
+                                </p:cTn>
+                              </p:par>
+                              <p:par>
+                                <p:cTn id="89" presetID="21" presetClass="entr" presetSubtype="2" fill="hold" grpId="0" nodeType="withEffect">
+                                  <p:stCondLst>
+                                    <p:cond delay="0"/>
+                                  </p:stCondLst>
+                                  <p:childTnLst>
+                                    <p:set>
+                                      <p:cBhvr>
+                                        <p:cTn id="90" dur="1" fill="hold">
+                                          <p:stCondLst>
+                                            <p:cond delay="0"/>
+                                          </p:stCondLst>
+                                        </p:cTn>
+                                        <p:tgtEl>
+                                          <p:spTgt spid="11"/>
+                                        </p:tgtEl>
+                                        <p:attrNameLst>
+                                          <p:attrName>style.visibility</p:attrName>
+                                        </p:attrNameLst>
+                                      </p:cBhvr>
+                                      <p:to>
+                                        <p:strVal val="visible"/>
+                                      </p:to>
+                                    </p:set>
+                                    <p:animEffect transition="in" filter="wheel(2)">
+                                      <p:cBhvr>
+                                        <p:cTn id="91" dur="1000"/>
+                                        <p:tgtEl>
+                                          <p:spTgt spid="11"/>
+                                        </p:tgtEl>
+                                      </p:cBhvr>
+                                    </p:animEffect>
+                                  </p:childTnLst>
+                                </p:cTn>
+                              </p:par>
+                              <p:par>
+                                <p:cTn id="92" presetID="21" presetClass="entr" presetSubtype="2" fill="hold" grpId="0" nodeType="withEffect">
+                                  <p:stCondLst>
+                                    <p:cond delay="0"/>
+                                  </p:stCondLst>
+                                  <p:childTnLst>
+                                    <p:set>
+                                      <p:cBhvr>
+                                        <p:cTn id="93" dur="1" fill="hold">
+                                          <p:stCondLst>
+                                            <p:cond delay="0"/>
+                                          </p:stCondLst>
+                                        </p:cTn>
+                                        <p:tgtEl>
+                                          <p:spTgt spid="10"/>
+                                        </p:tgtEl>
+                                        <p:attrNameLst>
+                                          <p:attrName>style.visibility</p:attrName>
+                                        </p:attrNameLst>
+                                      </p:cBhvr>
+                                      <p:to>
+                                        <p:strVal val="visible"/>
+                                      </p:to>
+                                    </p:set>
+                                    <p:animEffect transition="in" filter="wheel(2)">
+                                      <p:cBhvr>
+                                        <p:cTn id="94" dur="1000"/>
+                                        <p:tgtEl>
+                                          <p:spTgt spid="10"/>
+                                        </p:tgtEl>
+                                      </p:cBhvr>
+                                    </p:animEffect>
+                                  </p:childTnLst>
+                                </p:cTn>
+                              </p:par>
+                              <p:par>
+                                <p:cTn id="95" presetID="21" presetClass="entr" presetSubtype="2" fill="hold" grpId="0" nodeType="withEffect">
+                                  <p:stCondLst>
+                                    <p:cond delay="0"/>
+                                  </p:stCondLst>
+                                  <p:childTnLst>
+                                    <p:set>
+                                      <p:cBhvr>
+                                        <p:cTn id="96" dur="1" fill="hold">
+                                          <p:stCondLst>
+                                            <p:cond delay="0"/>
+                                          </p:stCondLst>
+                                        </p:cTn>
+                                        <p:tgtEl>
+                                          <p:spTgt spid="9"/>
+                                        </p:tgtEl>
+                                        <p:attrNameLst>
+                                          <p:attrName>style.visibility</p:attrName>
+                                        </p:attrNameLst>
+                                      </p:cBhvr>
+                                      <p:to>
+                                        <p:strVal val="visible"/>
+                                      </p:to>
+                                    </p:set>
+                                    <p:animEffect transition="in" filter="wheel(2)">
+                                      <p:cBhvr>
+                                        <p:cTn id="97" dur="1000"/>
+                                        <p:tgtEl>
+                                          <p:spTgt spid="9"/>
+                                        </p:tgtEl>
+                                      </p:cBhvr>
+                                    </p:animEffect>
+                                  </p:childTnLst>
+                                </p:cTn>
+                              </p:par>
+                              <p:par>
+                                <p:cTn id="98" presetID="21" presetClass="entr" presetSubtype="2" fill="hold" grpId="0" nodeType="withEffect">
+                                  <p:stCondLst>
+                                    <p:cond delay="0"/>
+                                  </p:stCondLst>
+                                  <p:childTnLst>
+                                    <p:set>
+                                      <p:cBhvr>
+                                        <p:cTn id="99" dur="1" fill="hold">
+                                          <p:stCondLst>
+                                            <p:cond delay="0"/>
+                                          </p:stCondLst>
+                                        </p:cTn>
+                                        <p:tgtEl>
+                                          <p:spTgt spid="8"/>
+                                        </p:tgtEl>
+                                        <p:attrNameLst>
+                                          <p:attrName>style.visibility</p:attrName>
+                                        </p:attrNameLst>
+                                      </p:cBhvr>
+                                      <p:to>
+                                        <p:strVal val="visible"/>
+                                      </p:to>
+                                    </p:set>
+                                    <p:animEffect transition="in" filter="wheel(2)">
+                                      <p:cBhvr>
+                                        <p:cTn id="100" dur="1000"/>
+                                        <p:tgtEl>
+                                          <p:spTgt spid="8"/>
+                                        </p:tgtEl>
+                                      </p:cBhvr>
+                                    </p:animEffect>
+                                  </p:childTnLst>
+                                </p:cTn>
+                              </p:par>
+                              <p:par>
+                                <p:cTn id="101" presetID="21" presetClass="entr" presetSubtype="2" fill="hold" grpId="0" nodeType="withEffect">
+                                  <p:stCondLst>
+                                    <p:cond delay="0"/>
+                                  </p:stCondLst>
+                                  <p:childTnLst>
+                                    <p:set>
+                                      <p:cBhvr>
+                                        <p:cTn id="102" dur="1" fill="hold">
+                                          <p:stCondLst>
+                                            <p:cond delay="0"/>
+                                          </p:stCondLst>
+                                        </p:cTn>
+                                        <p:tgtEl>
+                                          <p:spTgt spid="7"/>
+                                        </p:tgtEl>
+                                        <p:attrNameLst>
+                                          <p:attrName>style.visibility</p:attrName>
+                                        </p:attrNameLst>
+                                      </p:cBhvr>
+                                      <p:to>
+                                        <p:strVal val="visible"/>
+                                      </p:to>
+                                    </p:set>
+                                    <p:animEffect transition="in" filter="wheel(2)">
+                                      <p:cBhvr>
+                                        <p:cTn id="103" dur="1000"/>
+                                        <p:tgtEl>
+                                          <p:spTgt spid="7"/>
+                                        </p:tgtEl>
+                                      </p:cBhvr>
+                                    </p:animEffect>
+                                  </p:childTnLst>
+                                </p:cTn>
+                              </p:par>
+                              <p:par>
+                                <p:cTn id="104" presetID="21" presetClass="entr" presetSubtype="2" fill="hold" grpId="0" nodeType="withEffect">
+                                  <p:stCondLst>
+                                    <p:cond delay="0"/>
+                                  </p:stCondLst>
+                                  <p:childTnLst>
+                                    <p:set>
+                                      <p:cBhvr>
+                                        <p:cTn id="105" dur="1" fill="hold">
+                                          <p:stCondLst>
+                                            <p:cond delay="0"/>
+                                          </p:stCondLst>
+                                        </p:cTn>
+                                        <p:tgtEl>
+                                          <p:spTgt spid="6"/>
+                                        </p:tgtEl>
+                                        <p:attrNameLst>
+                                          <p:attrName>style.visibility</p:attrName>
+                                        </p:attrNameLst>
+                                      </p:cBhvr>
+                                      <p:to>
+                                        <p:strVal val="visible"/>
+                                      </p:to>
+                                    </p:set>
+                                    <p:animEffect transition="in" filter="wheel(2)">
+                                      <p:cBhvr>
+                                        <p:cTn id="106" dur="1000"/>
+                                        <p:tgtEl>
+                                          <p:spTgt spid="6"/>
+                                        </p:tgtEl>
+                                      </p:cBhvr>
+                                    </p:animEffect>
+                                  </p:childTnLst>
+                                </p:cTn>
+                              </p:par>
+                              <p:par>
+                                <p:cTn id="107" presetID="21" presetClass="entr" presetSubtype="2" fill="hold" grpId="0" nodeType="withEffect">
+                                  <p:stCondLst>
+                                    <p:cond delay="0"/>
+                                  </p:stCondLst>
+                                  <p:childTnLst>
+                                    <p:set>
+                                      <p:cBhvr>
+                                        <p:cTn id="108" dur="1" fill="hold">
+                                          <p:stCondLst>
+                                            <p:cond delay="0"/>
+                                          </p:stCondLst>
+                                        </p:cTn>
+                                        <p:tgtEl>
+                                          <p:spTgt spid="5"/>
+                                        </p:tgtEl>
+                                        <p:attrNameLst>
+                                          <p:attrName>style.visibility</p:attrName>
+                                        </p:attrNameLst>
+                                      </p:cBhvr>
+                                      <p:to>
+                                        <p:strVal val="visible"/>
+                                      </p:to>
+                                    </p:set>
+                                    <p:animEffect transition="in" filter="wheel(2)">
+                                      <p:cBhvr>
+                                        <p:cTn id="109" dur="1000"/>
+                                        <p:tgtEl>
+                                          <p:spTgt spid="5"/>
+                                        </p:tgtEl>
+                                      </p:cBhvr>
+                                    </p:animEffect>
+                                  </p:childTnLst>
+                                </p:cTn>
+                              </p:par>
+                            </p:childTnLst>
+                          </p:cTn>
+                        </p:par>
+                      </p:childTnLst>
+                    </p:cTn>
+                  </p:par>
+                  <p:par>
+                    <p:cTn id="110" fill="hold">
+                      <p:stCondLst>
+                        <p:cond delay="indefinite"/>
+                      </p:stCondLst>
+                      <p:childTnLst>
+                        <p:par>
+                          <p:cTn id="111" fill="hold">
+                            <p:stCondLst>
+                              <p:cond delay="0"/>
+                            </p:stCondLst>
+                            <p:childTnLst>
+                              <p:par>
+                                <p:cTn id="112" presetID="10" presetClass="entr" presetSubtype="0" fill="hold" grpId="0" nodeType="clickEffect">
+                                  <p:stCondLst>
+                                    <p:cond delay="0"/>
+                                  </p:stCondLst>
+                                  <p:childTnLst>
+                                    <p:set>
+                                      <p:cBhvr>
+                                        <p:cTn id="113" dur="1" fill="hold">
+                                          <p:stCondLst>
+                                            <p:cond delay="0"/>
+                                          </p:stCondLst>
+                                        </p:cTn>
+                                        <p:tgtEl>
+                                          <p:spTgt spid="30"/>
+                                        </p:tgtEl>
+                                        <p:attrNameLst>
+                                          <p:attrName>style.visibility</p:attrName>
+                                        </p:attrNameLst>
+                                      </p:cBhvr>
+                                      <p:to>
+                                        <p:strVal val="visible"/>
+                                      </p:to>
+                                    </p:set>
+                                    <p:animEffect transition="in" filter="fade">
+                                      <p:cBhvr>
+                                        <p:cTn id="114" dur="500"/>
+                                        <p:tgtEl>
+                                          <p:spTgt spid="30"/>
+                                        </p:tgtEl>
+                                      </p:cBhvr>
+                                    </p:animEffect>
+                                  </p:childTnLst>
+                                </p:cTn>
+                              </p:par>
+                            </p:childTnLst>
+                          </p:cTn>
+                        </p:par>
+                      </p:childTnLst>
+                    </p:cTn>
+                  </p:par>
+                  <p:par>
+                    <p:cTn id="115" fill="hold">
+                      <p:stCondLst>
+                        <p:cond delay="indefinite"/>
+                      </p:stCondLst>
+                      <p:childTnLst>
+                        <p:par>
+                          <p:cTn id="116" fill="hold">
+                            <p:stCondLst>
+                              <p:cond delay="0"/>
+                            </p:stCondLst>
+                            <p:childTnLst>
+                              <p:par>
+                                <p:cTn id="117" presetID="10" presetClass="entr" presetSubtype="0" fill="hold" grpId="0" nodeType="clickEffect">
+                                  <p:stCondLst>
+                                    <p:cond delay="0"/>
+                                  </p:stCondLst>
+                                  <p:childTnLst>
+                                    <p:set>
+                                      <p:cBhvr>
+                                        <p:cTn id="118" dur="1" fill="hold">
+                                          <p:stCondLst>
+                                            <p:cond delay="0"/>
+                                          </p:stCondLst>
+                                        </p:cTn>
+                                        <p:tgtEl>
+                                          <p:spTgt spid="45"/>
+                                        </p:tgtEl>
+                                        <p:attrNameLst>
+                                          <p:attrName>style.visibility</p:attrName>
+                                        </p:attrNameLst>
+                                      </p:cBhvr>
+                                      <p:to>
+                                        <p:strVal val="visible"/>
+                                      </p:to>
+                                    </p:set>
+                                    <p:animEffect transition="in" filter="fade">
+                                      <p:cBhvr>
+                                        <p:cTn id="119" dur="500"/>
+                                        <p:tgtEl>
+                                          <p:spTgt spid="45"/>
+                                        </p:tgtEl>
+                                      </p:cBhvr>
+                                    </p:animEffect>
+                                  </p:childTnLst>
+                                </p:cTn>
+                              </p:par>
+                              <p:par>
+                                <p:cTn id="120" presetID="10" presetClass="entr" presetSubtype="0" fill="hold" grpId="0" nodeType="withEffect">
+                                  <p:stCondLst>
+                                    <p:cond delay="0"/>
+                                  </p:stCondLst>
+                                  <p:childTnLst>
+                                    <p:set>
+                                      <p:cBhvr>
+                                        <p:cTn id="121" dur="1" fill="hold">
+                                          <p:stCondLst>
+                                            <p:cond delay="0"/>
+                                          </p:stCondLst>
+                                        </p:cTn>
+                                        <p:tgtEl>
+                                          <p:spTgt spid="44"/>
+                                        </p:tgtEl>
+                                        <p:attrNameLst>
+                                          <p:attrName>style.visibility</p:attrName>
+                                        </p:attrNameLst>
+                                      </p:cBhvr>
+                                      <p:to>
+                                        <p:strVal val="visible"/>
+                                      </p:to>
+                                    </p:set>
+                                    <p:animEffect transition="in" filter="fade">
+                                      <p:cBhvr>
+                                        <p:cTn id="122" dur="500"/>
+                                        <p:tgtEl>
+                                          <p:spTgt spid="44"/>
+                                        </p:tgtEl>
+                                      </p:cBhvr>
+                                    </p:animEffect>
+                                  </p:childTnLst>
+                                </p:cTn>
+                              </p:par>
+                              <p:par>
+                                <p:cTn id="123" presetID="10" presetClass="entr" presetSubtype="0" fill="hold" grpId="0" nodeType="withEffect">
+                                  <p:stCondLst>
+                                    <p:cond delay="0"/>
+                                  </p:stCondLst>
+                                  <p:childTnLst>
+                                    <p:set>
+                                      <p:cBhvr>
+                                        <p:cTn id="124" dur="1" fill="hold">
+                                          <p:stCondLst>
+                                            <p:cond delay="0"/>
+                                          </p:stCondLst>
+                                        </p:cTn>
+                                        <p:tgtEl>
+                                          <p:spTgt spid="43"/>
+                                        </p:tgtEl>
+                                        <p:attrNameLst>
+                                          <p:attrName>style.visibility</p:attrName>
+                                        </p:attrNameLst>
+                                      </p:cBhvr>
+                                      <p:to>
+                                        <p:strVal val="visible"/>
+                                      </p:to>
+                                    </p:set>
+                                    <p:animEffect transition="in" filter="fade">
+                                      <p:cBhvr>
+                                        <p:cTn id="125" dur="500"/>
+                                        <p:tgtEl>
+                                          <p:spTgt spid="43"/>
+                                        </p:tgtEl>
+                                      </p:cBhvr>
+                                    </p:animEffect>
+                                  </p:childTnLst>
+                                </p:cTn>
+                              </p:par>
+                              <p:par>
+                                <p:cTn id="126" presetID="10" presetClass="entr" presetSubtype="0" fill="hold" grpId="0" nodeType="withEffect">
+                                  <p:stCondLst>
+                                    <p:cond delay="0"/>
+                                  </p:stCondLst>
+                                  <p:childTnLst>
+                                    <p:set>
+                                      <p:cBhvr>
+                                        <p:cTn id="127" dur="1" fill="hold">
+                                          <p:stCondLst>
+                                            <p:cond delay="0"/>
+                                          </p:stCondLst>
+                                        </p:cTn>
+                                        <p:tgtEl>
+                                          <p:spTgt spid="41"/>
+                                        </p:tgtEl>
+                                        <p:attrNameLst>
+                                          <p:attrName>style.visibility</p:attrName>
+                                        </p:attrNameLst>
+                                      </p:cBhvr>
+                                      <p:to>
+                                        <p:strVal val="visible"/>
+                                      </p:to>
+                                    </p:set>
+                                    <p:animEffect transition="in" filter="fade">
+                                      <p:cBhvr>
+                                        <p:cTn id="128" dur="500"/>
+                                        <p:tgtEl>
+                                          <p:spTgt spid="41"/>
+                                        </p:tgtEl>
+                                      </p:cBhvr>
+                                    </p:animEffect>
+                                  </p:childTnLst>
+                                </p:cTn>
+                              </p:par>
+                            </p:childTnLst>
+                          </p:cTn>
+                        </p:par>
+                      </p:childTnLst>
+                    </p:cTn>
+                  </p:par>
+                  <p:par>
+                    <p:cTn id="129" fill="hold">
+                      <p:stCondLst>
+                        <p:cond delay="indefinite"/>
+                      </p:stCondLst>
+                      <p:childTnLst>
+                        <p:par>
+                          <p:cTn id="130" fill="hold">
+                            <p:stCondLst>
+                              <p:cond delay="0"/>
+                            </p:stCondLst>
+                            <p:childTnLst>
+                              <p:par>
+                                <p:cTn id="131" presetID="10" presetClass="entr" presetSubtype="0" fill="hold" grpId="0" nodeType="clickEffect">
+                                  <p:stCondLst>
+                                    <p:cond delay="0"/>
+                                  </p:stCondLst>
+                                  <p:childTnLst>
+                                    <p:set>
+                                      <p:cBhvr>
+                                        <p:cTn id="132" dur="1" fill="hold">
+                                          <p:stCondLst>
+                                            <p:cond delay="0"/>
+                                          </p:stCondLst>
+                                        </p:cTn>
+                                        <p:tgtEl>
+                                          <p:spTgt spid="47"/>
+                                        </p:tgtEl>
+                                        <p:attrNameLst>
+                                          <p:attrName>style.visibility</p:attrName>
+                                        </p:attrNameLst>
+                                      </p:cBhvr>
+                                      <p:to>
+                                        <p:strVal val="visible"/>
+                                      </p:to>
+                                    </p:set>
+                                    <p:animEffect transition="in" filter="fade">
+                                      <p:cBhvr>
+                                        <p:cTn id="133" dur="500"/>
+                                        <p:tgtEl>
+                                          <p:spTgt spid="47"/>
+                                        </p:tgtEl>
+                                      </p:cBhvr>
+                                    </p:animEffect>
+                                  </p:childTnLst>
+                                </p:cTn>
+                              </p:par>
+                            </p:childTnLst>
+                          </p:cTn>
+                        </p:par>
+                      </p:childTnLst>
+                    </p:cTn>
+                  </p:par>
+                </p:childTnLst>
+              </p:cTn>
+              <p:prevCondLst>
+                <p:cond evt="onPrev" delay="0">
+                  <p:tgtEl>
+                    <p:sldTgt/>
+                  </p:tgtEl>
+                </p:cond>
+              </p:prevCondLst>
+              <p:nextCondLst>
+                <p:cond evt="onNext" delay="0">
+                  <p:tgtEl>
+                    <p:sldTgt/>
+                  </p:tgtEl>
+                </p:cond>
+              </p:nextCondLst>
+            </p:seq>
+          </p:childTnLst>
+        </p:cTn>
+      </p:par>
+    </p:tnLst>
+    <p:bldLst>
+      <p:bldP spid="41" grpId="0" animBg="1"/>
+      <p:bldP spid="43" grpId="0" animBg="1"/>
+      <p:bldP spid="4" grpId="0" animBg="1"/>
+      <p:bldP spid="5" grpId="0" animBg="1"/>
+      <p:bldP spid="6" grpId="0" animBg="1"/>
+      <p:bldP spid="7" grpId="0" animBg="1"/>
+      <p:bldP spid="8" grpId="0" animBg="1"/>
+      <p:bldP spid="9" grpId="0" animBg="1"/>
+      <p:bldP spid="10" grpId="0" animBg="1"/>
+      <p:bldP spid="11" grpId="0" animBg="1"/>
+      <p:bldP spid="12" grpId="0" animBg="1"/>
+      <p:bldP spid="14" grpId="0" animBg="1"/>
+      <p:bldP spid="15" grpId="0" animBg="1"/>
+      <p:bldP spid="16" grpId="0" animBg="1"/>
+      <p:bldP spid="17" grpId="0" animBg="1"/>
+      <p:bldP spid="18" grpId="0" animBg="1"/>
+      <p:bldP spid="19" grpId="0" animBg="1"/>
+      <p:bldP spid="20" grpId="0" animBg="1"/>
+      <p:bldP spid="21" grpId="0" animBg="1"/>
+      <p:bldP spid="22" grpId="0" animBg="1"/>
+      <p:bldP spid="23" grpId="0" animBg="1"/>
+      <p:bldP spid="24" grpId="0" animBg="1"/>
+      <p:bldP spid="25" grpId="0" animBg="1"/>
+      <p:bldP spid="26" grpId="0" animBg="1"/>
+      <p:bldP spid="27" grpId="0" animBg="1"/>
+      <p:bldP spid="28" grpId="0" animBg="1"/>
+      <p:bldP spid="29" grpId="0" animBg="1"/>
+      <p:bldP spid="30" grpId="0"/>
+      <p:bldP spid="31" grpId="0" build="p"/>
+      <p:bldP spid="32" grpId="0"/>
+      <p:bldP spid="33" grpId="0"/>
+      <p:bldP spid="34" grpId="0"/>
+      <p:bldP spid="35" grpId="0"/>
+      <p:bldP spid="36" grpId="0"/>
+      <p:bldP spid="37" grpId="0"/>
+      <p:bldP spid="38" grpId="0"/>
+      <p:bldP spid="39" grpId="0"/>
+      <p:bldP spid="40" grpId="0"/>
+      <p:bldP spid="44" grpId="0" animBg="1"/>
+      <p:bldP spid="45" grpId="0" animBg="1"/>
+      <p:bldP spid="47" grpId="0"/>
+    </p:bldLst>
+  </p:timing>
 </p:sld>
 </file>
 
@@ -11277,14 +17700,6 @@
               </a:rPr>
               <a:t>In a nutshell</a:t>
             </a:r>
-            <a:endParaRPr lang="en-SE" dirty="0">
-              <a:solidFill>
-                <a:schemeClr val="bg1"/>
-              </a:solidFill>
-              <a:latin typeface="CMU Serif Roman" panose="02000603000000000000" pitchFamily="2" charset="0"/>
-              <a:ea typeface="CMU Serif Roman" panose="02000603000000000000" pitchFamily="2" charset="0"/>
-              <a:cs typeface="CMU Serif Roman" panose="02000603000000000000" pitchFamily="2" charset="0"/>
-            </a:endParaRPr>
           </a:p>
         </p:txBody>
       </p:sp>
@@ -11433,14 +17848,6 @@
               </a:rPr>
               <a:t>I know that</a:t>
             </a:r>
-            <a:endParaRPr lang="en-SE" dirty="0">
-              <a:solidFill>
-                <a:schemeClr val="bg1"/>
-              </a:solidFill>
-              <a:latin typeface="CMU Serif Roman" panose="02000603000000000000" pitchFamily="2" charset="0"/>
-              <a:ea typeface="CMU Serif Roman" panose="02000603000000000000" pitchFamily="2" charset="0"/>
-              <a:cs typeface="CMU Serif Roman" panose="02000603000000000000" pitchFamily="2" charset="0"/>
-            </a:endParaRPr>
           </a:p>
         </p:txBody>
       </p:sp>
@@ -11454,13 +17861,13 @@
   <p:clrMapOvr>
     <a:masterClrMapping/>
   </p:clrMapOvr>
-  <mc:AlternateContent xmlns:mc="http://schemas.openxmlformats.org/markup-compatibility/2006">
-    <mc:Choice xmlns:p159="http://schemas.microsoft.com/office/powerpoint/2015/09/main" Requires="p159">
+  <mc:AlternateContent xmlns:mc="http://schemas.openxmlformats.org/markup-compatibility/2006" xmlns:p159="http://schemas.microsoft.com/office/powerpoint/2015/09/main">
+    <mc:Choice Requires="p159">
       <p:transition xmlns:p14="http://schemas.microsoft.com/office/powerpoint/2010/main" spd="slow" p14:dur="2000">
         <p159:morph option="byObject"/>
       </p:transition>
     </mc:Choice>
-    <mc:Fallback>
+    <mc:Fallback xmlns="">
       <p:transition spd="slow">
         <p:fade/>
       </p:transition>
@@ -11539,13 +17946,13 @@
   <p:clrMapOvr>
     <a:masterClrMapping/>
   </p:clrMapOvr>
-  <mc:AlternateContent xmlns:mc="http://schemas.openxmlformats.org/markup-compatibility/2006">
-    <mc:Choice xmlns:p159="http://schemas.microsoft.com/office/powerpoint/2015/09/main" Requires="p159">
+  <mc:AlternateContent xmlns:mc="http://schemas.openxmlformats.org/markup-compatibility/2006" xmlns:p159="http://schemas.microsoft.com/office/powerpoint/2015/09/main">
+    <mc:Choice Requires="p159">
       <p:transition xmlns:p14="http://schemas.microsoft.com/office/powerpoint/2010/main" spd="slow" p14:dur="2000">
         <p159:morph option="byChar"/>
       </p:transition>
     </mc:Choice>
-    <mc:Fallback>
+    <mc:Fallback xmlns="">
       <p:transition spd="slow">
         <p:fade/>
       </p:transition>
@@ -14006,8 +20413,8 @@
           </a:p>
         </p:txBody>
       </p:sp>
-      <mc:AlternateContent xmlns:mc="http://schemas.openxmlformats.org/markup-compatibility/2006">
-        <mc:Choice xmlns:a14="http://schemas.microsoft.com/office/drawing/2010/main" Requires="a14">
+      <mc:AlternateContent xmlns:mc="http://schemas.openxmlformats.org/markup-compatibility/2006" xmlns:a14="http://schemas.microsoft.com/office/drawing/2010/main">
+        <mc:Choice Requires="a14">
           <p:sp>
             <p:nvSpPr>
               <p:cNvPr id="45" name="Content Placeholder 2">
@@ -14247,7 +20654,7 @@
             </p:txBody>
           </p:sp>
         </mc:Choice>
-        <mc:Fallback>
+        <mc:Fallback xmlns="">
           <p:sp>
             <p:nvSpPr>
               <p:cNvPr id="45" name="Content Placeholder 2">
@@ -14302,13 +20709,13 @@
   <p:clrMapOvr>
     <a:masterClrMapping/>
   </p:clrMapOvr>
-  <mc:AlternateContent xmlns:mc="http://schemas.openxmlformats.org/markup-compatibility/2006">
-    <mc:Choice xmlns:p159="http://schemas.microsoft.com/office/powerpoint/2015/09/main" Requires="p159">
+  <mc:AlternateContent xmlns:mc="http://schemas.openxmlformats.org/markup-compatibility/2006" xmlns:p159="http://schemas.microsoft.com/office/powerpoint/2015/09/main">
+    <mc:Choice Requires="p159">
       <p:transition xmlns:p14="http://schemas.microsoft.com/office/powerpoint/2010/main" spd="slow" p14:dur="2000">
         <p159:morph option="byObject"/>
       </p:transition>
     </mc:Choice>
-    <mc:Fallback>
+    <mc:Fallback xmlns="">
       <p:transition spd="slow">
         <p:fade/>
       </p:transition>
@@ -18385,8 +24792,8 @@
           </a:p>
         </p:txBody>
       </p:sp>
-      <mc:AlternateContent xmlns:mc="http://schemas.openxmlformats.org/markup-compatibility/2006">
-        <mc:Choice xmlns:a14="http://schemas.microsoft.com/office/drawing/2010/main" Requires="a14">
+      <mc:AlternateContent xmlns:mc="http://schemas.openxmlformats.org/markup-compatibility/2006" xmlns:a14="http://schemas.microsoft.com/office/drawing/2010/main">
+        <mc:Choice Requires="a14">
           <p:sp>
             <p:nvSpPr>
               <p:cNvPr id="45" name="Content Placeholder 2">
@@ -18626,7 +25033,7 @@
             </p:txBody>
           </p:sp>
         </mc:Choice>
-        <mc:Fallback>
+        <mc:Fallback xmlns="">
           <p:sp>
             <p:nvSpPr>
               <p:cNvPr id="45" name="Content Placeholder 2">
@@ -18681,13 +25088,13 @@
   <p:clrMapOvr>
     <a:masterClrMapping/>
   </p:clrMapOvr>
-  <mc:AlternateContent xmlns:mc="http://schemas.openxmlformats.org/markup-compatibility/2006">
-    <mc:Choice xmlns:p159="http://schemas.microsoft.com/office/powerpoint/2015/09/main" Requires="p159">
+  <mc:AlternateContent xmlns:mc="http://schemas.openxmlformats.org/markup-compatibility/2006" xmlns:p159="http://schemas.microsoft.com/office/powerpoint/2015/09/main">
+    <mc:Choice Requires="p159">
       <p:transition xmlns:p14="http://schemas.microsoft.com/office/powerpoint/2010/main" spd="slow" p14:dur="2000">
         <p159:morph option="byObject"/>
       </p:transition>
     </mc:Choice>
-    <mc:Fallback>
+    <mc:Fallback xmlns="">
       <p:transition spd="slow">
         <p:fade/>
       </p:transition>
@@ -21217,8 +27624,8 @@
           </a:p>
         </p:txBody>
       </p:sp>
-      <mc:AlternateContent xmlns:mc="http://schemas.openxmlformats.org/markup-compatibility/2006">
-        <mc:Choice xmlns:a14="http://schemas.microsoft.com/office/drawing/2010/main" Requires="a14">
+      <mc:AlternateContent xmlns:mc="http://schemas.openxmlformats.org/markup-compatibility/2006" xmlns:a14="http://schemas.microsoft.com/office/drawing/2010/main">
+        <mc:Choice Requires="a14">
           <p:sp>
             <p:nvSpPr>
               <p:cNvPr id="45" name="Content Placeholder 2">
@@ -21458,7 +27865,7 @@
             </p:txBody>
           </p:sp>
         </mc:Choice>
-        <mc:Fallback>
+        <mc:Fallback xmlns="">
           <p:sp>
             <p:nvSpPr>
               <p:cNvPr id="45" name="Content Placeholder 2">
@@ -21513,13 +27920,13 @@
   <p:clrMapOvr>
     <a:masterClrMapping/>
   </p:clrMapOvr>
-  <mc:AlternateContent xmlns:mc="http://schemas.openxmlformats.org/markup-compatibility/2006">
-    <mc:Choice xmlns:p159="http://schemas.microsoft.com/office/powerpoint/2015/09/main" Requires="p159">
+  <mc:AlternateContent xmlns:mc="http://schemas.openxmlformats.org/markup-compatibility/2006" xmlns:p159="http://schemas.microsoft.com/office/powerpoint/2015/09/main">
+    <mc:Choice Requires="p159">
       <p:transition xmlns:p14="http://schemas.microsoft.com/office/powerpoint/2010/main" spd="slow" p14:dur="2000">
         <p159:morph option="byObject"/>
       </p:transition>
     </mc:Choice>
-    <mc:Fallback>
+    <mc:Fallback xmlns="">
       <p:transition spd="slow">
         <p:fade/>
       </p:transition>
@@ -22415,8 +28822,8 @@
           </p:sp>
         </mc:Fallback>
       </mc:AlternateContent>
-      <mc:AlternateContent xmlns:mc="http://schemas.openxmlformats.org/markup-compatibility/2006">
-        <mc:Choice xmlns:a14="http://schemas.microsoft.com/office/drawing/2010/main" Requires="a14">
+      <mc:AlternateContent xmlns:mc="http://schemas.openxmlformats.org/markup-compatibility/2006" xmlns:a14="http://schemas.microsoft.com/office/drawing/2010/main">
+        <mc:Choice Requires="a14">
           <p:sp>
             <p:nvSpPr>
               <p:cNvPr id="4" name="Content Placeholder 3">
@@ -23494,7 +29901,7 @@
             </p:txBody>
           </p:sp>
         </mc:Choice>
-        <mc:Fallback>
+        <mc:Fallback xmlns="">
           <p:sp>
             <p:nvSpPr>
               <p:cNvPr id="4" name="Content Placeholder 3">
@@ -38585,13 +44992,13 @@
   <p:clrMapOvr>
     <a:masterClrMapping/>
   </p:clrMapOvr>
-  <mc:AlternateContent xmlns:mc="http://schemas.openxmlformats.org/markup-compatibility/2006">
-    <mc:Choice xmlns:p159="http://schemas.microsoft.com/office/powerpoint/2015/09/main" Requires="p159">
+  <mc:AlternateContent xmlns:mc="http://schemas.openxmlformats.org/markup-compatibility/2006" xmlns:p159="http://schemas.microsoft.com/office/powerpoint/2015/09/main">
+    <mc:Choice Requires="p159">
       <p:transition xmlns:p14="http://schemas.microsoft.com/office/powerpoint/2010/main" spd="slow" p14:dur="2000">
         <p159:morph option="byObject"/>
       </p:transition>
     </mc:Choice>
-    <mc:Fallback>
+    <mc:Fallback xmlns="">
       <p:transition spd="slow">
         <p:fade/>
       </p:transition>
